--- a/BANA4080_midterm_project/Midterm Project.pptx
+++ b/BANA4080_midterm_project/Midterm Project.pptx
@@ -1,31 +1,40 @@
 
 <file path=ppt/presentation.xml><?xml version="1.0" encoding="utf-8"?>
-<p:presentation xmlns:a="http://schemas.openxmlformats.org/drawingml/2006/main" xmlns:r="http://schemas.openxmlformats.org/officeDocument/2006/relationships" xmlns:p="http://schemas.openxmlformats.org/presentationml/2006/main" saveSubsetFonts="1" embedTrueTypeFonts="true">
+<p:presentation xmlns:a="http://schemas.openxmlformats.org/drawingml/2006/main" xmlns:r="http://schemas.openxmlformats.org/officeDocument/2006/relationships" xmlns:p="http://schemas.openxmlformats.org/presentationml/2006/main" embedTrueTypeFonts="1" saveSubsetFonts="1">
   <p:sldMasterIdLst>
     <p:sldMasterId id="2147483648" r:id="rId1"/>
   </p:sldMasterIdLst>
   <p:notesMasterIdLst>
-    <p:notesMasterId r:id="rId15"/>
+    <p:notesMasterId r:id="rId11"/>
   </p:notesMasterIdLst>
   <p:sldIdLst>
-    <p:sldId id="256" r:id="rId6"/>
-    <p:sldId id="257" r:id="rId7"/>
-    <p:sldId id="258" r:id="rId8"/>
-    <p:sldId id="259" r:id="rId9"/>
-    <p:sldId id="260" r:id="rId10"/>
-    <p:sldId id="261" r:id="rId11"/>
-    <p:sldId id="262" r:id="rId12"/>
+    <p:sldId id="256" r:id="rId2"/>
+    <p:sldId id="257" r:id="rId3"/>
+    <p:sldId id="258" r:id="rId4"/>
+    <p:sldId id="259" r:id="rId5"/>
+    <p:sldId id="263" r:id="rId6"/>
+    <p:sldId id="260" r:id="rId7"/>
+    <p:sldId id="265" r:id="rId8"/>
+    <p:sldId id="261" r:id="rId9"/>
+    <p:sldId id="262" r:id="rId10"/>
   </p:sldIdLst>
   <p:sldSz cx="18288000" cy="10287000"/>
   <p:notesSz cx="6858000" cy="9144000"/>
   <p:embeddedFontLst>
     <p:embeddedFont>
-      <p:font typeface="Gotham" charset="1" panose="00000000000000000000"/>
-      <p:regular r:id="rId13"/>
+      <p:font typeface="Calibri" panose="020F0502020204030204" pitchFamily="34" charset="0"/>
+      <p:regular r:id="rId12"/>
+      <p:bold r:id="rId13"/>
+      <p:italic r:id="rId14"/>
+      <p:boldItalic r:id="rId15"/>
     </p:embeddedFont>
     <p:embeddedFont>
-      <p:font typeface="Gotham Bold" charset="1" panose="00000000000000000000"/>
-      <p:regular r:id="rId14"/>
+      <p:font typeface="Gotham" panose="020B0604020202020204" charset="0"/>
+      <p:regular r:id="rId16"/>
+    </p:embeddedFont>
+    <p:embeddedFont>
+      <p:font typeface="Gotham Bold" panose="020B0604020202020204" charset="0"/>
+      <p:regular r:id="rId17"/>
     </p:embeddedFont>
   </p:embeddedFontLst>
   <p:defaultTextStyle>
@@ -123,7 +132,555 @@
       </a:defRPr>
     </a:lvl9pPr>
   </p:defaultTextStyle>
+  <p:extLst>
+    <p:ext uri="{EFAFB233-063F-42B5-8137-9DF3F51BA10A}">
+      <p15:sldGuideLst xmlns:p15="http://schemas.microsoft.com/office/powerpoint/2012/main">
+        <p15:guide id="1" orient="horz" pos="2160">
+          <p15:clr>
+            <a:srgbClr val="A4A3A4"/>
+          </p15:clr>
+        </p15:guide>
+        <p15:guide id="2" pos="2880">
+          <p15:clr>
+            <a:srgbClr val="A4A3A4"/>
+          </p15:clr>
+        </p15:guide>
+      </p15:sldGuideLst>
+    </p:ext>
+  </p:extLst>
 </p:presentation>
+</file>
+
+<file path=ppt/changesInfos/changesInfo1.xml><?xml version="1.0" encoding="utf-8"?>
+<pc:chgInfo xmlns:a="http://schemas.openxmlformats.org/drawingml/2006/main" xmlns:r="http://schemas.openxmlformats.org/officeDocument/2006/relationships" xmlns:ac="http://schemas.microsoft.com/office/drawing/2013/main/command" xmlns:pc="http://schemas.microsoft.com/office/powerpoint/2013/main/command">
+  <pc:docChgLst>
+    <pc:chgData name="Vo, Eirlys (vopq)" userId="aa51f97e-ec47-4d79-be02-a3e82835624f" providerId="ADAL" clId="{79C2031D-940D-4C26-A722-FE1E190C6C2B}"/>
+    <pc:docChg chg="undo custSel addSld delSld modSld sldOrd">
+      <pc:chgData name="Vo, Eirlys (vopq)" userId="aa51f97e-ec47-4d79-be02-a3e82835624f" providerId="ADAL" clId="{79C2031D-940D-4C26-A722-FE1E190C6C2B}" dt="2024-10-13T22:58:04.265" v="1072" actId="1035"/>
+      <pc:docMkLst>
+        <pc:docMk/>
+      </pc:docMkLst>
+      <pc:sldChg chg="modSp mod">
+        <pc:chgData name="Vo, Eirlys (vopq)" userId="aa51f97e-ec47-4d79-be02-a3e82835624f" providerId="ADAL" clId="{79C2031D-940D-4C26-A722-FE1E190C6C2B}" dt="2024-10-13T22:58:04.265" v="1072" actId="1035"/>
+        <pc:sldMkLst>
+          <pc:docMk/>
+          <pc:sldMk cId="0" sldId="256"/>
+        </pc:sldMkLst>
+        <pc:spChg chg="mod">
+          <ac:chgData name="Vo, Eirlys (vopq)" userId="aa51f97e-ec47-4d79-be02-a3e82835624f" providerId="ADAL" clId="{79C2031D-940D-4C26-A722-FE1E190C6C2B}" dt="2024-10-13T22:57:41.306" v="1068" actId="1036"/>
+          <ac:spMkLst>
+            <pc:docMk/>
+            <pc:sldMk cId="0" sldId="256"/>
+            <ac:spMk id="16" creationId="{00000000-0000-0000-0000-000000000000}"/>
+          </ac:spMkLst>
+        </pc:spChg>
+        <pc:spChg chg="mod">
+          <ac:chgData name="Vo, Eirlys (vopq)" userId="aa51f97e-ec47-4d79-be02-a3e82835624f" providerId="ADAL" clId="{79C2031D-940D-4C26-A722-FE1E190C6C2B}" dt="2024-10-13T22:57:47.496" v="1069" actId="1036"/>
+          <ac:spMkLst>
+            <pc:docMk/>
+            <pc:sldMk cId="0" sldId="256"/>
+            <ac:spMk id="17" creationId="{00000000-0000-0000-0000-000000000000}"/>
+          </ac:spMkLst>
+        </pc:spChg>
+        <pc:spChg chg="mod">
+          <ac:chgData name="Vo, Eirlys (vopq)" userId="aa51f97e-ec47-4d79-be02-a3e82835624f" providerId="ADAL" clId="{79C2031D-940D-4C26-A722-FE1E190C6C2B}" dt="2024-10-13T22:58:04.265" v="1072" actId="1035"/>
+          <ac:spMkLst>
+            <pc:docMk/>
+            <pc:sldMk cId="0" sldId="256"/>
+            <ac:spMk id="21" creationId="{00000000-0000-0000-0000-000000000000}"/>
+          </ac:spMkLst>
+        </pc:spChg>
+      </pc:sldChg>
+      <pc:sldChg chg="modSp mod">
+        <pc:chgData name="Vo, Eirlys (vopq)" userId="aa51f97e-ec47-4d79-be02-a3e82835624f" providerId="ADAL" clId="{79C2031D-940D-4C26-A722-FE1E190C6C2B}" dt="2024-10-13T22:22:00.151" v="430" actId="123"/>
+        <pc:sldMkLst>
+          <pc:docMk/>
+          <pc:sldMk cId="0" sldId="257"/>
+        </pc:sldMkLst>
+        <pc:spChg chg="mod">
+          <ac:chgData name="Vo, Eirlys (vopq)" userId="aa51f97e-ec47-4d79-be02-a3e82835624f" providerId="ADAL" clId="{79C2031D-940D-4C26-A722-FE1E190C6C2B}" dt="2024-10-13T22:22:00.151" v="430" actId="123"/>
+          <ac:spMkLst>
+            <pc:docMk/>
+            <pc:sldMk cId="0" sldId="257"/>
+            <ac:spMk id="11" creationId="{00000000-0000-0000-0000-000000000000}"/>
+          </ac:spMkLst>
+        </pc:spChg>
+        <pc:spChg chg="mod">
+          <ac:chgData name="Vo, Eirlys (vopq)" userId="aa51f97e-ec47-4d79-be02-a3e82835624f" providerId="ADAL" clId="{79C2031D-940D-4C26-A722-FE1E190C6C2B}" dt="2024-10-13T22:21:55.074" v="429" actId="1076"/>
+          <ac:spMkLst>
+            <pc:docMk/>
+            <pc:sldMk cId="0" sldId="257"/>
+            <ac:spMk id="13" creationId="{00000000-0000-0000-0000-000000000000}"/>
+          </ac:spMkLst>
+        </pc:spChg>
+      </pc:sldChg>
+      <pc:sldChg chg="addSp delSp modSp mod modNotesTx">
+        <pc:chgData name="Vo, Eirlys (vopq)" userId="aa51f97e-ec47-4d79-be02-a3e82835624f" providerId="ADAL" clId="{79C2031D-940D-4C26-A722-FE1E190C6C2B}" dt="2024-10-13T22:25:09.701" v="579" actId="120"/>
+        <pc:sldMkLst>
+          <pc:docMk/>
+          <pc:sldMk cId="0" sldId="258"/>
+        </pc:sldMkLst>
+        <pc:spChg chg="mod">
+          <ac:chgData name="Vo, Eirlys (vopq)" userId="aa51f97e-ec47-4d79-be02-a3e82835624f" providerId="ADAL" clId="{79C2031D-940D-4C26-A722-FE1E190C6C2B}" dt="2024-10-13T22:22:48.458" v="461" actId="1035"/>
+          <ac:spMkLst>
+            <pc:docMk/>
+            <pc:sldMk cId="0" sldId="258"/>
+            <ac:spMk id="2" creationId="{00000000-0000-0000-0000-000000000000}"/>
+          </ac:spMkLst>
+        </pc:spChg>
+        <pc:spChg chg="del">
+          <ac:chgData name="Vo, Eirlys (vopq)" userId="aa51f97e-ec47-4d79-be02-a3e82835624f" providerId="ADAL" clId="{79C2031D-940D-4C26-A722-FE1E190C6C2B}" dt="2024-10-13T20:15:19.592" v="17" actId="478"/>
+          <ac:spMkLst>
+            <pc:docMk/>
+            <pc:sldMk cId="0" sldId="258"/>
+            <ac:spMk id="6" creationId="{00000000-0000-0000-0000-000000000000}"/>
+          </ac:spMkLst>
+        </pc:spChg>
+        <pc:spChg chg="mod">
+          <ac:chgData name="Vo, Eirlys (vopq)" userId="aa51f97e-ec47-4d79-be02-a3e82835624f" providerId="ADAL" clId="{79C2031D-940D-4C26-A722-FE1E190C6C2B}" dt="2024-10-13T22:25:09.701" v="579" actId="120"/>
+          <ac:spMkLst>
+            <pc:docMk/>
+            <pc:sldMk cId="0" sldId="258"/>
+            <ac:spMk id="7" creationId="{00000000-0000-0000-0000-000000000000}"/>
+          </ac:spMkLst>
+        </pc:spChg>
+        <pc:spChg chg="mod">
+          <ac:chgData name="Vo, Eirlys (vopq)" userId="aa51f97e-ec47-4d79-be02-a3e82835624f" providerId="ADAL" clId="{79C2031D-940D-4C26-A722-FE1E190C6C2B}" dt="2024-10-13T22:22:27.903" v="454" actId="1037"/>
+          <ac:spMkLst>
+            <pc:docMk/>
+            <pc:sldMk cId="0" sldId="258"/>
+            <ac:spMk id="8" creationId="{00000000-0000-0000-0000-000000000000}"/>
+          </ac:spMkLst>
+        </pc:spChg>
+        <pc:picChg chg="add del mod">
+          <ac:chgData name="Vo, Eirlys (vopq)" userId="aa51f97e-ec47-4d79-be02-a3e82835624f" providerId="ADAL" clId="{79C2031D-940D-4C26-A722-FE1E190C6C2B}" dt="2024-10-13T22:10:58.565" v="103" actId="478"/>
+          <ac:picMkLst>
+            <pc:docMk/>
+            <pc:sldMk cId="0" sldId="258"/>
+            <ac:picMk id="10" creationId="{D581CF7F-C1C8-4418-ABE1-9292DD0EE7E8}"/>
+          </ac:picMkLst>
+        </pc:picChg>
+        <pc:picChg chg="add mod ord">
+          <ac:chgData name="Vo, Eirlys (vopq)" userId="aa51f97e-ec47-4d79-be02-a3e82835624f" providerId="ADAL" clId="{79C2031D-940D-4C26-A722-FE1E190C6C2B}" dt="2024-10-13T22:22:56.186" v="462" actId="14100"/>
+          <ac:picMkLst>
+            <pc:docMk/>
+            <pc:sldMk cId="0" sldId="258"/>
+            <ac:picMk id="12" creationId="{DBD5E262-D543-478E-88EB-9E04632BE04C}"/>
+          </ac:picMkLst>
+        </pc:picChg>
+      </pc:sldChg>
+      <pc:sldChg chg="addSp delSp modSp mod modNotesTx">
+        <pc:chgData name="Vo, Eirlys (vopq)" userId="aa51f97e-ec47-4d79-be02-a3e82835624f" providerId="ADAL" clId="{79C2031D-940D-4C26-A722-FE1E190C6C2B}" dt="2024-10-13T22:41:40.810" v="652" actId="6549"/>
+        <pc:sldMkLst>
+          <pc:docMk/>
+          <pc:sldMk cId="0" sldId="259"/>
+        </pc:sldMkLst>
+        <pc:spChg chg="del">
+          <ac:chgData name="Vo, Eirlys (vopq)" userId="aa51f97e-ec47-4d79-be02-a3e82835624f" providerId="ADAL" clId="{79C2031D-940D-4C26-A722-FE1E190C6C2B}" dt="2024-10-13T20:15:45.131" v="20" actId="478"/>
+          <ac:spMkLst>
+            <pc:docMk/>
+            <pc:sldMk cId="0" sldId="259"/>
+            <ac:spMk id="8" creationId="{00000000-0000-0000-0000-000000000000}"/>
+          </ac:spMkLst>
+        </pc:spChg>
+        <pc:spChg chg="mod">
+          <ac:chgData name="Vo, Eirlys (vopq)" userId="aa51f97e-ec47-4d79-be02-a3e82835624f" providerId="ADAL" clId="{79C2031D-940D-4C26-A722-FE1E190C6C2B}" dt="2024-10-13T22:41:40.810" v="652" actId="6549"/>
+          <ac:spMkLst>
+            <pc:docMk/>
+            <pc:sldMk cId="0" sldId="259"/>
+            <ac:spMk id="9" creationId="{00000000-0000-0000-0000-000000000000}"/>
+          </ac:spMkLst>
+        </pc:spChg>
+        <pc:spChg chg="mod">
+          <ac:chgData name="Vo, Eirlys (vopq)" userId="aa51f97e-ec47-4d79-be02-a3e82835624f" providerId="ADAL" clId="{79C2031D-940D-4C26-A722-FE1E190C6C2B}" dt="2024-10-13T22:25:16.333" v="583" actId="20577"/>
+          <ac:spMkLst>
+            <pc:docMk/>
+            <pc:sldMk cId="0" sldId="259"/>
+            <ac:spMk id="10" creationId="{00000000-0000-0000-0000-000000000000}"/>
+          </ac:spMkLst>
+        </pc:spChg>
+        <pc:picChg chg="add del mod ord">
+          <ac:chgData name="Vo, Eirlys (vopq)" userId="aa51f97e-ec47-4d79-be02-a3e82835624f" providerId="ADAL" clId="{79C2031D-940D-4C26-A722-FE1E190C6C2B}" dt="2024-10-13T20:51:38.731" v="78" actId="478"/>
+          <ac:picMkLst>
+            <pc:docMk/>
+            <pc:sldMk cId="0" sldId="259"/>
+            <ac:picMk id="15" creationId="{667B2063-8D2F-4FCC-8B35-3BB0F6D4E71C}"/>
+          </ac:picMkLst>
+        </pc:picChg>
+        <pc:picChg chg="add del mod">
+          <ac:chgData name="Vo, Eirlys (vopq)" userId="aa51f97e-ec47-4d79-be02-a3e82835624f" providerId="ADAL" clId="{79C2031D-940D-4C26-A722-FE1E190C6C2B}" dt="2024-10-13T20:51:43.045" v="80" actId="478"/>
+          <ac:picMkLst>
+            <pc:docMk/>
+            <pc:sldMk cId="0" sldId="259"/>
+            <ac:picMk id="17" creationId="{383BE0D5-46F4-4822-AE5D-AF179119E4CB}"/>
+          </ac:picMkLst>
+        </pc:picChg>
+        <pc:picChg chg="add del mod ord">
+          <ac:chgData name="Vo, Eirlys (vopq)" userId="aa51f97e-ec47-4d79-be02-a3e82835624f" providerId="ADAL" clId="{79C2031D-940D-4C26-A722-FE1E190C6C2B}" dt="2024-10-13T22:12:17.969" v="113" actId="478"/>
+          <ac:picMkLst>
+            <pc:docMk/>
+            <pc:sldMk cId="0" sldId="259"/>
+            <ac:picMk id="19" creationId="{5AB47E47-9CA4-4A77-AAB9-722B438D7979}"/>
+          </ac:picMkLst>
+        </pc:picChg>
+        <pc:picChg chg="add mod ord">
+          <ac:chgData name="Vo, Eirlys (vopq)" userId="aa51f97e-ec47-4d79-be02-a3e82835624f" providerId="ADAL" clId="{79C2031D-940D-4C26-A722-FE1E190C6C2B}" dt="2024-10-13T22:12:36.160" v="120" actId="1076"/>
+          <ac:picMkLst>
+            <pc:docMk/>
+            <pc:sldMk cId="0" sldId="259"/>
+            <ac:picMk id="21" creationId="{3F1C6661-19AB-4E4A-9495-3C2C05304982}"/>
+          </ac:picMkLst>
+        </pc:picChg>
+      </pc:sldChg>
+      <pc:sldChg chg="addSp delSp modSp mod modNotesTx">
+        <pc:chgData name="Vo, Eirlys (vopq)" userId="aa51f97e-ec47-4d79-be02-a3e82835624f" providerId="ADAL" clId="{79C2031D-940D-4C26-A722-FE1E190C6C2B}" dt="2024-10-13T22:47:40.922" v="797" actId="21"/>
+        <pc:sldMkLst>
+          <pc:docMk/>
+          <pc:sldMk cId="0" sldId="260"/>
+        </pc:sldMkLst>
+        <pc:spChg chg="del">
+          <ac:chgData name="Vo, Eirlys (vopq)" userId="aa51f97e-ec47-4d79-be02-a3e82835624f" providerId="ADAL" clId="{79C2031D-940D-4C26-A722-FE1E190C6C2B}" dt="2024-10-13T20:16:43.538" v="34" actId="478"/>
+          <ac:spMkLst>
+            <pc:docMk/>
+            <pc:sldMk cId="0" sldId="260"/>
+            <ac:spMk id="5" creationId="{00000000-0000-0000-0000-000000000000}"/>
+          </ac:spMkLst>
+        </pc:spChg>
+        <pc:spChg chg="mod">
+          <ac:chgData name="Vo, Eirlys (vopq)" userId="aa51f97e-ec47-4d79-be02-a3e82835624f" providerId="ADAL" clId="{79C2031D-940D-4C26-A722-FE1E190C6C2B}" dt="2024-10-13T22:47:40.922" v="797" actId="21"/>
+          <ac:spMkLst>
+            <pc:docMk/>
+            <pc:sldMk cId="0" sldId="260"/>
+            <ac:spMk id="6" creationId="{00000000-0000-0000-0000-000000000000}"/>
+          </ac:spMkLst>
+        </pc:spChg>
+        <pc:spChg chg="mod">
+          <ac:chgData name="Vo, Eirlys (vopq)" userId="aa51f97e-ec47-4d79-be02-a3e82835624f" providerId="ADAL" clId="{79C2031D-940D-4C26-A722-FE1E190C6C2B}" dt="2024-10-13T22:47:20.365" v="795" actId="20577"/>
+          <ac:spMkLst>
+            <pc:docMk/>
+            <pc:sldMk cId="0" sldId="260"/>
+            <ac:spMk id="7" creationId="{00000000-0000-0000-0000-000000000000}"/>
+          </ac:spMkLst>
+        </pc:spChg>
+        <pc:spChg chg="add del">
+          <ac:chgData name="Vo, Eirlys (vopq)" userId="aa51f97e-ec47-4d79-be02-a3e82835624f" providerId="ADAL" clId="{79C2031D-940D-4C26-A722-FE1E190C6C2B}" dt="2024-10-13T22:46:17.061" v="750"/>
+          <ac:spMkLst>
+            <pc:docMk/>
+            <pc:sldMk cId="0" sldId="260"/>
+            <ac:spMk id="14" creationId="{C7BFA756-A0B2-4B10-872F-06F50F23A2F4}"/>
+          </ac:spMkLst>
+        </pc:spChg>
+        <pc:grpChg chg="mod">
+          <ac:chgData name="Vo, Eirlys (vopq)" userId="aa51f97e-ec47-4d79-be02-a3e82835624f" providerId="ADAL" clId="{79C2031D-940D-4C26-A722-FE1E190C6C2B}" dt="2024-10-13T20:17:05.941" v="40" actId="1076"/>
+          <ac:grpSpMkLst>
+            <pc:docMk/>
+            <pc:sldMk cId="0" sldId="260"/>
+            <ac:grpSpMk id="2" creationId="{00000000-0000-0000-0000-000000000000}"/>
+          </ac:grpSpMkLst>
+        </pc:grpChg>
+        <pc:picChg chg="add del mod">
+          <ac:chgData name="Vo, Eirlys (vopq)" userId="aa51f97e-ec47-4d79-be02-a3e82835624f" providerId="ADAL" clId="{79C2031D-940D-4C26-A722-FE1E190C6C2B}" dt="2024-10-13T20:59:59.205" v="91" actId="478"/>
+          <ac:picMkLst>
+            <pc:docMk/>
+            <pc:sldMk cId="0" sldId="260"/>
+            <ac:picMk id="9" creationId="{0564FB74-334E-4F11-B525-C65ECF678FFA}"/>
+          </ac:picMkLst>
+        </pc:picChg>
+        <pc:picChg chg="add del mod">
+          <ac:chgData name="Vo, Eirlys (vopq)" userId="aa51f97e-ec47-4d79-be02-a3e82835624f" providerId="ADAL" clId="{79C2031D-940D-4C26-A722-FE1E190C6C2B}" dt="2024-10-13T22:14:03.266" v="127" actId="478"/>
+          <ac:picMkLst>
+            <pc:docMk/>
+            <pc:sldMk cId="0" sldId="260"/>
+            <ac:picMk id="11" creationId="{BC888AD3-79CD-4C5C-AE9A-11241FA371D5}"/>
+          </ac:picMkLst>
+        </pc:picChg>
+        <pc:picChg chg="add mod ord">
+          <ac:chgData name="Vo, Eirlys (vopq)" userId="aa51f97e-ec47-4d79-be02-a3e82835624f" providerId="ADAL" clId="{79C2031D-940D-4C26-A722-FE1E190C6C2B}" dt="2024-10-13T22:14:19.888" v="133" actId="1076"/>
+          <ac:picMkLst>
+            <pc:docMk/>
+            <pc:sldMk cId="0" sldId="260"/>
+            <ac:picMk id="13" creationId="{12018B43-EA51-48C5-A0D0-A96AA4C4F69B}"/>
+          </ac:picMkLst>
+        </pc:picChg>
+      </pc:sldChg>
+      <pc:sldChg chg="addSp delSp modSp mod">
+        <pc:chgData name="Vo, Eirlys (vopq)" userId="aa51f97e-ec47-4d79-be02-a3e82835624f" providerId="ADAL" clId="{79C2031D-940D-4C26-A722-FE1E190C6C2B}" dt="2024-10-13T22:52:43.893" v="948" actId="2711"/>
+        <pc:sldMkLst>
+          <pc:docMk/>
+          <pc:sldMk cId="0" sldId="261"/>
+        </pc:sldMkLst>
+        <pc:spChg chg="del">
+          <ac:chgData name="Vo, Eirlys (vopq)" userId="aa51f97e-ec47-4d79-be02-a3e82835624f" providerId="ADAL" clId="{79C2031D-940D-4C26-A722-FE1E190C6C2B}" dt="2024-10-13T20:23:13.570" v="66" actId="478"/>
+          <ac:spMkLst>
+            <pc:docMk/>
+            <pc:sldMk cId="0" sldId="261"/>
+            <ac:spMk id="5" creationId="{00000000-0000-0000-0000-000000000000}"/>
+          </ac:spMkLst>
+        </pc:spChg>
+        <pc:spChg chg="mod">
+          <ac:chgData name="Vo, Eirlys (vopq)" userId="aa51f97e-ec47-4d79-be02-a3e82835624f" providerId="ADAL" clId="{79C2031D-940D-4C26-A722-FE1E190C6C2B}" dt="2024-10-13T22:52:43.893" v="948" actId="2711"/>
+          <ac:spMkLst>
+            <pc:docMk/>
+            <pc:sldMk cId="0" sldId="261"/>
+            <ac:spMk id="9" creationId="{00000000-0000-0000-0000-000000000000}"/>
+          </ac:spMkLst>
+        </pc:spChg>
+        <pc:grpChg chg="mod">
+          <ac:chgData name="Vo, Eirlys (vopq)" userId="aa51f97e-ec47-4d79-be02-a3e82835624f" providerId="ADAL" clId="{79C2031D-940D-4C26-A722-FE1E190C6C2B}" dt="2024-10-13T20:23:29.880" v="71" actId="1076"/>
+          <ac:grpSpMkLst>
+            <pc:docMk/>
+            <pc:sldMk cId="0" sldId="261"/>
+            <ac:grpSpMk id="2" creationId="{00000000-0000-0000-0000-000000000000}"/>
+          </ac:grpSpMkLst>
+        </pc:grpChg>
+        <pc:picChg chg="add del mod ord">
+          <ac:chgData name="Vo, Eirlys (vopq)" userId="aa51f97e-ec47-4d79-be02-a3e82835624f" providerId="ADAL" clId="{79C2031D-940D-4C26-A722-FE1E190C6C2B}" dt="2024-10-13T22:15:26.173" v="143" actId="478"/>
+          <ac:picMkLst>
+            <pc:docMk/>
+            <pc:sldMk cId="0" sldId="261"/>
+            <ac:picMk id="12" creationId="{EF769993-6947-4904-A675-878B66D20B16}"/>
+          </ac:picMkLst>
+        </pc:picChg>
+        <pc:picChg chg="add mod ord">
+          <ac:chgData name="Vo, Eirlys (vopq)" userId="aa51f97e-ec47-4d79-be02-a3e82835624f" providerId="ADAL" clId="{79C2031D-940D-4C26-A722-FE1E190C6C2B}" dt="2024-10-13T22:16:18.888" v="148" actId="1076"/>
+          <ac:picMkLst>
+            <pc:docMk/>
+            <pc:sldMk cId="0" sldId="261"/>
+            <ac:picMk id="14" creationId="{116EA062-6BDD-4F5D-940A-094677BF96CE}"/>
+          </ac:picMkLst>
+        </pc:picChg>
+      </pc:sldChg>
+      <pc:sldChg chg="addSp delSp modSp mod modNotesTx">
+        <pc:chgData name="Vo, Eirlys (vopq)" userId="aa51f97e-ec47-4d79-be02-a3e82835624f" providerId="ADAL" clId="{79C2031D-940D-4C26-A722-FE1E190C6C2B}" dt="2024-10-13T22:56:59.945" v="1054" actId="20577"/>
+        <pc:sldMkLst>
+          <pc:docMk/>
+          <pc:sldMk cId="0" sldId="262"/>
+        </pc:sldMkLst>
+        <pc:spChg chg="mod">
+          <ac:chgData name="Vo, Eirlys (vopq)" userId="aa51f97e-ec47-4d79-be02-a3e82835624f" providerId="ADAL" clId="{79C2031D-940D-4C26-A722-FE1E190C6C2B}" dt="2024-10-13T22:56:46.141" v="1049" actId="164"/>
+          <ac:spMkLst>
+            <pc:docMk/>
+            <pc:sldMk cId="0" sldId="262"/>
+            <ac:spMk id="5" creationId="{00000000-0000-0000-0000-000000000000}"/>
+          </ac:spMkLst>
+        </pc:spChg>
+        <pc:spChg chg="mod">
+          <ac:chgData name="Vo, Eirlys (vopq)" userId="aa51f97e-ec47-4d79-be02-a3e82835624f" providerId="ADAL" clId="{79C2031D-940D-4C26-A722-FE1E190C6C2B}" dt="2024-10-13T22:56:46.141" v="1049" actId="164"/>
+          <ac:spMkLst>
+            <pc:docMk/>
+            <pc:sldMk cId="0" sldId="262"/>
+            <ac:spMk id="6" creationId="{00000000-0000-0000-0000-000000000000}"/>
+          </ac:spMkLst>
+        </pc:spChg>
+        <pc:spChg chg="mod">
+          <ac:chgData name="Vo, Eirlys (vopq)" userId="aa51f97e-ec47-4d79-be02-a3e82835624f" providerId="ADAL" clId="{79C2031D-940D-4C26-A722-FE1E190C6C2B}" dt="2024-10-13T22:56:46.141" v="1049" actId="164"/>
+          <ac:spMkLst>
+            <pc:docMk/>
+            <pc:sldMk cId="0" sldId="262"/>
+            <ac:spMk id="10" creationId="{00000000-0000-0000-0000-000000000000}"/>
+          </ac:spMkLst>
+        </pc:spChg>
+        <pc:spChg chg="mod">
+          <ac:chgData name="Vo, Eirlys (vopq)" userId="aa51f97e-ec47-4d79-be02-a3e82835624f" providerId="ADAL" clId="{79C2031D-940D-4C26-A722-FE1E190C6C2B}" dt="2024-10-13T22:56:46.141" v="1049" actId="164"/>
+          <ac:spMkLst>
+            <pc:docMk/>
+            <pc:sldMk cId="0" sldId="262"/>
+            <ac:spMk id="11" creationId="{00000000-0000-0000-0000-000000000000}"/>
+          </ac:spMkLst>
+        </pc:spChg>
+        <pc:spChg chg="add del">
+          <ac:chgData name="Vo, Eirlys (vopq)" userId="aa51f97e-ec47-4d79-be02-a3e82835624f" providerId="ADAL" clId="{79C2031D-940D-4C26-A722-FE1E190C6C2B}" dt="2024-10-13T22:54:00.066" v="993"/>
+          <ac:spMkLst>
+            <pc:docMk/>
+            <pc:sldMk cId="0" sldId="262"/>
+            <ac:spMk id="12" creationId="{E1683FB9-62AB-46D1-9C28-4D3F22A8F4CC}"/>
+          </ac:spMkLst>
+        </pc:spChg>
+        <pc:spChg chg="add del">
+          <ac:chgData name="Vo, Eirlys (vopq)" userId="aa51f97e-ec47-4d79-be02-a3e82835624f" providerId="ADAL" clId="{79C2031D-940D-4C26-A722-FE1E190C6C2B}" dt="2024-10-13T22:54:24.735" v="1002"/>
+          <ac:spMkLst>
+            <pc:docMk/>
+            <pc:sldMk cId="0" sldId="262"/>
+            <ac:spMk id="13" creationId="{67927883-643F-45BF-AE56-D846B5FE96D3}"/>
+          </ac:spMkLst>
+        </pc:spChg>
+        <pc:spChg chg="add del">
+          <ac:chgData name="Vo, Eirlys (vopq)" userId="aa51f97e-ec47-4d79-be02-a3e82835624f" providerId="ADAL" clId="{79C2031D-940D-4C26-A722-FE1E190C6C2B}" dt="2024-10-13T22:56:58.070" v="1052" actId="22"/>
+          <ac:spMkLst>
+            <pc:docMk/>
+            <pc:sldMk cId="0" sldId="262"/>
+            <ac:spMk id="16" creationId="{ED9DC3D1-6F3D-45AE-816B-FFDDD2656A06}"/>
+          </ac:spMkLst>
+        </pc:spChg>
+        <pc:grpChg chg="add mod">
+          <ac:chgData name="Vo, Eirlys (vopq)" userId="aa51f97e-ec47-4d79-be02-a3e82835624f" providerId="ADAL" clId="{79C2031D-940D-4C26-A722-FE1E190C6C2B}" dt="2024-10-13T22:56:50.345" v="1050" actId="1076"/>
+          <ac:grpSpMkLst>
+            <pc:docMk/>
+            <pc:sldMk cId="0" sldId="262"/>
+            <ac:grpSpMk id="14" creationId="{C5F67C8D-CE6A-4079-B4CF-CF07B1057082}"/>
+          </ac:grpSpMkLst>
+        </pc:grpChg>
+      </pc:sldChg>
+      <pc:sldChg chg="addSp delSp modSp add mod modNotesTx">
+        <pc:chgData name="Vo, Eirlys (vopq)" userId="aa51f97e-ec47-4d79-be02-a3e82835624f" providerId="ADAL" clId="{79C2031D-940D-4C26-A722-FE1E190C6C2B}" dt="2024-10-13T22:57:19.918" v="1056" actId="478"/>
+        <pc:sldMkLst>
+          <pc:docMk/>
+          <pc:sldMk cId="2930272479" sldId="263"/>
+        </pc:sldMkLst>
+        <pc:spChg chg="del">
+          <ac:chgData name="Vo, Eirlys (vopq)" userId="aa51f97e-ec47-4d79-be02-a3e82835624f" providerId="ADAL" clId="{79C2031D-940D-4C26-A722-FE1E190C6C2B}" dt="2024-10-13T18:30:03.630" v="1" actId="478"/>
+          <ac:spMkLst>
+            <pc:docMk/>
+            <pc:sldMk cId="2930272479" sldId="263"/>
+            <ac:spMk id="8" creationId="{00000000-0000-0000-0000-000000000000}"/>
+          </ac:spMkLst>
+        </pc:spChg>
+        <pc:spChg chg="mod">
+          <ac:chgData name="Vo, Eirlys (vopq)" userId="aa51f97e-ec47-4d79-be02-a3e82835624f" providerId="ADAL" clId="{79C2031D-940D-4C26-A722-FE1E190C6C2B}" dt="2024-10-13T22:48:09.853" v="805" actId="14100"/>
+          <ac:spMkLst>
+            <pc:docMk/>
+            <pc:sldMk cId="2930272479" sldId="263"/>
+            <ac:spMk id="9" creationId="{00000000-0000-0000-0000-000000000000}"/>
+          </ac:spMkLst>
+        </pc:spChg>
+        <pc:spChg chg="mod">
+          <ac:chgData name="Vo, Eirlys (vopq)" userId="aa51f97e-ec47-4d79-be02-a3e82835624f" providerId="ADAL" clId="{79C2031D-940D-4C26-A722-FE1E190C6C2B}" dt="2024-10-13T18:30:56.618" v="15" actId="1076"/>
+          <ac:spMkLst>
+            <pc:docMk/>
+            <pc:sldMk cId="2930272479" sldId="263"/>
+            <ac:spMk id="10" creationId="{00000000-0000-0000-0000-000000000000}"/>
+          </ac:spMkLst>
+        </pc:spChg>
+        <pc:spChg chg="add del">
+          <ac:chgData name="Vo, Eirlys (vopq)" userId="aa51f97e-ec47-4d79-be02-a3e82835624f" providerId="ADAL" clId="{79C2031D-940D-4C26-A722-FE1E190C6C2B}" dt="2024-10-13T22:42:40.212" v="663"/>
+          <ac:spMkLst>
+            <pc:docMk/>
+            <pc:sldMk cId="2930272479" sldId="263"/>
+            <ac:spMk id="22" creationId="{F8040E4E-C6B4-479D-B45C-4BBEFB1CF8A2}"/>
+          </ac:spMkLst>
+        </pc:spChg>
+        <pc:spChg chg="add del mod">
+          <ac:chgData name="Vo, Eirlys (vopq)" userId="aa51f97e-ec47-4d79-be02-a3e82835624f" providerId="ADAL" clId="{79C2031D-940D-4C26-A722-FE1E190C6C2B}" dt="2024-10-13T22:57:19.918" v="1056" actId="478"/>
+          <ac:spMkLst>
+            <pc:docMk/>
+            <pc:sldMk cId="2930272479" sldId="263"/>
+            <ac:spMk id="23" creationId="{83899EC3-00D2-4B6F-B8C4-DA564542C2F9}"/>
+          </ac:spMkLst>
+        </pc:spChg>
+        <pc:picChg chg="add del mod ord">
+          <ac:chgData name="Vo, Eirlys (vopq)" userId="aa51f97e-ec47-4d79-be02-a3e82835624f" providerId="ADAL" clId="{79C2031D-940D-4C26-A722-FE1E190C6C2B}" dt="2024-10-13T20:16:14.941" v="26" actId="478"/>
+          <ac:picMkLst>
+            <pc:docMk/>
+            <pc:sldMk cId="2930272479" sldId="263"/>
+            <ac:picMk id="15" creationId="{3C8EB1CD-44E6-4DC3-8B56-26F6EA8FD538}"/>
+          </ac:picMkLst>
+        </pc:picChg>
+        <pc:picChg chg="add del mod ord">
+          <ac:chgData name="Vo, Eirlys (vopq)" userId="aa51f97e-ec47-4d79-be02-a3e82835624f" providerId="ADAL" clId="{79C2031D-940D-4C26-A722-FE1E190C6C2B}" dt="2024-10-13T20:58:25.486" v="86" actId="478"/>
+          <ac:picMkLst>
+            <pc:docMk/>
+            <pc:sldMk cId="2930272479" sldId="263"/>
+            <ac:picMk id="17" creationId="{D5CC2C87-8475-44A3-89E4-014961AA2B5E}"/>
+          </ac:picMkLst>
+        </pc:picChg>
+        <pc:picChg chg="add del mod ord">
+          <ac:chgData name="Vo, Eirlys (vopq)" userId="aa51f97e-ec47-4d79-be02-a3e82835624f" providerId="ADAL" clId="{79C2031D-940D-4C26-A722-FE1E190C6C2B}" dt="2024-10-13T22:13:14.975" v="121" actId="478"/>
+          <ac:picMkLst>
+            <pc:docMk/>
+            <pc:sldMk cId="2930272479" sldId="263"/>
+            <ac:picMk id="19" creationId="{DE9E2757-EEB0-425E-A7E1-03CACE419E85}"/>
+          </ac:picMkLst>
+        </pc:picChg>
+        <pc:picChg chg="add mod ord">
+          <ac:chgData name="Vo, Eirlys (vopq)" userId="aa51f97e-ec47-4d79-be02-a3e82835624f" providerId="ADAL" clId="{79C2031D-940D-4C26-A722-FE1E190C6C2B}" dt="2024-10-13T22:13:29.752" v="126" actId="14100"/>
+          <ac:picMkLst>
+            <pc:docMk/>
+            <pc:sldMk cId="2930272479" sldId="263"/>
+            <ac:picMk id="21" creationId="{92E19025-6C09-46A1-AE70-0B5DA2226A7E}"/>
+          </ac:picMkLst>
+        </pc:picChg>
+      </pc:sldChg>
+      <pc:sldChg chg="add del">
+        <pc:chgData name="Vo, Eirlys (vopq)" userId="aa51f97e-ec47-4d79-be02-a3e82835624f" providerId="ADAL" clId="{79C2031D-940D-4C26-A722-FE1E190C6C2B}" dt="2024-10-13T20:17:31.091" v="48" actId="47"/>
+        <pc:sldMkLst>
+          <pc:docMk/>
+          <pc:sldMk cId="2617371874" sldId="264"/>
+        </pc:sldMkLst>
+      </pc:sldChg>
+      <pc:sldChg chg="addSp delSp modSp add mod ord modNotesTx">
+        <pc:chgData name="Vo, Eirlys (vopq)" userId="aa51f97e-ec47-4d79-be02-a3e82835624f" providerId="ADAL" clId="{79C2031D-940D-4C26-A722-FE1E190C6C2B}" dt="2024-10-13T22:50:52.730" v="925" actId="20577"/>
+        <pc:sldMkLst>
+          <pc:docMk/>
+          <pc:sldMk cId="332869704" sldId="265"/>
+        </pc:sldMkLst>
+        <pc:spChg chg="mod">
+          <ac:chgData name="Vo, Eirlys (vopq)" userId="aa51f97e-ec47-4d79-be02-a3e82835624f" providerId="ADAL" clId="{79C2031D-940D-4C26-A722-FE1E190C6C2B}" dt="2024-10-13T22:50:52.730" v="925" actId="20577"/>
+          <ac:spMkLst>
+            <pc:docMk/>
+            <pc:sldMk cId="332869704" sldId="265"/>
+            <ac:spMk id="9" creationId="{00000000-0000-0000-0000-000000000000}"/>
+          </ac:spMkLst>
+        </pc:spChg>
+        <pc:spChg chg="mod">
+          <ac:chgData name="Vo, Eirlys (vopq)" userId="aa51f97e-ec47-4d79-be02-a3e82835624f" providerId="ADAL" clId="{79C2031D-940D-4C26-A722-FE1E190C6C2B}" dt="2024-10-13T22:47:53.111" v="802" actId="1076"/>
+          <ac:spMkLst>
+            <pc:docMk/>
+            <pc:sldMk cId="332869704" sldId="265"/>
+            <ac:spMk id="10" creationId="{00000000-0000-0000-0000-000000000000}"/>
+          </ac:spMkLst>
+        </pc:spChg>
+        <pc:spChg chg="add del">
+          <ac:chgData name="Vo, Eirlys (vopq)" userId="aa51f97e-ec47-4d79-be02-a3e82835624f" providerId="ADAL" clId="{79C2031D-940D-4C26-A722-FE1E190C6C2B}" dt="2024-10-13T22:48:55.701" v="817"/>
+          <ac:spMkLst>
+            <pc:docMk/>
+            <pc:sldMk cId="332869704" sldId="265"/>
+            <ac:spMk id="20" creationId="{3499DE4C-FD08-4ED7-95C7-23E78642DE89}"/>
+          </ac:spMkLst>
+        </pc:spChg>
+        <pc:spChg chg="add del">
+          <ac:chgData name="Vo, Eirlys (vopq)" userId="aa51f97e-ec47-4d79-be02-a3e82835624f" providerId="ADAL" clId="{79C2031D-940D-4C26-A722-FE1E190C6C2B}" dt="2024-10-13T22:50:22.746" v="873"/>
+          <ac:spMkLst>
+            <pc:docMk/>
+            <pc:sldMk cId="332869704" sldId="265"/>
+            <ac:spMk id="21" creationId="{1DDFA5F9-864D-40B6-9491-9C470BBCA479}"/>
+          </ac:spMkLst>
+        </pc:spChg>
+        <pc:picChg chg="add del mod ord">
+          <ac:chgData name="Vo, Eirlys (vopq)" userId="aa51f97e-ec47-4d79-be02-a3e82835624f" providerId="ADAL" clId="{79C2031D-940D-4C26-A722-FE1E190C6C2B}" dt="2024-10-13T21:01:56.585" v="95" actId="478"/>
+          <ac:picMkLst>
+            <pc:docMk/>
+            <pc:sldMk cId="332869704" sldId="265"/>
+            <ac:picMk id="14" creationId="{E338B732-1902-4233-B181-2BEB3FDCBC07}"/>
+          </ac:picMkLst>
+        </pc:picChg>
+        <pc:picChg chg="add del mod ord">
+          <ac:chgData name="Vo, Eirlys (vopq)" userId="aa51f97e-ec47-4d79-be02-a3e82835624f" providerId="ADAL" clId="{79C2031D-940D-4C26-A722-FE1E190C6C2B}" dt="2024-10-13T22:15:02.326" v="134" actId="478"/>
+          <ac:picMkLst>
+            <pc:docMk/>
+            <pc:sldMk cId="332869704" sldId="265"/>
+            <ac:picMk id="16" creationId="{06BBC969-9724-45A5-9AE9-3BAA46E8BBDE}"/>
+          </ac:picMkLst>
+        </pc:picChg>
+        <pc:picChg chg="del">
+          <ac:chgData name="Vo, Eirlys (vopq)" userId="aa51f97e-ec47-4d79-be02-a3e82835624f" providerId="ADAL" clId="{79C2031D-940D-4C26-A722-FE1E190C6C2B}" dt="2024-10-13T20:17:33.663" v="49" actId="478"/>
+          <ac:picMkLst>
+            <pc:docMk/>
+            <pc:sldMk cId="332869704" sldId="265"/>
+            <ac:picMk id="17" creationId="{D5CC2C87-8475-44A3-89E4-014961AA2B5E}"/>
+          </ac:picMkLst>
+        </pc:picChg>
+        <pc:picChg chg="add mod ord">
+          <ac:chgData name="Vo, Eirlys (vopq)" userId="aa51f97e-ec47-4d79-be02-a3e82835624f" providerId="ADAL" clId="{79C2031D-940D-4C26-A722-FE1E190C6C2B}" dt="2024-10-13T22:15:21.336" v="142" actId="1076"/>
+          <ac:picMkLst>
+            <pc:docMk/>
+            <pc:sldMk cId="332869704" sldId="265"/>
+            <ac:picMk id="19" creationId="{495269BE-F904-4A21-87BB-6226A886A5D2}"/>
+          </ac:picMkLst>
+        </pc:picChg>
+      </pc:sldChg>
+    </pc:docChg>
+  </pc:docChgLst>
+</pc:chgInfo>
 </file>
 
 <file path=ppt/notesMasters/notesMaster1.xml><?xml version="1.0" encoding="utf-8"?>
@@ -208,7 +765,7 @@
           <a:p>
             <a:fld id="{B7268E1E-0E44-426D-905E-8AD9B19D2182}" type="datetimeFigureOut">
               <a:rPr lang="cs-CZ" smtClean="0"/>
-              <a:t>1.7.2013</a:t>
+              <a:t>13.10.2024</a:t>
             </a:fld>
             <a:endParaRPr lang="cs-CZ"/>
           </a:p>
@@ -272,35 +829,35 @@
           <a:p>
             <a:pPr lvl="0"/>
             <a:r>
-              <a:rPr lang="en-US" smtClean="0"/>
+              <a:rPr lang="en-US"/>
               <a:t>Click to edit Master text styles</a:t>
             </a:r>
           </a:p>
           <a:p>
             <a:pPr lvl="1"/>
             <a:r>
-              <a:rPr lang="en-US" smtClean="0"/>
+              <a:rPr lang="en-US"/>
               <a:t>Second level</a:t>
             </a:r>
           </a:p>
           <a:p>
             <a:pPr lvl="2"/>
             <a:r>
-              <a:rPr lang="en-US" smtClean="0"/>
+              <a:rPr lang="en-US"/>
               <a:t>Third level</a:t>
             </a:r>
           </a:p>
           <a:p>
             <a:pPr lvl="3"/>
             <a:r>
-              <a:rPr lang="en-US" smtClean="0"/>
+              <a:rPr lang="en-US"/>
               <a:t>Fourth level</a:t>
             </a:r>
           </a:p>
           <a:p>
             <a:pPr lvl="4"/>
             <a:r>
-              <a:rPr lang="en-US" smtClean="0"/>
+              <a:rPr lang="en-US"/>
               <a:t>Fifth level</a:t>
             </a:r>
             <a:endParaRPr lang="cs-CZ"/>
@@ -477,9 +1034,9 @@
 </file>
 
 <file path=ppt/notesSlides/notesSlide1.xml><?xml version="1.0" encoding="utf-8"?>
-<p:notes xmlns:p="http://schemas.openxmlformats.org/presentationml/2006/main" xmlns:a="http://schemas.openxmlformats.org/drawingml/2006/main">
+<p:notes xmlns:a="http://schemas.openxmlformats.org/drawingml/2006/main" xmlns:r="http://schemas.openxmlformats.org/officeDocument/2006/relationships" xmlns:p="http://schemas.openxmlformats.org/presentationml/2006/main">
   <p:cSld>
-    <p:spTree xmlns:r="http://schemas.openxmlformats.org/officeDocument/2006/relationships">
+    <p:spTree>
       <p:nvGrpSpPr>
         <p:cNvPr id="1" name=""/>
         <p:cNvGrpSpPr/>
@@ -519,7 +1076,9 @@
               <a:defRPr sz="1200"/>
             </a:lvl1pPr>
           </a:lstStyle>
-          <a:p/>
+          <a:p>
+            <a:endParaRPr/>
+          </a:p>
         </p:txBody>
       </p:sp>
       <p:sp>
@@ -549,8 +1108,8 @@
             </a:lvl1pPr>
           </a:lstStyle>
           <a:p>
-            <a:r id="{B7268E1E-0E44-426D-905E-8AD9B19D2182}" type="datetimeFigureOut">
-              <a:rPr lang="cs-CZ" smtClean="0"/>
+            <a:r>
+              <a:rPr lang="cs-CZ"/>
               <a:t>1.7.2013</a:t>
             </a:r>
           </a:p>
@@ -568,8 +1127,8 @@
         </p:nvSpPr>
         <p:spPr>
           <a:xfrm>
-            <a:off x="2857500" y="512763"/>
-            <a:ext cx="3429000" cy="2566987"/>
+            <a:off x="2290763" y="512763"/>
+            <a:ext cx="4562475" cy="2566987"/>
           </a:xfrm>
           <a:prstGeom prst="rect">
             <a:avLst/>
@@ -584,7 +1143,9 @@
         <p:txBody>
           <a:bodyPr vert="horz" lIns="91440" tIns="45720" rIns="91440" bIns="45720" rtlCol="0" anchor="ctr"/>
           <a:lstStyle/>
-          <a:p/>
+          <a:p>
+            <a:endParaRPr/>
+          </a:p>
         </p:txBody>
       </p:sp>
       <p:sp>
@@ -610,70 +1171,84 @@
           <a:bodyPr vert="horz" lIns="91440" tIns="45720" rIns="91440" bIns="45720" rtlCol="0"/>
           <a:lstStyle/>
           <a:p>
-            <a:r>
-              <a:rPr lang="en-US"/>
-              <a:t>Analysis Overview:</a:t>
-            </a:r>
-          </a:p>
-          <a:p>
-            <a:r>
-              <a:rPr lang="en-US"/>
-              <a:t>Investigated the impact of various coupon campaign types on consumer behavior, focusing on redemption counts and total sales.</a:t>
-            </a:r>
-          </a:p>
-          <a:p>
-            <a:r>
-              <a:rPr lang="en-US"/>
-              <a:t>Key Findings from First Graph:</a:t>
-            </a:r>
-          </a:p>
-          <a:p>
-            <a:r>
-              <a:rPr lang="en-US"/>
-              <a:t>Campaign Type A outperformed others in both redemption count and sales value, indicating strong customer engagement.</a:t>
-            </a:r>
-          </a:p>
-          <a:p>
-            <a:r>
-              <a:rPr lang="en-US"/>
-              <a:t>Insights for Campaign Type A:</a:t>
-            </a:r>
-          </a:p>
-          <a:p>
-            <a:r>
-              <a:rPr lang="en-US"/>
-              <a:t>Further investigation needed into:</a:t>
-            </a:r>
-          </a:p>
-          <a:p>
-            <a:r>
-              <a:rPr lang="en-US"/>
-              <a:t>Products best suited for Campaign Type A               </a:t>
-            </a:r>
-          </a:p>
-          <a:p>
-            <a:r>
-              <a:rPr lang="en-US"/>
-              <a:t>Structural elements contributing to its success (e.g., attractive discounts, effective placement).</a:t>
-            </a:r>
-          </a:p>
-          <a:p>
-            <a:r>
-              <a:rPr lang="en-US"/>
-              <a:t>Sales Distribution Insights:</a:t>
-            </a:r>
-          </a:p>
-          <a:p>
-            <a:r>
-              <a:rPr lang="en-US"/>
-              <a:t>Grocery Department led in sales across all campaign types due to essential product nature.</a:t>
-            </a:r>
-          </a:p>
-          <a:p>
-            <a:r>
-              <a:rPr lang="en-US"/>
-              <a:t>Type A campaign demonstrated high effectiveness, suggesting potential strategies to enhance underperforming departments.</a:t>
-            </a:r>
+            <a:pPr algn="l"/>
+            <a:r>
+              <a:rPr lang="en-US" b="0" i="0" dirty="0">
+                <a:solidFill>
+                  <a:srgbClr val="333333"/>
+                </a:solidFill>
+                <a:effectLst/>
+                <a:latin typeface="Helvetica Neue"/>
+              </a:rPr>
+              <a:t>Campaign Type A coming far ahead of others campaigns in both redemption count and total sales value. This implies how strong Campaign Type A was in triggering engagement from customers with the products having coupons.</a:t>
+            </a:r>
+          </a:p>
+          <a:p>
+            <a:pPr algn="l"/>
+            <a:r>
+              <a:rPr lang="en-US" b="0" i="0" dirty="0">
+                <a:solidFill>
+                  <a:srgbClr val="333333"/>
+                </a:solidFill>
+                <a:effectLst/>
+                <a:latin typeface="Helvetica Neue"/>
+              </a:rPr>
+              <a:t>With this in mind, we further looked into the total sales value by departments that each campaign brought in.</a:t>
+            </a:r>
+          </a:p>
+          <a:p>
+            <a:endParaRPr lang="en-US" dirty="0"/>
+          </a:p>
+          <a:p>
+            <a:pPr algn="l">
+              <a:buFont typeface="Arial" panose="020B0604020202020204" pitchFamily="34" charset="0"/>
+              <a:buChar char="•"/>
+            </a:pPr>
+            <a:r>
+              <a:rPr lang="en-US" b="0" i="0" dirty="0">
+                <a:solidFill>
+                  <a:srgbClr val="333333"/>
+                </a:solidFill>
+                <a:effectLst/>
+                <a:latin typeface="Helvetica Neue"/>
+              </a:rPr>
+              <a:t>The Grocery department stays on top of total sales value regardless of campaign types. This can be explained by being daily necessities. In the following EDA, we can omit Grocery department to see how other departments were doing.</a:t>
+            </a:r>
+          </a:p>
+          <a:p>
+            <a:pPr algn="l">
+              <a:buFont typeface="Arial" panose="020B0604020202020204" pitchFamily="34" charset="0"/>
+              <a:buChar char="•"/>
+            </a:pPr>
+            <a:r>
+              <a:rPr lang="en-US" b="0" i="0" dirty="0">
+                <a:solidFill>
+                  <a:srgbClr val="333333"/>
+                </a:solidFill>
+                <a:effectLst/>
+                <a:latin typeface="Helvetica Neue"/>
+              </a:rPr>
+              <a:t>Type A campaign has consistently driven the highest sales across all departments. This suggests that the promotional strategy used in Type A is highly effective and has broad appeal. This superior performance of Type A highlights its potential as a model for future campaigns.</a:t>
+            </a:r>
+          </a:p>
+          <a:p>
+            <a:pPr algn="l">
+              <a:buFont typeface="Arial" panose="020B0604020202020204" pitchFamily="34" charset="0"/>
+              <a:buChar char="•"/>
+            </a:pPr>
+            <a:r>
+              <a:rPr lang="en-US" b="0" i="0" dirty="0">
+                <a:solidFill>
+                  <a:srgbClr val="333333"/>
+                </a:solidFill>
+                <a:effectLst/>
+                <a:latin typeface="Helvetica Neue"/>
+              </a:rPr>
+              <a:t>Type B and Type C shows no sales in several departments, which might indicate that the promotions are not well-targeted or appealing in certain categories.</a:t>
+            </a:r>
+          </a:p>
+          <a:p>
+            <a:endParaRPr lang="en-US" dirty="0"/>
           </a:p>
         </p:txBody>
       </p:sp>
@@ -703,7 +1278,9 @@
               <a:defRPr sz="1200"/>
             </a:lvl1pPr>
           </a:lstStyle>
-          <a:p/>
+          <a:p>
+            <a:endParaRPr/>
+          </a:p>
         </p:txBody>
       </p:sp>
       <p:sp>
@@ -733,8 +1310,8 @@
             </a:lvl1pPr>
           </a:lstStyle>
           <a:p>
-            <a:r id="{871B2431-D351-4C6E-A3CF-9DFAC0E3E050}" type="slidenum">
-              <a:rPr lang="cs-CZ" smtClean="0"/>
+            <a:r>
+              <a:rPr lang="cs-CZ"/>
               <a:t>‹#›</a:t>
             </a:r>
           </a:p>
@@ -749,9 +1326,9 @@
 </file>
 
 <file path=ppt/notesSlides/notesSlide2.xml><?xml version="1.0" encoding="utf-8"?>
-<p:notes xmlns:p="http://schemas.openxmlformats.org/presentationml/2006/main" xmlns:a="http://schemas.openxmlformats.org/drawingml/2006/main">
+<p:notes xmlns:a="http://schemas.openxmlformats.org/drawingml/2006/main" xmlns:r="http://schemas.openxmlformats.org/officeDocument/2006/relationships" xmlns:p="http://schemas.openxmlformats.org/presentationml/2006/main">
   <p:cSld>
-    <p:spTree xmlns:r="http://schemas.openxmlformats.org/officeDocument/2006/relationships">
+    <p:spTree>
       <p:nvGrpSpPr>
         <p:cNvPr id="1" name=""/>
         <p:cNvGrpSpPr/>
@@ -791,7 +1368,9 @@
               <a:defRPr sz="1200"/>
             </a:lvl1pPr>
           </a:lstStyle>
-          <a:p/>
+          <a:p>
+            <a:endParaRPr/>
+          </a:p>
         </p:txBody>
       </p:sp>
       <p:sp>
@@ -821,8 +1400,8 @@
             </a:lvl1pPr>
           </a:lstStyle>
           <a:p>
-            <a:r id="{B7268E1E-0E44-426D-905E-8AD9B19D2182}" type="datetimeFigureOut">
-              <a:rPr lang="cs-CZ" smtClean="0"/>
+            <a:r>
+              <a:rPr lang="cs-CZ"/>
               <a:t>1.7.2013</a:t>
             </a:r>
           </a:p>
@@ -840,8 +1419,8 @@
         </p:nvSpPr>
         <p:spPr>
           <a:xfrm>
-            <a:off x="2857500" y="512763"/>
-            <a:ext cx="3429000" cy="2566987"/>
+            <a:off x="2290763" y="512763"/>
+            <a:ext cx="4562475" cy="2566987"/>
           </a:xfrm>
           <a:prstGeom prst="rect">
             <a:avLst/>
@@ -856,7 +1435,9 @@
         <p:txBody>
           <a:bodyPr vert="horz" lIns="91440" tIns="45720" rIns="91440" bIns="45720" rtlCol="0" anchor="ctr"/>
           <a:lstStyle/>
-          <a:p/>
+          <a:p>
+            <a:endParaRPr/>
+          </a:p>
         </p:txBody>
       </p:sp>
       <p:sp>
@@ -882,76 +1463,95 @@
           <a:bodyPr vert="horz" lIns="91440" tIns="45720" rIns="91440" bIns="45720" rtlCol="0"/>
           <a:lstStyle/>
           <a:p>
-            <a:r>
-              <a:rPr lang="en-US"/>
-              <a:t>Hypothesis Overview:</a:t>
-            </a:r>
-          </a:p>
-          <a:p>
-            <a:r>
-              <a:rPr lang="en-US"/>
-              <a:t>Analyzing the impact of display locations and coupons on product purchases.</a:t>
-            </a:r>
-          </a:p>
-          <a:p>
-            <a:r>
-              <a:rPr lang="en-US"/>
-              <a:t>Key Findings:</a:t>
-            </a:r>
-          </a:p>
-          <a:p>
-            <a:r>
-              <a:rPr lang="en-US"/>
-              <a:t>Stacked Bar Plot: Displays raw sales values across departments (excluding Grocery).</a:t>
-            </a:r>
-          </a:p>
-          <a:p>
-            <a:r>
-              <a:rPr lang="en-US"/>
-              <a:t>Top Performers: Drug GM had the highest sales, followed by Meat Packaged and Seafood Packaged, indicating that coupon offers boost purchases in selected categories.</a:t>
-            </a:r>
-          </a:p>
-          <a:p>
-            <a:r>
-              <a:rPr lang="en-US"/>
-              <a:t>Normalized Sales Analysis:</a:t>
-            </a:r>
-          </a:p>
-          <a:p>
-            <a:r>
-              <a:rPr lang="en-US"/>
-              <a:t>Normalized sales into percentages for clearer comparisons:</a:t>
-            </a:r>
-          </a:p>
-          <a:p>
-            <a:r>
-              <a:rPr lang="en-US"/>
-              <a:t>Drug GM continued to dominate sales even without coupon offerings.</a:t>
-            </a:r>
-          </a:p>
-          <a:p>
-            <a:r>
-              <a:rPr lang="en-US"/>
-              <a:t>Notably, Meat Packaged experienced a sharp decline in sales when not displayed.</a:t>
-            </a:r>
-          </a:p>
-          <a:p>
-            <a:r>
-              <a:rPr lang="en-US"/>
-              <a:t>Conclusion:</a:t>
-            </a:r>
-          </a:p>
-          <a:p>
-            <a:r>
-              <a:rPr lang="en-US"/>
-              <a:t>Display location significantly influences sales, especially for packaged goods.</a:t>
-            </a:r>
-          </a:p>
-          <a:p>
-            <a:r>
-              <a:rPr lang="en-US"/>
-              <a:t>Consistent performance from Drug GM and Meat Packaged highlights the importance of strategic display placements.</a:t>
-            </a:r>
+            <a:pPr algn="l">
+              <a:buFont typeface="Arial" panose="020B0604020202020204" pitchFamily="34" charset="0"/>
+              <a:buChar char="•"/>
+            </a:pPr>
+            <a:r>
+              <a:rPr lang="en-US" b="0" i="0" dirty="0">
+                <a:solidFill>
+                  <a:srgbClr val="333333"/>
+                </a:solidFill>
+                <a:effectLst/>
+                <a:latin typeface="Helvetica Neue"/>
+              </a:rPr>
+              <a:t>The location Store rear turned out to have extraordinarily the highest total sales value across departments. This pattern could suggest that customers tend to purchase products being displayed at store rear, especially MEAT-PCKGD.</a:t>
+            </a:r>
+          </a:p>
+          <a:p>
+            <a:pPr algn="l">
+              <a:buFont typeface="Arial" panose="020B0604020202020204" pitchFamily="34" charset="0"/>
+              <a:buChar char="•"/>
+            </a:pPr>
+            <a:r>
+              <a:rPr lang="en-US" b="0" i="0" dirty="0">
+                <a:solidFill>
+                  <a:srgbClr val="333333"/>
+                </a:solidFill>
+                <a:effectLst/>
+                <a:latin typeface="Helvetica Neue"/>
+              </a:rPr>
+              <a:t>COSMETICS department has explicit sales value at Front end cap but not other </a:t>
+            </a:r>
+            <a:r>
+              <a:rPr lang="en-US" b="0" i="0" dirty="0" err="1">
+                <a:solidFill>
+                  <a:srgbClr val="333333"/>
+                </a:solidFill>
+                <a:effectLst/>
+                <a:latin typeface="Helvetica Neue"/>
+              </a:rPr>
+              <a:t>locations.This</a:t>
+            </a:r>
+            <a:r>
+              <a:rPr lang="en-US" b="0" i="0" dirty="0">
+                <a:solidFill>
+                  <a:srgbClr val="333333"/>
+                </a:solidFill>
+                <a:effectLst/>
+                <a:latin typeface="Helvetica Neue"/>
+              </a:rPr>
+              <a:t> could be due to low visibility at other spots.</a:t>
+            </a:r>
+          </a:p>
+          <a:p>
+            <a:pPr algn="l">
+              <a:buFont typeface="Arial" panose="020B0604020202020204" pitchFamily="34" charset="0"/>
+              <a:buChar char="•"/>
+            </a:pPr>
+            <a:r>
+              <a:rPr lang="en-US" b="0" i="0" dirty="0">
+                <a:solidFill>
+                  <a:srgbClr val="333333"/>
+                </a:solidFill>
+                <a:effectLst/>
+                <a:latin typeface="Helvetica Neue"/>
+              </a:rPr>
+              <a:t>The products dataset has 32 unique departments, but only 9 departments were shown in above graph with transactions having coupon redemption. </a:t>
+            </a:r>
+            <a:r>
+              <a:rPr lang="en-US" b="0" i="0" dirty="0" err="1">
+                <a:solidFill>
+                  <a:srgbClr val="333333"/>
+                </a:solidFill>
+                <a:effectLst/>
+                <a:latin typeface="Helvetica Neue"/>
+              </a:rPr>
+              <a:t>Regork</a:t>
+            </a:r>
+            <a:r>
+              <a:rPr lang="en-US" b="0" i="0" dirty="0">
+                <a:solidFill>
+                  <a:srgbClr val="333333"/>
+                </a:solidFill>
+                <a:effectLst/>
+                <a:latin typeface="Helvetica Neue"/>
+              </a:rPr>
+              <a:t> might want to look examine further how display locations could affect the sales value if coupons are issued for the other departments.</a:t>
+            </a:r>
+          </a:p>
+          <a:p>
+            <a:endParaRPr lang="en-US" dirty="0"/>
           </a:p>
         </p:txBody>
       </p:sp>
@@ -981,7 +1581,9 @@
               <a:defRPr sz="1200"/>
             </a:lvl1pPr>
           </a:lstStyle>
-          <a:p/>
+          <a:p>
+            <a:endParaRPr/>
+          </a:p>
         </p:txBody>
       </p:sp>
       <p:sp>
@@ -1011,14 +1613,771 @@
             </a:lvl1pPr>
           </a:lstStyle>
           <a:p>
-            <a:r id="{871B2431-D351-4C6E-A3CF-9DFAC0E3E050}" type="slidenum">
+            <a:r>
+              <a:rPr lang="cs-CZ"/>
+              <a:t>‹#›</a:t>
+            </a:r>
+          </a:p>
+        </p:txBody>
+      </p:sp>
+    </p:spTree>
+  </p:cSld>
+  <p:clrMapOvr>
+    <a:masterClrMapping/>
+  </p:clrMapOvr>
+</p:notes>
+</file>
+
+<file path=ppt/notesSlides/notesSlide3.xml><?xml version="1.0" encoding="utf-8"?>
+<p:notes xmlns:a="http://schemas.openxmlformats.org/drawingml/2006/main" xmlns:r="http://schemas.openxmlformats.org/officeDocument/2006/relationships" xmlns:p="http://schemas.openxmlformats.org/presentationml/2006/main">
+  <p:cSld>
+    <p:spTree>
+      <p:nvGrpSpPr>
+        <p:cNvPr id="1" name=""/>
+        <p:cNvGrpSpPr/>
+        <p:nvPr/>
+      </p:nvGrpSpPr>
+      <p:grpSpPr>
+        <a:xfrm>
+          <a:off x="0" y="0"/>
+          <a:ext cx="0" cy="0"/>
+          <a:chOff x="0" y="0"/>
+          <a:chExt cx="0" cy="0"/>
+        </a:xfrm>
+      </p:grpSpPr>
+      <p:sp>
+        <p:nvSpPr>
+          <p:cNvPr id="2" name="Header Placeholder 1"/>
+          <p:cNvSpPr>
+            <a:spLocks noGrp="1"/>
+          </p:cNvSpPr>
+          <p:nvPr>
+            <p:ph type="hdr" sz="quarter"/>
+          </p:nvPr>
+        </p:nvSpPr>
+        <p:spPr>
+          <a:xfrm>
+            <a:off x="0" y="0"/>
+            <a:ext cx="3962400" cy="342900"/>
+          </a:xfrm>
+          <a:prstGeom prst="rect">
+            <a:avLst/>
+          </a:prstGeom>
+        </p:spPr>
+        <p:txBody>
+          <a:bodyPr vert="horz" lIns="91440" tIns="45720" rIns="91440" bIns="45720" rtlCol="0"/>
+          <a:lstStyle>
+            <a:lvl1pPr algn="l">
+              <a:defRPr sz="1200"/>
+            </a:lvl1pPr>
+          </a:lstStyle>
+          <a:p>
+            <a:endParaRPr/>
+          </a:p>
+        </p:txBody>
+      </p:sp>
+      <p:sp>
+        <p:nvSpPr>
+          <p:cNvPr id="3" name="Date Placeholder 2"/>
+          <p:cNvSpPr>
+            <a:spLocks noGrp="1"/>
+          </p:cNvSpPr>
+          <p:nvPr>
+            <p:ph type="dt" idx="1"/>
+          </p:nvPr>
+        </p:nvSpPr>
+        <p:spPr>
+          <a:xfrm>
+            <a:off x="5180013" y="0"/>
+            <a:ext cx="3962400" cy="342900"/>
+          </a:xfrm>
+          <a:prstGeom prst="rect">
+            <a:avLst/>
+          </a:prstGeom>
+        </p:spPr>
+        <p:txBody>
+          <a:bodyPr vert="horz" lIns="91440" tIns="45720" rIns="91440" bIns="45720" rtlCol="0"/>
+          <a:lstStyle>
+            <a:lvl1pPr algn="r">
+              <a:defRPr sz="1200"/>
+            </a:lvl1pPr>
+          </a:lstStyle>
+          <a:p>
+            <a:r>
+              <a:rPr lang="cs-CZ"/>
+              <a:t>1.7.2013</a:t>
+            </a:r>
+          </a:p>
+        </p:txBody>
+      </p:sp>
+      <p:sp>
+        <p:nvSpPr>
+          <p:cNvPr id="4" name="Slide Image Placeholder 3"/>
+          <p:cNvSpPr>
+            <a:spLocks noGrp="1" noRot="1" noChangeAspect="1"/>
+          </p:cNvSpPr>
+          <p:nvPr>
+            <p:ph type="sldImg" idx="2"/>
+          </p:nvPr>
+        </p:nvSpPr>
+        <p:spPr>
+          <a:xfrm>
+            <a:off x="2290763" y="512763"/>
+            <a:ext cx="4562475" cy="2566987"/>
+          </a:xfrm>
+          <a:prstGeom prst="rect">
+            <a:avLst/>
+          </a:prstGeom>
+          <a:noFill/>
+          <a:ln w="12700">
+            <a:solidFill>
+              <a:prstClr val="black"/>
+            </a:solidFill>
+          </a:ln>
+        </p:spPr>
+        <p:txBody>
+          <a:bodyPr vert="horz" lIns="91440" tIns="45720" rIns="91440" bIns="45720" rtlCol="0" anchor="ctr"/>
+          <a:lstStyle/>
+          <a:p>
+            <a:endParaRPr/>
+          </a:p>
+        </p:txBody>
+      </p:sp>
+      <p:sp>
+        <p:nvSpPr>
+          <p:cNvPr id="5" name="Notes Placeholder 4"/>
+          <p:cNvSpPr>
+            <a:spLocks noGrp="1"/>
+          </p:cNvSpPr>
+          <p:nvPr>
+            <p:ph type="body" sz="quarter" idx="3"/>
+          </p:nvPr>
+        </p:nvSpPr>
+        <p:spPr>
+          <a:xfrm>
+            <a:off x="914400" y="3251200"/>
+            <a:ext cx="7315200" cy="3081338"/>
+          </a:xfrm>
+          <a:prstGeom prst="rect">
+            <a:avLst/>
+          </a:prstGeom>
+        </p:spPr>
+        <p:txBody>
+          <a:bodyPr vert="horz" lIns="91440" tIns="45720" rIns="91440" bIns="45720" rtlCol="0"/>
+          <a:lstStyle/>
+          <a:p>
+            <a:pPr algn="l">
+              <a:buFont typeface="Arial" panose="020B0604020202020204" pitchFamily="34" charset="0"/>
+              <a:buChar char="•"/>
+            </a:pPr>
+            <a:r>
+              <a:rPr lang="en-US" b="0" i="0" dirty="0">
+                <a:solidFill>
+                  <a:srgbClr val="333333"/>
+                </a:solidFill>
+                <a:effectLst/>
+                <a:latin typeface="Helvetica Neue"/>
+              </a:rPr>
+              <a:t>Despite not being actively displayed, the Grocery department continued to lead in total sales value, followed by the Drug GM department. Notably, the MEAT department, which likely includes fresh meat, appeared to be purchased primarily when not displayed.</a:t>
+            </a:r>
+          </a:p>
+          <a:p>
+            <a:pPr algn="l">
+              <a:buFont typeface="Arial" panose="020B0604020202020204" pitchFamily="34" charset="0"/>
+              <a:buChar char="•"/>
+            </a:pPr>
+            <a:r>
+              <a:rPr lang="en-US" b="0" i="0" dirty="0">
+                <a:solidFill>
+                  <a:srgbClr val="333333"/>
+                </a:solidFill>
+                <a:effectLst/>
+                <a:latin typeface="Helvetica Neue"/>
+              </a:rPr>
+              <a:t>Another observation is that the TRAVEL &amp; LEISURE department only saw purchases when its products were not displayed, suggesting a unique purchasing behavior in this category.</a:t>
+            </a:r>
+          </a:p>
+        </p:txBody>
+      </p:sp>
+      <p:sp>
+        <p:nvSpPr>
+          <p:cNvPr id="6" name="Footer Placeholder 5"/>
+          <p:cNvSpPr>
+            <a:spLocks noGrp="1"/>
+          </p:cNvSpPr>
+          <p:nvPr>
+            <p:ph type="ftr" sz="quarter" idx="4"/>
+          </p:nvPr>
+        </p:nvSpPr>
+        <p:spPr>
+          <a:xfrm>
+            <a:off x="0" y="6502400"/>
+            <a:ext cx="3962400" cy="341313"/>
+          </a:xfrm>
+          <a:prstGeom prst="rect">
+            <a:avLst/>
+          </a:prstGeom>
+        </p:spPr>
+        <p:txBody>
+          <a:bodyPr vert="horz" lIns="91440" tIns="45720" rIns="91440" bIns="45720" rtlCol="0" anchor="b"/>
+          <a:lstStyle>
+            <a:lvl1pPr algn="l">
+              <a:defRPr sz="1200"/>
+            </a:lvl1pPr>
+          </a:lstStyle>
+          <a:p>
+            <a:endParaRPr/>
+          </a:p>
+        </p:txBody>
+      </p:sp>
+      <p:sp>
+        <p:nvSpPr>
+          <p:cNvPr id="7" name="Slide Number Placeholder 6"/>
+          <p:cNvSpPr>
+            <a:spLocks noGrp="1"/>
+          </p:cNvSpPr>
+          <p:nvPr>
+            <p:ph type="sldNum" sz="quarter" idx="5"/>
+          </p:nvPr>
+        </p:nvSpPr>
+        <p:spPr>
+          <a:xfrm>
+            <a:off x="5180013" y="6502400"/>
+            <a:ext cx="3962400" cy="341313"/>
+          </a:xfrm>
+          <a:prstGeom prst="rect">
+            <a:avLst/>
+          </a:prstGeom>
+        </p:spPr>
+        <p:txBody>
+          <a:bodyPr vert="horz" lIns="91440" tIns="45720" rIns="91440" bIns="45720" rtlCol="0" anchor="b"/>
+          <a:lstStyle>
+            <a:lvl1pPr algn="r">
+              <a:defRPr sz="1200"/>
+            </a:lvl1pPr>
+          </a:lstStyle>
+          <a:p>
+            <a:r>
+              <a:rPr lang="cs-CZ"/>
+              <a:t>‹#›</a:t>
+            </a:r>
+          </a:p>
+        </p:txBody>
+      </p:sp>
+    </p:spTree>
+    <p:extLst>
+      <p:ext uri="{BB962C8B-B14F-4D97-AF65-F5344CB8AC3E}">
+        <p14:creationId xmlns:p14="http://schemas.microsoft.com/office/powerpoint/2010/main" val="977005314"/>
+      </p:ext>
+    </p:extLst>
+  </p:cSld>
+  <p:clrMapOvr>
+    <a:masterClrMapping/>
+  </p:clrMapOvr>
+</p:notes>
+</file>
+
+<file path=ppt/notesSlides/notesSlide4.xml><?xml version="1.0" encoding="utf-8"?>
+<p:notes xmlns:a="http://schemas.openxmlformats.org/drawingml/2006/main" xmlns:r="http://schemas.openxmlformats.org/officeDocument/2006/relationships" xmlns:p="http://schemas.openxmlformats.org/presentationml/2006/main">
+  <p:cSld>
+    <p:spTree>
+      <p:nvGrpSpPr>
+        <p:cNvPr id="1" name=""/>
+        <p:cNvGrpSpPr/>
+        <p:nvPr/>
+      </p:nvGrpSpPr>
+      <p:grpSpPr>
+        <a:xfrm>
+          <a:off x="0" y="0"/>
+          <a:ext cx="0" cy="0"/>
+          <a:chOff x="0" y="0"/>
+          <a:chExt cx="0" cy="0"/>
+        </a:xfrm>
+      </p:grpSpPr>
+      <p:sp>
+        <p:nvSpPr>
+          <p:cNvPr id="2" name="Slide Image Placeholder 1"/>
+          <p:cNvSpPr>
+            <a:spLocks noGrp="1" noRot="1" noChangeAspect="1"/>
+          </p:cNvSpPr>
+          <p:nvPr>
+            <p:ph type="sldImg"/>
+          </p:nvPr>
+        </p:nvSpPr>
+        <p:spPr>
+          <a:xfrm>
+            <a:off x="2290763" y="512763"/>
+            <a:ext cx="4562475" cy="2566987"/>
+          </a:xfrm>
+        </p:spPr>
+      </p:sp>
+      <p:sp>
+        <p:nvSpPr>
+          <p:cNvPr id="3" name="Notes Placeholder 2"/>
+          <p:cNvSpPr>
+            <a:spLocks noGrp="1"/>
+          </p:cNvSpPr>
+          <p:nvPr>
+            <p:ph type="body" idx="1"/>
+          </p:nvPr>
+        </p:nvSpPr>
+        <p:spPr/>
+        <p:txBody>
+          <a:bodyPr/>
+          <a:lstStyle/>
+          <a:p>
+            <a:pPr algn="l">
+              <a:buFont typeface="Arial" panose="020B0604020202020204" pitchFamily="34" charset="0"/>
+              <a:buChar char="•"/>
+            </a:pPr>
+            <a:r>
+              <a:rPr lang="en-US" b="0" i="0" dirty="0">
+                <a:solidFill>
+                  <a:srgbClr val="333333"/>
+                </a:solidFill>
+                <a:effectLst/>
+                <a:latin typeface="Helvetica Neue"/>
+              </a:rPr>
+              <a:t>With mailer locations, more departments were represented compared to display locations, but MEAT and MEAT-PCKGD still dominated in total sales value across various locations. Interestingly, DRUG GM now concentrated its sales value primarily on the Interior page feature, unlike the broader distribution seen in display locations.</a:t>
+            </a:r>
+          </a:p>
+          <a:p>
+            <a:pPr algn="l">
+              <a:buFont typeface="Arial" panose="020B0604020202020204" pitchFamily="34" charset="0"/>
+              <a:buChar char="•"/>
+            </a:pPr>
+            <a:r>
+              <a:rPr lang="en-US" b="0" i="0" dirty="0">
+                <a:solidFill>
+                  <a:srgbClr val="333333"/>
+                </a:solidFill>
+                <a:effectLst/>
+                <a:latin typeface="Helvetica Neue"/>
+              </a:rPr>
+              <a:t>As noted earlier, while the products dataset includes 32 unique departments, only 13 are reflected in this analysis. </a:t>
+            </a:r>
+            <a:r>
+              <a:rPr lang="en-US" b="0" i="0" dirty="0" err="1">
+                <a:solidFill>
+                  <a:srgbClr val="333333"/>
+                </a:solidFill>
+                <a:effectLst/>
+                <a:latin typeface="Helvetica Neue"/>
+              </a:rPr>
+              <a:t>Regork</a:t>
+            </a:r>
+            <a:r>
+              <a:rPr lang="en-US" b="0" i="0" dirty="0">
+                <a:solidFill>
+                  <a:srgbClr val="333333"/>
+                </a:solidFill>
+                <a:effectLst/>
+                <a:latin typeface="Helvetica Neue"/>
+              </a:rPr>
+              <a:t> may want to explore opportunities to promote the remaining departments using coupons in mailer locations.</a:t>
+            </a:r>
+          </a:p>
+          <a:p>
+            <a:pPr algn="l">
+              <a:buFont typeface="Arial" panose="020B0604020202020204" pitchFamily="34" charset="0"/>
+              <a:buChar char="•"/>
+            </a:pPr>
+            <a:r>
+              <a:rPr lang="en-US" b="0" i="0" dirty="0">
+                <a:solidFill>
+                  <a:srgbClr val="333333"/>
+                </a:solidFill>
+                <a:effectLst/>
+                <a:latin typeface="Helvetica Neue"/>
+              </a:rPr>
+              <a:t>The TRAVEL &amp; LEISURE department, which wasn’t seen in the display locations analysis, showed a small sales value across three different mailer locations. It may be worth conducting a survey to determine whether increasing this department’s presence in mailers, particularly in the Interior page feature, could boost its sales value.</a:t>
+            </a:r>
+          </a:p>
+        </p:txBody>
+      </p:sp>
+      <p:sp>
+        <p:nvSpPr>
+          <p:cNvPr id="4" name="Slide Number Placeholder 3"/>
+          <p:cNvSpPr>
+            <a:spLocks noGrp="1"/>
+          </p:cNvSpPr>
+          <p:nvPr>
+            <p:ph type="sldNum" sz="quarter" idx="5"/>
+          </p:nvPr>
+        </p:nvSpPr>
+        <p:spPr/>
+        <p:txBody>
+          <a:bodyPr/>
+          <a:lstStyle/>
+          <a:p>
+            <a:fld id="{871B2431-D351-4C6E-A3CF-9DFAC0E3E050}" type="slidenum">
               <a:rPr lang="cs-CZ" smtClean="0"/>
+              <a:t>6</a:t>
+            </a:fld>
+            <a:endParaRPr lang="cs-CZ"/>
+          </a:p>
+        </p:txBody>
+      </p:sp>
+    </p:spTree>
+    <p:extLst>
+      <p:ext uri="{BB962C8B-B14F-4D97-AF65-F5344CB8AC3E}">
+        <p14:creationId xmlns:p14="http://schemas.microsoft.com/office/powerpoint/2010/main" val="1536362947"/>
+      </p:ext>
+    </p:extLst>
+  </p:cSld>
+  <p:clrMapOvr>
+    <a:masterClrMapping/>
+  </p:clrMapOvr>
+</p:notes>
+</file>
+
+<file path=ppt/notesSlides/notesSlide5.xml><?xml version="1.0" encoding="utf-8"?>
+<p:notes xmlns:a="http://schemas.openxmlformats.org/drawingml/2006/main" xmlns:r="http://schemas.openxmlformats.org/officeDocument/2006/relationships" xmlns:p="http://schemas.openxmlformats.org/presentationml/2006/main">
+  <p:cSld>
+    <p:spTree>
+      <p:nvGrpSpPr>
+        <p:cNvPr id="1" name=""/>
+        <p:cNvGrpSpPr/>
+        <p:nvPr/>
+      </p:nvGrpSpPr>
+      <p:grpSpPr>
+        <a:xfrm>
+          <a:off x="0" y="0"/>
+          <a:ext cx="0" cy="0"/>
+          <a:chOff x="0" y="0"/>
+          <a:chExt cx="0" cy="0"/>
+        </a:xfrm>
+      </p:grpSpPr>
+      <p:sp>
+        <p:nvSpPr>
+          <p:cNvPr id="2" name="Header Placeholder 1"/>
+          <p:cNvSpPr>
+            <a:spLocks noGrp="1"/>
+          </p:cNvSpPr>
+          <p:nvPr>
+            <p:ph type="hdr" sz="quarter"/>
+          </p:nvPr>
+        </p:nvSpPr>
+        <p:spPr>
+          <a:xfrm>
+            <a:off x="0" y="0"/>
+            <a:ext cx="3962400" cy="342900"/>
+          </a:xfrm>
+          <a:prstGeom prst="rect">
+            <a:avLst/>
+          </a:prstGeom>
+        </p:spPr>
+        <p:txBody>
+          <a:bodyPr vert="horz" lIns="91440" tIns="45720" rIns="91440" bIns="45720" rtlCol="0"/>
+          <a:lstStyle>
+            <a:lvl1pPr algn="l">
+              <a:defRPr sz="1200"/>
+            </a:lvl1pPr>
+          </a:lstStyle>
+          <a:p>
+            <a:endParaRPr/>
+          </a:p>
+        </p:txBody>
+      </p:sp>
+      <p:sp>
+        <p:nvSpPr>
+          <p:cNvPr id="3" name="Date Placeholder 2"/>
+          <p:cNvSpPr>
+            <a:spLocks noGrp="1"/>
+          </p:cNvSpPr>
+          <p:nvPr>
+            <p:ph type="dt" idx="1"/>
+          </p:nvPr>
+        </p:nvSpPr>
+        <p:spPr>
+          <a:xfrm>
+            <a:off x="5180013" y="0"/>
+            <a:ext cx="3962400" cy="342900"/>
+          </a:xfrm>
+          <a:prstGeom prst="rect">
+            <a:avLst/>
+          </a:prstGeom>
+        </p:spPr>
+        <p:txBody>
+          <a:bodyPr vert="horz" lIns="91440" tIns="45720" rIns="91440" bIns="45720" rtlCol="0"/>
+          <a:lstStyle>
+            <a:lvl1pPr algn="r">
+              <a:defRPr sz="1200"/>
+            </a:lvl1pPr>
+          </a:lstStyle>
+          <a:p>
+            <a:r>
+              <a:rPr lang="cs-CZ"/>
+              <a:t>1.7.2013</a:t>
+            </a:r>
+          </a:p>
+        </p:txBody>
+      </p:sp>
+      <p:sp>
+        <p:nvSpPr>
+          <p:cNvPr id="4" name="Slide Image Placeholder 3"/>
+          <p:cNvSpPr>
+            <a:spLocks noGrp="1" noRot="1" noChangeAspect="1"/>
+          </p:cNvSpPr>
+          <p:nvPr>
+            <p:ph type="sldImg" idx="2"/>
+          </p:nvPr>
+        </p:nvSpPr>
+        <p:spPr>
+          <a:xfrm>
+            <a:off x="2290763" y="512763"/>
+            <a:ext cx="4562475" cy="2566987"/>
+          </a:xfrm>
+          <a:prstGeom prst="rect">
+            <a:avLst/>
+          </a:prstGeom>
+          <a:noFill/>
+          <a:ln w="12700">
+            <a:solidFill>
+              <a:prstClr val="black"/>
+            </a:solidFill>
+          </a:ln>
+        </p:spPr>
+        <p:txBody>
+          <a:bodyPr vert="horz" lIns="91440" tIns="45720" rIns="91440" bIns="45720" rtlCol="0" anchor="ctr"/>
+          <a:lstStyle/>
+          <a:p>
+            <a:endParaRPr/>
+          </a:p>
+        </p:txBody>
+      </p:sp>
+      <p:sp>
+        <p:nvSpPr>
+          <p:cNvPr id="5" name="Notes Placeholder 4"/>
+          <p:cNvSpPr>
+            <a:spLocks noGrp="1"/>
+          </p:cNvSpPr>
+          <p:nvPr>
+            <p:ph type="body" sz="quarter" idx="3"/>
+          </p:nvPr>
+        </p:nvSpPr>
+        <p:spPr>
+          <a:xfrm>
+            <a:off x="914400" y="3251200"/>
+            <a:ext cx="7315200" cy="3081338"/>
+          </a:xfrm>
+          <a:prstGeom prst="rect">
+            <a:avLst/>
+          </a:prstGeom>
+        </p:spPr>
+        <p:txBody>
+          <a:bodyPr vert="horz" lIns="91440" tIns="45720" rIns="91440" bIns="45720" rtlCol="0"/>
+          <a:lstStyle/>
+          <a:p>
+            <a:endParaRPr lang="en-US" dirty="0"/>
+          </a:p>
+        </p:txBody>
+      </p:sp>
+      <p:sp>
+        <p:nvSpPr>
+          <p:cNvPr id="6" name="Footer Placeholder 5"/>
+          <p:cNvSpPr>
+            <a:spLocks noGrp="1"/>
+          </p:cNvSpPr>
+          <p:nvPr>
+            <p:ph type="ftr" sz="quarter" idx="4"/>
+          </p:nvPr>
+        </p:nvSpPr>
+        <p:spPr>
+          <a:xfrm>
+            <a:off x="0" y="6502400"/>
+            <a:ext cx="3962400" cy="341313"/>
+          </a:xfrm>
+          <a:prstGeom prst="rect">
+            <a:avLst/>
+          </a:prstGeom>
+        </p:spPr>
+        <p:txBody>
+          <a:bodyPr vert="horz" lIns="91440" tIns="45720" rIns="91440" bIns="45720" rtlCol="0" anchor="b"/>
+          <a:lstStyle>
+            <a:lvl1pPr algn="l">
+              <a:defRPr sz="1200"/>
+            </a:lvl1pPr>
+          </a:lstStyle>
+          <a:p>
+            <a:endParaRPr/>
+          </a:p>
+        </p:txBody>
+      </p:sp>
+      <p:sp>
+        <p:nvSpPr>
+          <p:cNvPr id="7" name="Slide Number Placeholder 6"/>
+          <p:cNvSpPr>
+            <a:spLocks noGrp="1"/>
+          </p:cNvSpPr>
+          <p:nvPr>
+            <p:ph type="sldNum" sz="quarter" idx="5"/>
+          </p:nvPr>
+        </p:nvSpPr>
+        <p:spPr>
+          <a:xfrm>
+            <a:off x="5180013" y="6502400"/>
+            <a:ext cx="3962400" cy="341313"/>
+          </a:xfrm>
+          <a:prstGeom prst="rect">
+            <a:avLst/>
+          </a:prstGeom>
+        </p:spPr>
+        <p:txBody>
+          <a:bodyPr vert="horz" lIns="91440" tIns="45720" rIns="91440" bIns="45720" rtlCol="0" anchor="b"/>
+          <a:lstStyle>
+            <a:lvl1pPr algn="r">
+              <a:defRPr sz="1200"/>
+            </a:lvl1pPr>
+          </a:lstStyle>
+          <a:p>
+            <a:r>
+              <a:rPr lang="cs-CZ"/>
               <a:t>‹#›</a:t>
             </a:r>
           </a:p>
         </p:txBody>
       </p:sp>
     </p:spTree>
+    <p:extLst>
+      <p:ext uri="{BB962C8B-B14F-4D97-AF65-F5344CB8AC3E}">
+        <p14:creationId xmlns:p14="http://schemas.microsoft.com/office/powerpoint/2010/main" val="795609555"/>
+      </p:ext>
+    </p:extLst>
+  </p:cSld>
+  <p:clrMapOvr>
+    <a:masterClrMapping/>
+  </p:clrMapOvr>
+</p:notes>
+</file>
+
+<file path=ppt/notesSlides/notesSlide6.xml><?xml version="1.0" encoding="utf-8"?>
+<p:notes xmlns:a="http://schemas.openxmlformats.org/drawingml/2006/main" xmlns:r="http://schemas.openxmlformats.org/officeDocument/2006/relationships" xmlns:p="http://schemas.openxmlformats.org/presentationml/2006/main">
+  <p:cSld>
+    <p:spTree>
+      <p:nvGrpSpPr>
+        <p:cNvPr id="1" name=""/>
+        <p:cNvGrpSpPr/>
+        <p:nvPr/>
+      </p:nvGrpSpPr>
+      <p:grpSpPr>
+        <a:xfrm>
+          <a:off x="0" y="0"/>
+          <a:ext cx="0" cy="0"/>
+          <a:chOff x="0" y="0"/>
+          <a:chExt cx="0" cy="0"/>
+        </a:xfrm>
+      </p:grpSpPr>
+      <p:sp>
+        <p:nvSpPr>
+          <p:cNvPr id="2" name="Slide Image Placeholder 1"/>
+          <p:cNvSpPr>
+            <a:spLocks noGrp="1" noRot="1" noChangeAspect="1"/>
+          </p:cNvSpPr>
+          <p:nvPr>
+            <p:ph type="sldImg"/>
+          </p:nvPr>
+        </p:nvSpPr>
+        <p:spPr>
+          <a:xfrm>
+            <a:off x="2290763" y="512763"/>
+            <a:ext cx="4562475" cy="2566987"/>
+          </a:xfrm>
+        </p:spPr>
+      </p:sp>
+      <p:sp>
+        <p:nvSpPr>
+          <p:cNvPr id="3" name="Notes Placeholder 2"/>
+          <p:cNvSpPr>
+            <a:spLocks noGrp="1"/>
+          </p:cNvSpPr>
+          <p:nvPr>
+            <p:ph type="body" idx="1"/>
+          </p:nvPr>
+        </p:nvSpPr>
+        <p:spPr/>
+        <p:txBody>
+          <a:bodyPr/>
+          <a:lstStyle/>
+          <a:p>
+            <a:pPr algn="l">
+              <a:buFont typeface="Arial" panose="020B0604020202020204" pitchFamily="34" charset="0"/>
+              <a:buChar char="•"/>
+            </a:pPr>
+            <a:r>
+              <a:rPr lang="en-US" b="0" i="0" dirty="0">
+                <a:solidFill>
+                  <a:srgbClr val="333333"/>
+                </a:solidFill>
+                <a:effectLst/>
+                <a:latin typeface="Helvetica Neue"/>
+              </a:rPr>
+              <a:t>We have not yet considered the impact of time frames on these promotional campaigns. Future work should include an analysis of how the timing of promotions influences sales performance.</a:t>
+            </a:r>
+          </a:p>
+          <a:p>
+            <a:pPr algn="l">
+              <a:buFont typeface="Arial" panose="020B0604020202020204" pitchFamily="34" charset="0"/>
+              <a:buChar char="•"/>
+            </a:pPr>
+            <a:r>
+              <a:rPr lang="en-US" b="0" i="0" dirty="0">
+                <a:solidFill>
+                  <a:srgbClr val="333333"/>
+                </a:solidFill>
+                <a:effectLst/>
+                <a:latin typeface="Helvetica Neue"/>
+              </a:rPr>
+              <a:t>The assumption made at the beginning of the report, that all transactions with any discount are redeemed coupons, has yet to be confirmed. Further validation of this assumption is necessary to ensure the accuracy of the analysis.</a:t>
+            </a:r>
+          </a:p>
+          <a:p>
+            <a:pPr algn="l">
+              <a:buFont typeface="Arial" panose="020B0604020202020204" pitchFamily="34" charset="0"/>
+              <a:buChar char="•"/>
+            </a:pPr>
+            <a:r>
+              <a:rPr lang="en-US" b="0" i="0" dirty="0">
+                <a:solidFill>
+                  <a:srgbClr val="333333"/>
+                </a:solidFill>
+                <a:effectLst/>
+                <a:latin typeface="Helvetica Neue"/>
+              </a:rPr>
+              <a:t>There are approximately 2 million coupon redemptions without corresponding transaction records. Collecting more data on these redemptions could provide valuable insights and potentially affect the total sales value of the different campaign types.</a:t>
+            </a:r>
+          </a:p>
+        </p:txBody>
+      </p:sp>
+      <p:sp>
+        <p:nvSpPr>
+          <p:cNvPr id="4" name="Slide Number Placeholder 3"/>
+          <p:cNvSpPr>
+            <a:spLocks noGrp="1"/>
+          </p:cNvSpPr>
+          <p:nvPr>
+            <p:ph type="sldNum" sz="quarter" idx="5"/>
+          </p:nvPr>
+        </p:nvSpPr>
+        <p:spPr/>
+        <p:txBody>
+          <a:bodyPr/>
+          <a:lstStyle/>
+          <a:p>
+            <a:fld id="{871B2431-D351-4C6E-A3CF-9DFAC0E3E050}" type="slidenum">
+              <a:rPr lang="cs-CZ" smtClean="0"/>
+              <a:t>9</a:t>
+            </a:fld>
+            <a:endParaRPr lang="cs-CZ"/>
+          </a:p>
+        </p:txBody>
+      </p:sp>
+    </p:spTree>
+    <p:extLst>
+      <p:ext uri="{BB962C8B-B14F-4D97-AF65-F5344CB8AC3E}">
+        <p14:creationId xmlns:p14="http://schemas.microsoft.com/office/powerpoint/2010/main" val="3068541200"/>
+      </p:ext>
+    </p:extLst>
   </p:cSld>
   <p:clrMapOvr>
     <a:masterClrMapping/>
@@ -1064,10 +2423,9 @@
           <a:lstStyle/>
           <a:p>
             <a:r>
-              <a:rPr lang="en-US" smtClean="0"/>
+              <a:rPr lang="en-US"/>
               <a:t>Click to edit Master title style</a:t>
             </a:r>
-            <a:endParaRPr lang="en-US"/>
           </a:p>
         </p:txBody>
       </p:sp>
@@ -1183,10 +2541,9 @@
           </a:lstStyle>
           <a:p>
             <a:r>
-              <a:rPr lang="en-US" smtClean="0"/>
+              <a:rPr lang="en-US"/>
               <a:t>Click to edit Master subtitle style</a:t>
             </a:r>
-            <a:endParaRPr lang="en-US"/>
           </a:p>
         </p:txBody>
       </p:sp>
@@ -1208,7 +2565,7 @@
             <a:fld id="{1D8BD707-D9CF-40AE-B4C6-C98DA3205C09}" type="datetimeFigureOut">
               <a:rPr lang="en-US" smtClean="0"/>
               <a:pPr/>
-              <a:t>8/1/2011</a:t>
+              <a:t>10/13/2024</a:t>
             </a:fld>
             <a:endParaRPr lang="en-US"/>
           </a:p>
@@ -1298,10 +2655,9 @@
           <a:lstStyle/>
           <a:p>
             <a:r>
-              <a:rPr lang="en-US" smtClean="0"/>
+              <a:rPr lang="en-US"/>
               <a:t>Click to edit Master title style</a:t>
             </a:r>
-            <a:endParaRPr lang="en-US"/>
           </a:p>
         </p:txBody>
       </p:sp>
@@ -1322,38 +2678,37 @@
           <a:p>
             <a:pPr lvl="0"/>
             <a:r>
-              <a:rPr lang="en-US" smtClean="0"/>
+              <a:rPr lang="en-US"/>
               <a:t>Click to edit Master text styles</a:t>
             </a:r>
           </a:p>
           <a:p>
             <a:pPr lvl="1"/>
             <a:r>
-              <a:rPr lang="en-US" smtClean="0"/>
+              <a:rPr lang="en-US"/>
               <a:t>Second level</a:t>
             </a:r>
           </a:p>
           <a:p>
             <a:pPr lvl="2"/>
             <a:r>
-              <a:rPr lang="en-US" smtClean="0"/>
+              <a:rPr lang="en-US"/>
               <a:t>Third level</a:t>
             </a:r>
           </a:p>
           <a:p>
             <a:pPr lvl="3"/>
             <a:r>
-              <a:rPr lang="en-US" smtClean="0"/>
+              <a:rPr lang="en-US"/>
               <a:t>Fourth level</a:t>
             </a:r>
           </a:p>
           <a:p>
             <a:pPr lvl="4"/>
             <a:r>
-              <a:rPr lang="en-US" smtClean="0"/>
+              <a:rPr lang="en-US"/>
               <a:t>Fifth level</a:t>
             </a:r>
-            <a:endParaRPr lang="en-US"/>
           </a:p>
         </p:txBody>
       </p:sp>
@@ -1375,7 +2730,7 @@
             <a:fld id="{1D8BD707-D9CF-40AE-B4C6-C98DA3205C09}" type="datetimeFigureOut">
               <a:rPr lang="en-US" smtClean="0"/>
               <a:pPr/>
-              <a:t>8/1/2011</a:t>
+              <a:t>10/13/2024</a:t>
             </a:fld>
             <a:endParaRPr lang="en-US"/>
           </a:p>
@@ -1470,10 +2825,9 @@
           <a:lstStyle/>
           <a:p>
             <a:r>
-              <a:rPr lang="en-US" smtClean="0"/>
+              <a:rPr lang="en-US"/>
               <a:t>Click to edit Master title style</a:t>
             </a:r>
-            <a:endParaRPr lang="en-US"/>
           </a:p>
         </p:txBody>
       </p:sp>
@@ -1499,38 +2853,37 @@
           <a:p>
             <a:pPr lvl="0"/>
             <a:r>
-              <a:rPr lang="en-US" smtClean="0"/>
+              <a:rPr lang="en-US"/>
               <a:t>Click to edit Master text styles</a:t>
             </a:r>
           </a:p>
           <a:p>
             <a:pPr lvl="1"/>
             <a:r>
-              <a:rPr lang="en-US" smtClean="0"/>
+              <a:rPr lang="en-US"/>
               <a:t>Second level</a:t>
             </a:r>
           </a:p>
           <a:p>
             <a:pPr lvl="2"/>
             <a:r>
-              <a:rPr lang="en-US" smtClean="0"/>
+              <a:rPr lang="en-US"/>
               <a:t>Third level</a:t>
             </a:r>
           </a:p>
           <a:p>
             <a:pPr lvl="3"/>
             <a:r>
-              <a:rPr lang="en-US" smtClean="0"/>
+              <a:rPr lang="en-US"/>
               <a:t>Fourth level</a:t>
             </a:r>
           </a:p>
           <a:p>
             <a:pPr lvl="4"/>
             <a:r>
-              <a:rPr lang="en-US" smtClean="0"/>
+              <a:rPr lang="en-US"/>
               <a:t>Fifth level</a:t>
             </a:r>
-            <a:endParaRPr lang="en-US"/>
           </a:p>
         </p:txBody>
       </p:sp>
@@ -1552,7 +2905,7 @@
             <a:fld id="{1D8BD707-D9CF-40AE-B4C6-C98DA3205C09}" type="datetimeFigureOut">
               <a:rPr lang="en-US" smtClean="0"/>
               <a:pPr/>
-              <a:t>8/1/2011</a:t>
+              <a:t>10/13/2024</a:t>
             </a:fld>
             <a:endParaRPr lang="en-US"/>
           </a:p>
@@ -1642,10 +2995,9 @@
           <a:lstStyle/>
           <a:p>
             <a:r>
-              <a:rPr lang="en-US" smtClean="0"/>
+              <a:rPr lang="en-US"/>
               <a:t>Click to edit Master title style</a:t>
             </a:r>
-            <a:endParaRPr lang="en-US"/>
           </a:p>
         </p:txBody>
       </p:sp>
@@ -1666,38 +3018,37 @@
           <a:p>
             <a:pPr lvl="0"/>
             <a:r>
-              <a:rPr lang="en-US" smtClean="0"/>
+              <a:rPr lang="en-US"/>
               <a:t>Click to edit Master text styles</a:t>
             </a:r>
           </a:p>
           <a:p>
             <a:pPr lvl="1"/>
             <a:r>
-              <a:rPr lang="en-US" smtClean="0"/>
+              <a:rPr lang="en-US"/>
               <a:t>Second level</a:t>
             </a:r>
           </a:p>
           <a:p>
             <a:pPr lvl="2"/>
             <a:r>
-              <a:rPr lang="en-US" smtClean="0"/>
+              <a:rPr lang="en-US"/>
               <a:t>Third level</a:t>
             </a:r>
           </a:p>
           <a:p>
             <a:pPr lvl="3"/>
             <a:r>
-              <a:rPr lang="en-US" smtClean="0"/>
+              <a:rPr lang="en-US"/>
               <a:t>Fourth level</a:t>
             </a:r>
           </a:p>
           <a:p>
             <a:pPr lvl="4"/>
             <a:r>
-              <a:rPr lang="en-US" smtClean="0"/>
+              <a:rPr lang="en-US"/>
               <a:t>Fifth level</a:t>
             </a:r>
-            <a:endParaRPr lang="en-US"/>
           </a:p>
         </p:txBody>
       </p:sp>
@@ -1719,7 +3070,7 @@
             <a:fld id="{1D8BD707-D9CF-40AE-B4C6-C98DA3205C09}" type="datetimeFigureOut">
               <a:rPr lang="en-US" smtClean="0"/>
               <a:pPr/>
-              <a:t>8/1/2011</a:t>
+              <a:t>10/13/2024</a:t>
             </a:fld>
             <a:endParaRPr lang="en-US"/>
           </a:p>
@@ -1818,10 +3169,9 @@
           </a:lstStyle>
           <a:p>
             <a:r>
-              <a:rPr lang="en-US" smtClean="0"/>
+              <a:rPr lang="en-US"/>
               <a:t>Click to edit Master title style</a:t>
             </a:r>
-            <a:endParaRPr lang="en-US"/>
           </a:p>
         </p:txBody>
       </p:sp>
@@ -1938,7 +3288,7 @@
           <a:p>
             <a:pPr lvl="0"/>
             <a:r>
-              <a:rPr lang="en-US" smtClean="0"/>
+              <a:rPr lang="en-US"/>
               <a:t>Click to edit Master text styles</a:t>
             </a:r>
           </a:p>
@@ -1962,7 +3312,7 @@
             <a:fld id="{1D8BD707-D9CF-40AE-B4C6-C98DA3205C09}" type="datetimeFigureOut">
               <a:rPr lang="en-US" smtClean="0"/>
               <a:pPr/>
-              <a:t>8/1/2011</a:t>
+              <a:t>10/13/2024</a:t>
             </a:fld>
             <a:endParaRPr lang="en-US"/>
           </a:p>
@@ -2052,10 +3402,9 @@
           <a:lstStyle/>
           <a:p>
             <a:r>
-              <a:rPr lang="en-US" smtClean="0"/>
+              <a:rPr lang="en-US"/>
               <a:t>Click to edit Master title style</a:t>
             </a:r>
-            <a:endParaRPr lang="en-US"/>
           </a:p>
         </p:txBody>
       </p:sp>
@@ -2109,38 +3458,37 @@
           <a:p>
             <a:pPr lvl="0"/>
             <a:r>
-              <a:rPr lang="en-US" smtClean="0"/>
+              <a:rPr lang="en-US"/>
               <a:t>Click to edit Master text styles</a:t>
             </a:r>
           </a:p>
           <a:p>
             <a:pPr lvl="1"/>
             <a:r>
-              <a:rPr lang="en-US" smtClean="0"/>
+              <a:rPr lang="en-US"/>
               <a:t>Second level</a:t>
             </a:r>
           </a:p>
           <a:p>
             <a:pPr lvl="2"/>
             <a:r>
-              <a:rPr lang="en-US" smtClean="0"/>
+              <a:rPr lang="en-US"/>
               <a:t>Third level</a:t>
             </a:r>
           </a:p>
           <a:p>
             <a:pPr lvl="3"/>
             <a:r>
-              <a:rPr lang="en-US" smtClean="0"/>
+              <a:rPr lang="en-US"/>
               <a:t>Fourth level</a:t>
             </a:r>
           </a:p>
           <a:p>
             <a:pPr lvl="4"/>
             <a:r>
-              <a:rPr lang="en-US" smtClean="0"/>
+              <a:rPr lang="en-US"/>
               <a:t>Fifth level</a:t>
             </a:r>
-            <a:endParaRPr lang="en-US"/>
           </a:p>
         </p:txBody>
       </p:sp>
@@ -2194,38 +3542,37 @@
           <a:p>
             <a:pPr lvl="0"/>
             <a:r>
-              <a:rPr lang="en-US" smtClean="0"/>
+              <a:rPr lang="en-US"/>
               <a:t>Click to edit Master text styles</a:t>
             </a:r>
           </a:p>
           <a:p>
             <a:pPr lvl="1"/>
             <a:r>
-              <a:rPr lang="en-US" smtClean="0"/>
+              <a:rPr lang="en-US"/>
               <a:t>Second level</a:t>
             </a:r>
           </a:p>
           <a:p>
             <a:pPr lvl="2"/>
             <a:r>
-              <a:rPr lang="en-US" smtClean="0"/>
+              <a:rPr lang="en-US"/>
               <a:t>Third level</a:t>
             </a:r>
           </a:p>
           <a:p>
             <a:pPr lvl="3"/>
             <a:r>
-              <a:rPr lang="en-US" smtClean="0"/>
+              <a:rPr lang="en-US"/>
               <a:t>Fourth level</a:t>
             </a:r>
           </a:p>
           <a:p>
             <a:pPr lvl="4"/>
             <a:r>
-              <a:rPr lang="en-US" smtClean="0"/>
+              <a:rPr lang="en-US"/>
               <a:t>Fifth level</a:t>
             </a:r>
-            <a:endParaRPr lang="en-US"/>
           </a:p>
         </p:txBody>
       </p:sp>
@@ -2247,7 +3594,7 @@
             <a:fld id="{1D8BD707-D9CF-40AE-B4C6-C98DA3205C09}" type="datetimeFigureOut">
               <a:rPr lang="en-US" smtClean="0"/>
               <a:pPr/>
-              <a:t>8/1/2011</a:t>
+              <a:t>10/13/2024</a:t>
             </a:fld>
             <a:endParaRPr lang="en-US"/>
           </a:p>
@@ -2341,10 +3688,9 @@
           </a:lstStyle>
           <a:p>
             <a:r>
-              <a:rPr lang="en-US" smtClean="0"/>
+              <a:rPr lang="en-US"/>
               <a:t>Click to edit Master title style</a:t>
             </a:r>
-            <a:endParaRPr lang="en-US"/>
           </a:p>
         </p:txBody>
       </p:sp>
@@ -2407,7 +3753,7 @@
           <a:p>
             <a:pPr lvl="0"/>
             <a:r>
-              <a:rPr lang="en-US" smtClean="0"/>
+              <a:rPr lang="en-US"/>
               <a:t>Click to edit Master text styles</a:t>
             </a:r>
           </a:p>
@@ -2463,38 +3809,37 @@
           <a:p>
             <a:pPr lvl="0"/>
             <a:r>
-              <a:rPr lang="en-US" smtClean="0"/>
+              <a:rPr lang="en-US"/>
               <a:t>Click to edit Master text styles</a:t>
             </a:r>
           </a:p>
           <a:p>
             <a:pPr lvl="1"/>
             <a:r>
-              <a:rPr lang="en-US" smtClean="0"/>
+              <a:rPr lang="en-US"/>
               <a:t>Second level</a:t>
             </a:r>
           </a:p>
           <a:p>
             <a:pPr lvl="2"/>
             <a:r>
-              <a:rPr lang="en-US" smtClean="0"/>
+              <a:rPr lang="en-US"/>
               <a:t>Third level</a:t>
             </a:r>
           </a:p>
           <a:p>
             <a:pPr lvl="3"/>
             <a:r>
-              <a:rPr lang="en-US" smtClean="0"/>
+              <a:rPr lang="en-US"/>
               <a:t>Fourth level</a:t>
             </a:r>
           </a:p>
           <a:p>
             <a:pPr lvl="4"/>
             <a:r>
-              <a:rPr lang="en-US" smtClean="0"/>
+              <a:rPr lang="en-US"/>
               <a:t>Fifth level</a:t>
             </a:r>
-            <a:endParaRPr lang="en-US"/>
           </a:p>
         </p:txBody>
       </p:sp>
@@ -2557,7 +3902,7 @@
           <a:p>
             <a:pPr lvl="0"/>
             <a:r>
-              <a:rPr lang="en-US" smtClean="0"/>
+              <a:rPr lang="en-US"/>
               <a:t>Click to edit Master text styles</a:t>
             </a:r>
           </a:p>
@@ -2613,38 +3958,37 @@
           <a:p>
             <a:pPr lvl="0"/>
             <a:r>
-              <a:rPr lang="en-US" smtClean="0"/>
+              <a:rPr lang="en-US"/>
               <a:t>Click to edit Master text styles</a:t>
             </a:r>
           </a:p>
           <a:p>
             <a:pPr lvl="1"/>
             <a:r>
-              <a:rPr lang="en-US" smtClean="0"/>
+              <a:rPr lang="en-US"/>
               <a:t>Second level</a:t>
             </a:r>
           </a:p>
           <a:p>
             <a:pPr lvl="2"/>
             <a:r>
-              <a:rPr lang="en-US" smtClean="0"/>
+              <a:rPr lang="en-US"/>
               <a:t>Third level</a:t>
             </a:r>
           </a:p>
           <a:p>
             <a:pPr lvl="3"/>
             <a:r>
-              <a:rPr lang="en-US" smtClean="0"/>
+              <a:rPr lang="en-US"/>
               <a:t>Fourth level</a:t>
             </a:r>
           </a:p>
           <a:p>
             <a:pPr lvl="4"/>
             <a:r>
-              <a:rPr lang="en-US" smtClean="0"/>
+              <a:rPr lang="en-US"/>
               <a:t>Fifth level</a:t>
             </a:r>
-            <a:endParaRPr lang="en-US"/>
           </a:p>
         </p:txBody>
       </p:sp>
@@ -2666,7 +4010,7 @@
             <a:fld id="{1D8BD707-D9CF-40AE-B4C6-C98DA3205C09}" type="datetimeFigureOut">
               <a:rPr lang="en-US" smtClean="0"/>
               <a:pPr/>
-              <a:t>8/1/2011</a:t>
+              <a:t>10/13/2024</a:t>
             </a:fld>
             <a:endParaRPr lang="en-US"/>
           </a:p>
@@ -2756,10 +4100,9 @@
           <a:lstStyle/>
           <a:p>
             <a:r>
-              <a:rPr lang="en-US" smtClean="0"/>
+              <a:rPr lang="en-US"/>
               <a:t>Click to edit Master title style</a:t>
             </a:r>
-            <a:endParaRPr lang="en-US"/>
           </a:p>
         </p:txBody>
       </p:sp>
@@ -2781,7 +4124,7 @@
             <a:fld id="{1D8BD707-D9CF-40AE-B4C6-C98DA3205C09}" type="datetimeFigureOut">
               <a:rPr lang="en-US" smtClean="0"/>
               <a:pPr/>
-              <a:t>8/1/2011</a:t>
+              <a:t>10/13/2024</a:t>
             </a:fld>
             <a:endParaRPr lang="en-US"/>
           </a:p>
@@ -2873,7 +4216,7 @@
             <a:fld id="{1D8BD707-D9CF-40AE-B4C6-C98DA3205C09}" type="datetimeFigureOut">
               <a:rPr lang="en-US" smtClean="0"/>
               <a:pPr/>
-              <a:t>8/1/2011</a:t>
+              <a:t>10/13/2024</a:t>
             </a:fld>
             <a:endParaRPr lang="en-US"/>
           </a:p>
@@ -2972,10 +4315,9 @@
           </a:lstStyle>
           <a:p>
             <a:r>
-              <a:rPr lang="en-US" smtClean="0"/>
+              <a:rPr lang="en-US"/>
               <a:t>Click to edit Master title style</a:t>
             </a:r>
-            <a:endParaRPr lang="en-US"/>
           </a:p>
         </p:txBody>
       </p:sp>
@@ -3029,38 +4371,37 @@
           <a:p>
             <a:pPr lvl="0"/>
             <a:r>
-              <a:rPr lang="en-US" smtClean="0"/>
+              <a:rPr lang="en-US"/>
               <a:t>Click to edit Master text styles</a:t>
             </a:r>
           </a:p>
           <a:p>
             <a:pPr lvl="1"/>
             <a:r>
-              <a:rPr lang="en-US" smtClean="0"/>
+              <a:rPr lang="en-US"/>
               <a:t>Second level</a:t>
             </a:r>
           </a:p>
           <a:p>
             <a:pPr lvl="2"/>
             <a:r>
-              <a:rPr lang="en-US" smtClean="0"/>
+              <a:rPr lang="en-US"/>
               <a:t>Third level</a:t>
             </a:r>
           </a:p>
           <a:p>
             <a:pPr lvl="3"/>
             <a:r>
-              <a:rPr lang="en-US" smtClean="0"/>
+              <a:rPr lang="en-US"/>
               <a:t>Fourth level</a:t>
             </a:r>
           </a:p>
           <a:p>
             <a:pPr lvl="4"/>
             <a:r>
-              <a:rPr lang="en-US" smtClean="0"/>
+              <a:rPr lang="en-US"/>
               <a:t>Fifth level</a:t>
             </a:r>
-            <a:endParaRPr lang="en-US"/>
           </a:p>
         </p:txBody>
       </p:sp>
@@ -3123,7 +4464,7 @@
           <a:p>
             <a:pPr lvl="0"/>
             <a:r>
-              <a:rPr lang="en-US" smtClean="0"/>
+              <a:rPr lang="en-US"/>
               <a:t>Click to edit Master text styles</a:t>
             </a:r>
           </a:p>
@@ -3147,7 +4488,7 @@
             <a:fld id="{1D8BD707-D9CF-40AE-B4C6-C98DA3205C09}" type="datetimeFigureOut">
               <a:rPr lang="en-US" smtClean="0"/>
               <a:pPr/>
-              <a:t>8/1/2011</a:t>
+              <a:t>10/13/2024</a:t>
             </a:fld>
             <a:endParaRPr lang="en-US"/>
           </a:p>
@@ -3246,10 +4587,9 @@
           </a:lstStyle>
           <a:p>
             <a:r>
-              <a:rPr lang="en-US" smtClean="0"/>
+              <a:rPr lang="en-US"/>
               <a:t>Click to edit Master title style</a:t>
             </a:r>
-            <a:endParaRPr lang="en-US"/>
           </a:p>
         </p:txBody>
       </p:sp>
@@ -3373,7 +4713,7 @@
           <a:p>
             <a:pPr lvl="0"/>
             <a:r>
-              <a:rPr lang="en-US" smtClean="0"/>
+              <a:rPr lang="en-US"/>
               <a:t>Click to edit Master text styles</a:t>
             </a:r>
           </a:p>
@@ -3397,7 +4737,7 @@
             <a:fld id="{1D8BD707-D9CF-40AE-B4C6-C98DA3205C09}" type="datetimeFigureOut">
               <a:rPr lang="en-US" smtClean="0"/>
               <a:pPr/>
-              <a:t>8/1/2011</a:t>
+              <a:t>10/13/2024</a:t>
             </a:fld>
             <a:endParaRPr lang="en-US"/>
           </a:p>
@@ -3502,10 +4842,9 @@
           <a:lstStyle/>
           <a:p>
             <a:r>
-              <a:rPr lang="en-US" smtClean="0"/>
+              <a:rPr lang="en-US"/>
               <a:t>Click to edit Master title style</a:t>
             </a:r>
-            <a:endParaRPr lang="en-US"/>
           </a:p>
         </p:txBody>
       </p:sp>
@@ -3536,38 +4875,37 @@
           <a:p>
             <a:pPr lvl="0"/>
             <a:r>
-              <a:rPr lang="en-US" smtClean="0"/>
+              <a:rPr lang="en-US"/>
               <a:t>Click to edit Master text styles</a:t>
             </a:r>
           </a:p>
           <a:p>
             <a:pPr lvl="1"/>
             <a:r>
-              <a:rPr lang="en-US" smtClean="0"/>
+              <a:rPr lang="en-US"/>
               <a:t>Second level</a:t>
             </a:r>
           </a:p>
           <a:p>
             <a:pPr lvl="2"/>
             <a:r>
-              <a:rPr lang="en-US" smtClean="0"/>
+              <a:rPr lang="en-US"/>
               <a:t>Third level</a:t>
             </a:r>
           </a:p>
           <a:p>
             <a:pPr lvl="3"/>
             <a:r>
-              <a:rPr lang="en-US" smtClean="0"/>
+              <a:rPr lang="en-US"/>
               <a:t>Fourth level</a:t>
             </a:r>
           </a:p>
           <a:p>
             <a:pPr lvl="4"/>
             <a:r>
-              <a:rPr lang="en-US" smtClean="0"/>
+              <a:rPr lang="en-US"/>
               <a:t>Fifth level</a:t>
             </a:r>
-            <a:endParaRPr lang="en-US"/>
           </a:p>
         </p:txBody>
       </p:sp>
@@ -3607,7 +4945,7 @@
             <a:fld id="{1D8BD707-D9CF-40AE-B4C6-C98DA3205C09}" type="datetimeFigureOut">
               <a:rPr lang="en-US" smtClean="0"/>
               <a:pPr/>
-              <a:t>8/1/2011</a:t>
+              <a:t>10/13/2024</a:t>
             </a:fld>
             <a:endParaRPr lang="en-US"/>
           </a:p>
@@ -3962,13 +5300,14 @@
 </file>
 
 <file path=ppt/slides/slide1.xml><?xml version="1.0" encoding="utf-8"?>
-<p:sld xmlns:p="http://schemas.openxmlformats.org/presentationml/2006/main" xmlns:a="http://schemas.openxmlformats.org/drawingml/2006/main" xmlns:r="http://schemas.openxmlformats.org/officeDocument/2006/relationships">
+<p:sld xmlns:a="http://schemas.openxmlformats.org/drawingml/2006/main" xmlns:r="http://schemas.openxmlformats.org/officeDocument/2006/relationships" xmlns:p="http://schemas.openxmlformats.org/presentationml/2006/main">
   <p:cSld>
     <p:bg>
       <p:bgPr>
         <a:solidFill>
           <a:srgbClr val="FFFFFE"/>
         </a:solidFill>
+        <a:effectLst/>
       </p:bgPr>
     </p:bg>
     <p:spTree>
@@ -3987,12 +5326,12 @@
       </p:grpSpPr>
       <p:grpSp>
         <p:nvGrpSpPr>
-          <p:cNvPr name="Group 2" id="2"/>
+          <p:cNvPr id="2" name="Group 2"/>
           <p:cNvGrpSpPr/>
           <p:nvPr/>
         </p:nvGrpSpPr>
         <p:grpSpPr>
-          <a:xfrm rot="0">
+          <a:xfrm>
             <a:off x="-4468512" y="-353712"/>
             <a:ext cx="10994424" cy="10994424"/>
             <a:chOff x="0" y="0"/>
@@ -4001,12 +5340,12 @@
         </p:grpSpPr>
         <p:sp>
           <p:nvSpPr>
-            <p:cNvPr name="Freeform 3" id="3"/>
+            <p:cNvPr id="3" name="Freeform 3"/>
             <p:cNvSpPr/>
             <p:nvPr/>
           </p:nvSpPr>
           <p:spPr>
-            <a:xfrm flipH="false" flipV="false" rot="0">
+            <a:xfrm>
               <a:off x="0" y="0"/>
               <a:ext cx="812800" cy="812800"/>
             </a:xfrm>
@@ -4015,9 +5354,9 @@
               <a:gdLst/>
               <a:ahLst/>
               <a:cxnLst/>
-              <a:rect r="r" b="b" t="t" l="l"/>
+              <a:rect l="l" t="t" r="r" b="b"/>
               <a:pathLst>
-                <a:path h="812800" w="812800">
+                <a:path w="812800" h="812800">
                   <a:moveTo>
                     <a:pt x="406400" y="0"/>
                   </a:moveTo>
@@ -4061,8 +5400,8 @@
         </p:sp>
         <p:sp>
           <p:nvSpPr>
-            <p:cNvPr name="TextBox 4" id="4"/>
-            <p:cNvSpPr txBox="true"/>
+            <p:cNvPr id="4" name="TextBox 4"/>
+            <p:cNvSpPr txBox="1"/>
             <p:nvPr/>
           </p:nvSpPr>
           <p:spPr>
@@ -4075,7 +5414,7 @@
             </a:prstGeom>
           </p:spPr>
           <p:txBody>
-            <a:bodyPr anchor="ctr" rtlCol="false" tIns="50800" lIns="50800" bIns="50800" rIns="50800"/>
+            <a:bodyPr lIns="50800" tIns="50800" rIns="50800" bIns="50800" rtlCol="0" anchor="ctr"/>
             <a:lstStyle/>
             <a:p>
               <a:pPr algn="ctr">
@@ -4083,18 +5422,19 @@
                   <a:spcPts val="2659"/>
                 </a:lnSpc>
               </a:pPr>
+              <a:endParaRPr/>
             </a:p>
           </p:txBody>
         </p:sp>
       </p:grpSp>
       <p:sp>
         <p:nvSpPr>
-          <p:cNvPr name="Freeform 5" id="5"/>
+          <p:cNvPr id="5" name="Freeform 5"/>
           <p:cNvSpPr/>
           <p:nvPr/>
         </p:nvSpPr>
         <p:spPr>
-          <a:xfrm flipH="false" flipV="false" rot="0">
+          <a:xfrm>
             <a:off x="1028700" y="9140065"/>
             <a:ext cx="945880" cy="236470"/>
           </a:xfrm>
@@ -4103,9 +5443,9 @@
             <a:gdLst/>
             <a:ahLst/>
             <a:cxnLst/>
-            <a:rect r="r" b="b" t="t" l="l"/>
+            <a:rect l="l" t="t" r="r" b="b"/>
             <a:pathLst>
-              <a:path h="236470" w="945880">
+              <a:path w="945880" h="236470">
                 <a:moveTo>
                   <a:pt x="0" y="0"/>
                 </a:moveTo>
@@ -4134,19 +5474,19 @@
               </a:extLst>
             </a:blip>
             <a:stretch>
-              <a:fillRect l="0" t="0" r="0" b="0"/>
+              <a:fillRect/>
             </a:stretch>
           </a:blipFill>
         </p:spPr>
       </p:sp>
       <p:grpSp>
         <p:nvGrpSpPr>
-          <p:cNvPr name="Group 6" id="6"/>
+          <p:cNvPr id="6" name="Group 6"/>
           <p:cNvGrpSpPr/>
           <p:nvPr/>
         </p:nvGrpSpPr>
         <p:grpSpPr>
-          <a:xfrm rot="0">
+          <a:xfrm>
             <a:off x="16384897" y="5379918"/>
             <a:ext cx="6059445" cy="6059445"/>
             <a:chOff x="0" y="0"/>
@@ -4155,12 +5495,12 @@
         </p:grpSpPr>
         <p:sp>
           <p:nvSpPr>
-            <p:cNvPr name="Freeform 7" id="7"/>
+            <p:cNvPr id="7" name="Freeform 7"/>
             <p:cNvSpPr/>
             <p:nvPr/>
           </p:nvSpPr>
           <p:spPr>
-            <a:xfrm flipH="false" flipV="false" rot="0">
+            <a:xfrm>
               <a:off x="0" y="0"/>
               <a:ext cx="812800" cy="812800"/>
             </a:xfrm>
@@ -4169,9 +5509,9 @@
               <a:gdLst/>
               <a:ahLst/>
               <a:cxnLst/>
-              <a:rect r="r" b="b" t="t" l="l"/>
+              <a:rect l="l" t="t" r="r" b="b"/>
               <a:pathLst>
-                <a:path h="812800" w="812800">
+                <a:path w="812800" h="812800">
                   <a:moveTo>
                     <a:pt x="406400" y="0"/>
                   </a:moveTo>
@@ -4206,8 +5546,8 @@
         </p:sp>
         <p:sp>
           <p:nvSpPr>
-            <p:cNvPr name="TextBox 8" id="8"/>
-            <p:cNvSpPr txBox="true"/>
+            <p:cNvPr id="8" name="TextBox 8"/>
+            <p:cNvSpPr txBox="1"/>
             <p:nvPr/>
           </p:nvSpPr>
           <p:spPr>
@@ -4220,7 +5560,7 @@
             </a:prstGeom>
           </p:spPr>
           <p:txBody>
-            <a:bodyPr anchor="ctr" rtlCol="false" tIns="50800" lIns="50800" bIns="50800" rIns="50800"/>
+            <a:bodyPr lIns="50800" tIns="50800" rIns="50800" bIns="50800" rtlCol="0" anchor="ctr"/>
             <a:lstStyle/>
             <a:p>
               <a:pPr algn="ctr">
@@ -4228,18 +5568,19 @@
                   <a:spcPts val="2659"/>
                 </a:lnSpc>
               </a:pPr>
+              <a:endParaRPr/>
             </a:p>
           </p:txBody>
         </p:sp>
       </p:grpSp>
       <p:sp>
         <p:nvSpPr>
-          <p:cNvPr name="Freeform 9" id="9"/>
+          <p:cNvPr id="9" name="Freeform 9"/>
           <p:cNvSpPr/>
           <p:nvPr/>
         </p:nvSpPr>
         <p:spPr>
-          <a:xfrm flipH="false" flipV="false" rot="0">
+          <a:xfrm>
             <a:off x="15720762" y="6964430"/>
             <a:ext cx="2000810" cy="4114800"/>
           </a:xfrm>
@@ -4248,9 +5589,9 @@
             <a:gdLst/>
             <a:ahLst/>
             <a:cxnLst/>
-            <a:rect r="r" b="b" t="t" l="l"/>
+            <a:rect l="l" t="t" r="r" b="b"/>
             <a:pathLst>
-              <a:path h="4114800" w="2000810">
+              <a:path w="2000810" h="4114800">
                 <a:moveTo>
                   <a:pt x="0" y="0"/>
                 </a:moveTo>
@@ -4280,19 +5621,19 @@
               </a:extLst>
             </a:blip>
             <a:stretch>
-              <a:fillRect l="0" t="0" r="-204881" b="0"/>
+              <a:fillRect r="-204881"/>
             </a:stretch>
           </a:blipFill>
         </p:spPr>
       </p:sp>
       <p:grpSp>
         <p:nvGrpSpPr>
-          <p:cNvPr name="Group 10" id="10"/>
+          <p:cNvPr id="10" name="Group 10"/>
           <p:cNvGrpSpPr/>
           <p:nvPr/>
         </p:nvGrpSpPr>
         <p:grpSpPr>
-          <a:xfrm rot="0">
+          <a:xfrm>
             <a:off x="11762088" y="-9632634"/>
             <a:ext cx="10994424" cy="10994424"/>
             <a:chOff x="0" y="0"/>
@@ -4301,12 +5642,12 @@
         </p:grpSpPr>
         <p:sp>
           <p:nvSpPr>
-            <p:cNvPr name="Freeform 11" id="11"/>
+            <p:cNvPr id="11" name="Freeform 11"/>
             <p:cNvSpPr/>
             <p:nvPr/>
           </p:nvSpPr>
           <p:spPr>
-            <a:xfrm flipH="false" flipV="false" rot="0">
+            <a:xfrm>
               <a:off x="0" y="0"/>
               <a:ext cx="812800" cy="812800"/>
             </a:xfrm>
@@ -4315,9 +5656,9 @@
               <a:gdLst/>
               <a:ahLst/>
               <a:cxnLst/>
-              <a:rect r="r" b="b" t="t" l="l"/>
+              <a:rect l="l" t="t" r="r" b="b"/>
               <a:pathLst>
-                <a:path h="812800" w="812800">
+                <a:path w="812800" h="812800">
                   <a:moveTo>
                     <a:pt x="406400" y="0"/>
                   </a:moveTo>
@@ -4363,8 +5704,8 @@
         </p:sp>
         <p:sp>
           <p:nvSpPr>
-            <p:cNvPr name="TextBox 12" id="12"/>
-            <p:cNvSpPr txBox="true"/>
+            <p:cNvPr id="12" name="TextBox 12"/>
+            <p:cNvSpPr txBox="1"/>
             <p:nvPr/>
           </p:nvSpPr>
           <p:spPr>
@@ -4377,7 +5718,7 @@
             </a:prstGeom>
           </p:spPr>
           <p:txBody>
-            <a:bodyPr anchor="ctr" rtlCol="false" tIns="50800" lIns="50800" bIns="50800" rIns="50800"/>
+            <a:bodyPr lIns="50800" tIns="50800" rIns="50800" bIns="50800" rtlCol="0" anchor="ctr"/>
             <a:lstStyle/>
             <a:p>
               <a:pPr algn="ctr">
@@ -4385,18 +5726,19 @@
                   <a:spcPts val="2659"/>
                 </a:lnSpc>
               </a:pPr>
+              <a:endParaRPr/>
             </a:p>
           </p:txBody>
         </p:sp>
       </p:grpSp>
       <p:grpSp>
         <p:nvGrpSpPr>
-          <p:cNvPr name="Group 13" id="13"/>
+          <p:cNvPr id="13" name="Group 13"/>
           <p:cNvGrpSpPr/>
           <p:nvPr/>
         </p:nvGrpSpPr>
         <p:grpSpPr>
-          <a:xfrm rot="0">
+          <a:xfrm>
             <a:off x="3373132" y="4114076"/>
             <a:ext cx="12198237" cy="2291464"/>
             <a:chOff x="0" y="0"/>
@@ -4405,12 +5747,12 @@
         </p:grpSpPr>
         <p:sp>
           <p:nvSpPr>
-            <p:cNvPr name="Freeform 14" id="14"/>
+            <p:cNvPr id="14" name="Freeform 14"/>
             <p:cNvSpPr/>
             <p:nvPr/>
           </p:nvSpPr>
           <p:spPr>
-            <a:xfrm flipH="false" flipV="false" rot="0">
+            <a:xfrm>
               <a:off x="0" y="0"/>
               <a:ext cx="3212704" cy="603513"/>
             </a:xfrm>
@@ -4419,9 +5761,9 @@
               <a:gdLst/>
               <a:ahLst/>
               <a:cxnLst/>
-              <a:rect r="r" b="b" t="t" l="l"/>
+              <a:rect l="l" t="t" r="r" b="b"/>
               <a:pathLst>
-                <a:path h="603513" w="3212704">
+                <a:path w="3212704" h="603513">
                   <a:moveTo>
                     <a:pt x="0" y="0"/>
                   </a:moveTo>
@@ -4445,8 +5787,8 @@
         </p:sp>
         <p:sp>
           <p:nvSpPr>
-            <p:cNvPr name="TextBox 15" id="15"/>
-            <p:cNvSpPr txBox="true"/>
+            <p:cNvPr id="15" name="TextBox 15"/>
+            <p:cNvSpPr txBox="1"/>
             <p:nvPr/>
           </p:nvSpPr>
           <p:spPr>
@@ -4459,7 +5801,7 @@
             </a:prstGeom>
           </p:spPr>
           <p:txBody>
-            <a:bodyPr anchor="ctr" rtlCol="false" tIns="50800" lIns="50800" bIns="50800" rIns="50800"/>
+            <a:bodyPr lIns="50800" tIns="50800" rIns="50800" bIns="50800" rtlCol="0" anchor="ctr"/>
             <a:lstStyle/>
             <a:p>
               <a:pPr algn="ctr">
@@ -4467,27 +5809,28 @@
                   <a:spcPts val="2380"/>
                 </a:lnSpc>
               </a:pPr>
+              <a:endParaRPr/>
             </a:p>
           </p:txBody>
         </p:sp>
       </p:grpSp>
       <p:sp>
         <p:nvSpPr>
-          <p:cNvPr name="TextBox 16" id="16"/>
-          <p:cNvSpPr txBox="true"/>
+          <p:cNvPr id="16" name="TextBox 16"/>
+          <p:cNvSpPr txBox="1"/>
           <p:nvPr/>
         </p:nvSpPr>
         <p:spPr>
-          <a:xfrm rot="0">
+          <a:xfrm>
             <a:off x="0" y="5792573"/>
-            <a:ext cx="20691721" cy="1459846"/>
+            <a:ext cx="20691721" cy="496290"/>
           </a:xfrm>
           <a:prstGeom prst="rect">
             <a:avLst/>
           </a:prstGeom>
         </p:spPr>
         <p:txBody>
-          <a:bodyPr anchor="t" rtlCol="false" tIns="0" lIns="0" bIns="0" rIns="0">
+          <a:bodyPr lIns="0" tIns="0" rIns="0" bIns="0" rtlCol="0" anchor="t">
             <a:spAutoFit/>
           </a:bodyPr>
           <a:lstStyle/>
@@ -4498,7 +5841,7 @@
               </a:lnSpc>
             </a:pPr>
             <a:r>
-              <a:rPr lang="en-US" sz="3000" spc="168">
+              <a:rPr lang="en-US" sz="3000" spc="168" dirty="0">
                 <a:solidFill>
                   <a:srgbClr val="191919"/>
                 </a:solidFill>
@@ -4510,27 +5853,17 @@
               <a:t>Chau Trinh, Eirlys Vo, and Sandy Chun Domingo</a:t>
             </a:r>
           </a:p>
-          <a:p>
-            <a:pPr algn="ctr">
-              <a:lnSpc>
-                <a:spcPts val="7702"/>
-              </a:lnSpc>
-              <a:spcBef>
-                <a:spcPct val="0"/>
-              </a:spcBef>
-            </a:pPr>
-          </a:p>
-        </p:txBody>
-      </p:sp>
-      <p:sp>
-        <p:nvSpPr>
-          <p:cNvPr name="TextBox 17" id="17"/>
-          <p:cNvSpPr txBox="true"/>
+        </p:txBody>
+      </p:sp>
+      <p:sp>
+        <p:nvSpPr>
+          <p:cNvPr id="17" name="TextBox 17"/>
+          <p:cNvSpPr txBox="1"/>
           <p:nvPr/>
         </p:nvSpPr>
         <p:spPr>
-          <a:xfrm rot="0">
-            <a:off x="1501640" y="3789439"/>
+          <a:xfrm>
+            <a:off x="1501640" y="3857821"/>
             <a:ext cx="16993969" cy="1590479"/>
           </a:xfrm>
           <a:prstGeom prst="rect">
@@ -4538,7 +5871,7 @@
           </a:prstGeom>
         </p:spPr>
         <p:txBody>
-          <a:bodyPr anchor="t" rtlCol="false" tIns="0" lIns="0" bIns="0" rIns="0">
+          <a:bodyPr lIns="0" tIns="0" rIns="0" bIns="0" rtlCol="0" anchor="t">
             <a:spAutoFit/>
           </a:bodyPr>
           <a:lstStyle/>
@@ -4552,7 +5885,7 @@
               </a:spcBef>
             </a:pPr>
             <a:r>
-              <a:rPr lang="en-US" b="true" sz="9307" spc="1303">
+              <a:rPr lang="en-US" sz="9307" b="1" spc="1303" dirty="0">
                 <a:solidFill>
                   <a:srgbClr val="191919"/>
                 </a:solidFill>
@@ -4568,12 +5901,12 @@
       </p:sp>
       <p:grpSp>
         <p:nvGrpSpPr>
-          <p:cNvPr name="Group 18" id="18"/>
+          <p:cNvPr id="18" name="Group 18"/>
           <p:cNvGrpSpPr/>
           <p:nvPr/>
         </p:nvGrpSpPr>
         <p:grpSpPr>
-          <a:xfrm rot="0">
+          <a:xfrm>
             <a:off x="-9965724" y="-1383136"/>
             <a:ext cx="10994424" cy="10994424"/>
             <a:chOff x="0" y="0"/>
@@ -4582,12 +5915,12 @@
         </p:grpSpPr>
         <p:sp>
           <p:nvSpPr>
-            <p:cNvPr name="Freeform 19" id="19"/>
+            <p:cNvPr id="19" name="Freeform 19"/>
             <p:cNvSpPr/>
             <p:nvPr/>
           </p:nvSpPr>
           <p:spPr>
-            <a:xfrm flipH="false" flipV="false" rot="0">
+            <a:xfrm>
               <a:off x="0" y="0"/>
               <a:ext cx="812800" cy="812800"/>
             </a:xfrm>
@@ -4596,9 +5929,9 @@
               <a:gdLst/>
               <a:ahLst/>
               <a:cxnLst/>
-              <a:rect r="r" b="b" t="t" l="l"/>
+              <a:rect l="l" t="t" r="r" b="b"/>
               <a:pathLst>
-                <a:path h="812800" w="812800">
+                <a:path w="812800" h="812800">
                   <a:moveTo>
                     <a:pt x="406400" y="0"/>
                   </a:moveTo>
@@ -4644,8 +5977,8 @@
         </p:sp>
         <p:sp>
           <p:nvSpPr>
-            <p:cNvPr name="TextBox 20" id="20"/>
-            <p:cNvSpPr txBox="true"/>
+            <p:cNvPr id="20" name="TextBox 20"/>
+            <p:cNvSpPr txBox="1"/>
             <p:nvPr/>
           </p:nvSpPr>
           <p:spPr>
@@ -4658,7 +5991,7 @@
             </a:prstGeom>
           </p:spPr>
           <p:txBody>
-            <a:bodyPr anchor="ctr" rtlCol="false" tIns="50800" lIns="50800" bIns="50800" rIns="50800"/>
+            <a:bodyPr lIns="50800" tIns="50800" rIns="50800" bIns="50800" rtlCol="0" anchor="ctr"/>
             <a:lstStyle/>
             <a:p>
               <a:pPr algn="ctr">
@@ -4666,19 +5999,20 @@
                   <a:spcPts val="2659"/>
                 </a:lnSpc>
               </a:pPr>
+              <a:endParaRPr/>
             </a:p>
           </p:txBody>
         </p:sp>
       </p:grpSp>
       <p:sp>
         <p:nvSpPr>
-          <p:cNvPr name="TextBox 21" id="21"/>
-          <p:cNvSpPr txBox="true"/>
+          <p:cNvPr id="21" name="TextBox 21"/>
+          <p:cNvSpPr txBox="1"/>
           <p:nvPr/>
         </p:nvSpPr>
         <p:spPr>
-          <a:xfrm rot="0">
-            <a:off x="1028700" y="5183608"/>
+          <a:xfrm>
+            <a:off x="1028700" y="5143500"/>
             <a:ext cx="16993969" cy="675640"/>
           </a:xfrm>
           <a:prstGeom prst="rect">
@@ -4686,7 +6020,7 @@
           </a:prstGeom>
         </p:spPr>
         <p:txBody>
-          <a:bodyPr anchor="t" rtlCol="false" tIns="0" lIns="0" bIns="0" rIns="0">
+          <a:bodyPr lIns="0" tIns="0" rIns="0" bIns="0" rtlCol="0" anchor="t">
             <a:spAutoFit/>
           </a:bodyPr>
           <a:lstStyle/>
@@ -4700,7 +6034,7 @@
               </a:spcBef>
             </a:pPr>
             <a:r>
-              <a:rPr lang="en-US" b="true" sz="3999" spc="559">
+              <a:rPr lang="en-US" sz="3999" b="1" spc="559" dirty="0">
                 <a:solidFill>
                   <a:srgbClr val="191919"/>
                 </a:solidFill>
@@ -4723,7 +6057,7 @@
 </file>
 
 <file path=ppt/slides/slide2.xml><?xml version="1.0" encoding="utf-8"?>
-<p:sld xmlns:p="http://schemas.openxmlformats.org/presentationml/2006/main" xmlns:a="http://schemas.openxmlformats.org/drawingml/2006/main" xmlns:r="http://schemas.openxmlformats.org/officeDocument/2006/relationships">
+<p:sld xmlns:a="http://schemas.openxmlformats.org/drawingml/2006/main" xmlns:r="http://schemas.openxmlformats.org/officeDocument/2006/relationships" xmlns:p="http://schemas.openxmlformats.org/presentationml/2006/main">
   <p:cSld>
     <p:spTree>
       <p:nvGrpSpPr>
@@ -4741,12 +6075,12 @@
       </p:grpSpPr>
       <p:grpSp>
         <p:nvGrpSpPr>
-          <p:cNvPr name="Group 2" id="2"/>
+          <p:cNvPr id="2" name="Group 2"/>
           <p:cNvGrpSpPr/>
           <p:nvPr/>
         </p:nvGrpSpPr>
         <p:grpSpPr>
-          <a:xfrm rot="0">
+          <a:xfrm>
             <a:off x="10882580" y="-3503638"/>
             <a:ext cx="12753441" cy="12753441"/>
             <a:chOff x="0" y="0"/>
@@ -4755,12 +6089,12 @@
         </p:grpSpPr>
         <p:sp>
           <p:nvSpPr>
-            <p:cNvPr name="Freeform 3" id="3"/>
+            <p:cNvPr id="3" name="Freeform 3"/>
             <p:cNvSpPr/>
             <p:nvPr/>
           </p:nvSpPr>
           <p:spPr>
-            <a:xfrm flipH="false" flipV="false" rot="0">
+            <a:xfrm>
               <a:off x="0" y="0"/>
               <a:ext cx="812800" cy="812800"/>
             </a:xfrm>
@@ -4769,9 +6103,9 @@
               <a:gdLst/>
               <a:ahLst/>
               <a:cxnLst/>
-              <a:rect r="r" b="b" t="t" l="l"/>
+              <a:rect l="l" t="t" r="r" b="b"/>
               <a:pathLst>
-                <a:path h="812800" w="812800">
+                <a:path w="812800" h="812800">
                   <a:moveTo>
                     <a:pt x="406400" y="0"/>
                   </a:moveTo>
@@ -4817,8 +6151,8 @@
         </p:sp>
         <p:sp>
           <p:nvSpPr>
-            <p:cNvPr name="TextBox 4" id="4"/>
-            <p:cNvSpPr txBox="true"/>
+            <p:cNvPr id="4" name="TextBox 4"/>
+            <p:cNvSpPr txBox="1"/>
             <p:nvPr/>
           </p:nvSpPr>
           <p:spPr>
@@ -4831,7 +6165,7 @@
             </a:prstGeom>
           </p:spPr>
           <p:txBody>
-            <a:bodyPr anchor="ctr" rtlCol="false" tIns="50800" lIns="50800" bIns="50800" rIns="50800"/>
+            <a:bodyPr lIns="50800" tIns="50800" rIns="50800" bIns="50800" rtlCol="0" anchor="ctr"/>
             <a:lstStyle/>
             <a:p>
               <a:pPr algn="ctr">
@@ -4839,18 +6173,19 @@
                   <a:spcPts val="2659"/>
                 </a:lnSpc>
               </a:pPr>
+              <a:endParaRPr/>
             </a:p>
           </p:txBody>
         </p:sp>
       </p:grpSp>
       <p:grpSp>
         <p:nvGrpSpPr>
-          <p:cNvPr name="Group 5" id="5"/>
+          <p:cNvPr id="5" name="Group 5"/>
           <p:cNvGrpSpPr/>
           <p:nvPr/>
         </p:nvGrpSpPr>
         <p:grpSpPr>
-          <a:xfrm rot="0">
+          <a:xfrm>
             <a:off x="-1168402" y="-671045"/>
             <a:ext cx="3499668" cy="13405540"/>
             <a:chOff x="0" y="0"/>
@@ -4859,12 +6194,12 @@
         </p:grpSpPr>
         <p:sp>
           <p:nvSpPr>
-            <p:cNvPr name="Freeform 6" id="6"/>
+            <p:cNvPr id="6" name="Freeform 6"/>
             <p:cNvSpPr/>
             <p:nvPr/>
           </p:nvSpPr>
           <p:spPr>
-            <a:xfrm flipH="false" flipV="false" rot="0">
+            <a:xfrm>
               <a:off x="0" y="0"/>
               <a:ext cx="212191" cy="812800"/>
             </a:xfrm>
@@ -4873,9 +6208,9 @@
               <a:gdLst/>
               <a:ahLst/>
               <a:cxnLst/>
-              <a:rect r="r" b="b" t="t" l="l"/>
+              <a:rect l="l" t="t" r="r" b="b"/>
               <a:pathLst>
-                <a:path h="812800" w="212191">
+                <a:path w="212191" h="812800">
                   <a:moveTo>
                     <a:pt x="106095" y="0"/>
                   </a:moveTo>
@@ -4919,8 +6254,8 @@
         </p:sp>
         <p:sp>
           <p:nvSpPr>
-            <p:cNvPr name="TextBox 7" id="7"/>
-            <p:cNvSpPr txBox="true"/>
+            <p:cNvPr id="7" name="TextBox 7"/>
+            <p:cNvSpPr txBox="1"/>
             <p:nvPr/>
           </p:nvSpPr>
           <p:spPr>
@@ -4933,7 +6268,7 @@
             </a:prstGeom>
           </p:spPr>
           <p:txBody>
-            <a:bodyPr anchor="ctr" rtlCol="false" tIns="50800" lIns="50800" bIns="50800" rIns="50800"/>
+            <a:bodyPr lIns="50800" tIns="50800" rIns="50800" bIns="50800" rtlCol="0" anchor="ctr"/>
             <a:lstStyle/>
             <a:p>
               <a:pPr algn="ctr">
@@ -4941,18 +6276,19 @@
                   <a:spcPts val="2659"/>
                 </a:lnSpc>
               </a:pPr>
+              <a:endParaRPr/>
             </a:p>
           </p:txBody>
         </p:sp>
       </p:grpSp>
       <p:sp>
         <p:nvSpPr>
-          <p:cNvPr name="Freeform 8" id="8"/>
+          <p:cNvPr id="8" name="Freeform 8"/>
           <p:cNvSpPr/>
           <p:nvPr/>
         </p:nvSpPr>
         <p:spPr>
-          <a:xfrm flipH="false" flipV="false" rot="0">
+          <a:xfrm>
             <a:off x="16313420" y="910465"/>
             <a:ext cx="945880" cy="236470"/>
           </a:xfrm>
@@ -4961,9 +6297,9 @@
             <a:gdLst/>
             <a:ahLst/>
             <a:cxnLst/>
-            <a:rect r="r" b="b" t="t" l="l"/>
+            <a:rect l="l" t="t" r="r" b="b"/>
             <a:pathLst>
-              <a:path h="236470" w="945880">
+              <a:path w="945880" h="236470">
                 <a:moveTo>
                   <a:pt x="0" y="0"/>
                 </a:moveTo>
@@ -4992,19 +6328,19 @@
               </a:extLst>
             </a:blip>
             <a:stretch>
-              <a:fillRect l="0" t="0" r="0" b="0"/>
+              <a:fillRect/>
             </a:stretch>
           </a:blipFill>
         </p:spPr>
       </p:sp>
       <p:sp>
         <p:nvSpPr>
-          <p:cNvPr name="TextBox 9" id="9"/>
-          <p:cNvSpPr txBox="true"/>
+          <p:cNvPr id="9" name="TextBox 9"/>
+          <p:cNvSpPr txBox="1"/>
           <p:nvPr/>
         </p:nvSpPr>
         <p:spPr>
-          <a:xfrm rot="0">
+          <a:xfrm>
             <a:off x="3104941" y="786640"/>
             <a:ext cx="6039059" cy="1102455"/>
           </a:xfrm>
@@ -5013,7 +6349,7 @@
           </a:prstGeom>
         </p:spPr>
         <p:txBody>
-          <a:bodyPr anchor="t" rtlCol="false" tIns="0" lIns="0" bIns="0" rIns="0">
+          <a:bodyPr lIns="0" tIns="0" rIns="0" bIns="0" rtlCol="0" anchor="t">
             <a:spAutoFit/>
           </a:bodyPr>
           <a:lstStyle/>
@@ -5024,7 +6360,7 @@
               </a:lnSpc>
             </a:pPr>
             <a:r>
-              <a:rPr lang="en-US" sz="6471" b="true">
+              <a:rPr lang="en-US" sz="6471" b="1">
                 <a:solidFill>
                   <a:srgbClr val="191919"/>
                 </a:solidFill>
@@ -5040,12 +6376,12 @@
       </p:sp>
       <p:sp>
         <p:nvSpPr>
-          <p:cNvPr name="TextBox 10" id="10"/>
-          <p:cNvSpPr txBox="true"/>
+          <p:cNvPr id="10" name="TextBox 10"/>
+          <p:cNvSpPr txBox="1"/>
           <p:nvPr/>
         </p:nvSpPr>
         <p:spPr>
-          <a:xfrm rot="0">
+          <a:xfrm>
             <a:off x="2507903" y="2825457"/>
             <a:ext cx="5999050" cy="453390"/>
           </a:xfrm>
@@ -5054,7 +6390,7 @@
           </a:prstGeom>
         </p:spPr>
         <p:txBody>
-          <a:bodyPr anchor="t" rtlCol="false" tIns="0" lIns="0" bIns="0" rIns="0">
+          <a:bodyPr lIns="0" tIns="0" rIns="0" bIns="0" rtlCol="0" anchor="t">
             <a:spAutoFit/>
           </a:bodyPr>
           <a:lstStyle/>
@@ -5065,7 +6401,7 @@
               </a:lnSpc>
             </a:pPr>
             <a:r>
-              <a:rPr lang="en-US" sz="2699" spc="67" b="true">
+              <a:rPr lang="en-US" sz="2699" b="1" spc="67" dirty="0">
                 <a:solidFill>
                   <a:srgbClr val="191919"/>
                 </a:solidFill>
@@ -5081,32 +6417,32 @@
       </p:sp>
       <p:sp>
         <p:nvSpPr>
-          <p:cNvPr name="TextBox 11" id="11"/>
-          <p:cNvSpPr txBox="true"/>
+          <p:cNvPr id="11" name="TextBox 11"/>
+          <p:cNvSpPr txBox="1"/>
           <p:nvPr/>
         </p:nvSpPr>
         <p:spPr>
-          <a:xfrm rot="0">
-            <a:off x="2507903" y="3630404"/>
-            <a:ext cx="7799289" cy="753492"/>
+          <a:xfrm>
+            <a:off x="2507903" y="3619500"/>
+            <a:ext cx="7799289" cy="1151726"/>
           </a:xfrm>
           <a:prstGeom prst="rect">
             <a:avLst/>
           </a:prstGeom>
         </p:spPr>
         <p:txBody>
-          <a:bodyPr anchor="t" rtlCol="false" tIns="0" lIns="0" bIns="0" rIns="0">
+          <a:bodyPr lIns="0" tIns="0" rIns="0" bIns="0" rtlCol="0" anchor="t">
             <a:spAutoFit/>
           </a:bodyPr>
           <a:lstStyle/>
           <a:p>
-            <a:pPr algn="l" marL="0" indent="0" lvl="0">
+            <a:pPr marL="0" lvl="0" indent="0" algn="just">
               <a:lnSpc>
                 <a:spcPts val="3096"/>
               </a:lnSpc>
             </a:pPr>
             <a:r>
-              <a:rPr lang="en-US" b="true" sz="1899" spc="47">
+              <a:rPr lang="en-US" sz="2200" b="1" spc="47" dirty="0">
                 <a:solidFill>
                   <a:srgbClr val="191919"/>
                 </a:solidFill>
@@ -5115,19 +6451,19 @@
                 <a:cs typeface="Gotham Bold"/>
                 <a:sym typeface="Gotham Bold"/>
               </a:rPr>
-              <a:t>How do the promotions in different display/ mail locations (ex: in store, mailer) impact customer purchase behavior?</a:t>
-            </a:r>
-          </a:p>
-        </p:txBody>
-      </p:sp>
-      <p:sp>
-        <p:nvSpPr>
-          <p:cNvPr name="TextBox 12" id="12"/>
-          <p:cNvSpPr txBox="true"/>
+              <a:t>How do the promotions in different display/mail locations (ex: front page feature in mail, store rear in display) impact customer purchase behavior?</a:t>
+            </a:r>
+          </a:p>
+        </p:txBody>
+      </p:sp>
+      <p:sp>
+        <p:nvSpPr>
+          <p:cNvPr id="12" name="TextBox 12"/>
+          <p:cNvSpPr txBox="1"/>
           <p:nvPr/>
         </p:nvSpPr>
         <p:spPr>
-          <a:xfrm rot="0">
+          <a:xfrm>
             <a:off x="2507903" y="3981940"/>
             <a:ext cx="5999050" cy="401955"/>
           </a:xfrm>
@@ -5136,7 +6472,7 @@
           </a:prstGeom>
         </p:spPr>
         <p:txBody>
-          <a:bodyPr anchor="t" rtlCol="false" tIns="0" lIns="0" bIns="0" rIns="0">
+          <a:bodyPr lIns="0" tIns="0" rIns="0" bIns="0" rtlCol="0" anchor="t">
             <a:spAutoFit/>
           </a:bodyPr>
           <a:lstStyle/>
@@ -5146,104 +6482,118 @@
                 <a:spcPts val="3239"/>
               </a:lnSpc>
             </a:pPr>
-          </a:p>
-        </p:txBody>
-      </p:sp>
-      <p:sp>
-        <p:nvSpPr>
-          <p:cNvPr name="TextBox 13" id="13"/>
-          <p:cNvSpPr txBox="true"/>
+            <a:endParaRPr/>
+          </a:p>
+        </p:txBody>
+      </p:sp>
+      <p:sp>
+        <p:nvSpPr>
+          <p:cNvPr id="13" name="TextBox 13"/>
+          <p:cNvSpPr txBox="1"/>
           <p:nvPr/>
         </p:nvSpPr>
         <p:spPr>
-          <a:xfrm rot="0">
-            <a:off x="2644853" y="4812942"/>
-            <a:ext cx="7505707" cy="3787267"/>
+          <a:xfrm>
+            <a:off x="2646283" y="5038643"/>
+            <a:ext cx="8236297" cy="4101123"/>
           </a:xfrm>
           <a:prstGeom prst="rect">
             <a:avLst/>
           </a:prstGeom>
         </p:spPr>
         <p:txBody>
-          <a:bodyPr anchor="t" rtlCol="false" tIns="0" lIns="0" bIns="0" rIns="0">
+          <a:bodyPr wrap="square" lIns="0" tIns="0" rIns="0" bIns="0" rtlCol="0" anchor="t">
             <a:spAutoFit/>
           </a:bodyPr>
           <a:lstStyle/>
           <a:p>
-            <a:pPr algn="l" marL="410209" indent="-205105" lvl="1">
+            <a:pPr marL="342900" indent="-342900" algn="just">
               <a:lnSpc>
-                <a:spcPts val="3058"/>
+                <a:spcPct val="150000"/>
               </a:lnSpc>
-              <a:buFont typeface="Arial"/>
+              <a:buFont typeface="Arial" panose="020B0604020202020204" pitchFamily="34" charset="0"/>
               <a:buChar char="•"/>
             </a:pPr>
             <a:r>
-              <a:rPr lang="en-US" sz="1899" spc="47">
+              <a:rPr lang="en-US" sz="2000" i="0" dirty="0">
+                <a:solidFill>
+                  <a:srgbClr val="333333"/>
+                </a:solidFill>
+                <a:effectLst/>
+                <a:latin typeface="Gotham" panose="020B0604020202020204" charset="0"/>
+                <a:cs typeface="Gotham" panose="020B0604020202020204" charset="0"/>
+              </a:rPr>
+              <a:t>Campaign Types Effect on Sales Value</a:t>
+            </a:r>
+          </a:p>
+          <a:p>
+            <a:pPr marL="342900" indent="-342900" algn="just">
+              <a:lnSpc>
+                <a:spcPct val="150000"/>
+              </a:lnSpc>
+              <a:buFont typeface="Arial" panose="020B0604020202020204" pitchFamily="34" charset="0"/>
+              <a:buChar char="•"/>
+            </a:pPr>
+            <a:r>
+              <a:rPr lang="en-US" sz="2000" i="0" dirty="0">
+                <a:solidFill>
+                  <a:srgbClr val="333333"/>
+                </a:solidFill>
+                <a:effectLst/>
+                <a:latin typeface="Gotham" panose="020B0604020202020204" charset="0"/>
+                <a:cs typeface="Gotham" panose="020B0604020202020204" charset="0"/>
+              </a:rPr>
+              <a:t>Hypothesis: Products placed at certain display locations, when combined with coupon promotions, will result in the highest number of purchases compared to other display locations.</a:t>
+            </a:r>
+          </a:p>
+          <a:p>
+            <a:pPr marL="342900" indent="-342900" algn="just">
+              <a:lnSpc>
+                <a:spcPct val="150000"/>
+              </a:lnSpc>
+              <a:buFont typeface="Arial" panose="020B0604020202020204" pitchFamily="34" charset="0"/>
+              <a:buChar char="•"/>
+            </a:pPr>
+            <a:r>
+              <a:rPr lang="en-US" sz="2000" i="0" dirty="0">
+                <a:solidFill>
+                  <a:srgbClr val="333333"/>
+                </a:solidFill>
+                <a:effectLst/>
+                <a:latin typeface="Gotham" panose="020B0604020202020204" charset="0"/>
+                <a:cs typeface="Gotham" panose="020B0604020202020204" charset="0"/>
+              </a:rPr>
+              <a:t>Hypothesis: Customer is likely to redeem coupons if products are placed at interior page feature in mail.</a:t>
+            </a:r>
+            <a:endParaRPr lang="en-US" sz="2000" spc="47" dirty="0">
+              <a:solidFill>
+                <a:srgbClr val="191919"/>
+              </a:solidFill>
+              <a:latin typeface="Gotham" panose="020B0604020202020204" charset="0"/>
+              <a:ea typeface="Gotham"/>
+              <a:cs typeface="Gotham" panose="020B0604020202020204" charset="0"/>
+              <a:sym typeface="Gotham"/>
+            </a:endParaRPr>
+          </a:p>
+          <a:p>
+            <a:pPr marL="342900" indent="-342900" algn="just">
+              <a:lnSpc>
+                <a:spcPct val="150000"/>
+              </a:lnSpc>
+              <a:buFont typeface="Arial" panose="020B0604020202020204" pitchFamily="34" charset="0"/>
+              <a:buChar char="•"/>
+            </a:pPr>
+            <a:r>
+              <a:rPr lang="en-US" sz="2000" spc="47" dirty="0">
                 <a:solidFill>
                   <a:srgbClr val="191919"/>
                 </a:solidFill>
-                <a:latin typeface="Gotham"/>
+                <a:latin typeface="Gotham" panose="020B0604020202020204" charset="0"/>
                 <a:ea typeface="Gotham"/>
-                <a:cs typeface="Gotham"/>
+                <a:cs typeface="Gotham" panose="020B0604020202020204" charset="0"/>
                 <a:sym typeface="Gotham"/>
               </a:rPr>
-              <a:t>Customers are more likely to redeem coupons when products are featured on the interior pages of mailers.</a:t>
-            </a:r>
-          </a:p>
-          <a:p>
-            <a:pPr algn="l">
-              <a:lnSpc>
-                <a:spcPts val="3058"/>
-              </a:lnSpc>
-            </a:pPr>
-          </a:p>
-          <a:p>
-            <a:pPr algn="l" marL="410209" indent="-205105" lvl="1">
-              <a:lnSpc>
-                <a:spcPts val="3058"/>
-              </a:lnSpc>
-              <a:buFont typeface="Arial"/>
-              <a:buChar char="•"/>
-            </a:pPr>
-            <a:r>
-              <a:rPr lang="en-US" sz="1899" spc="47">
-                <a:solidFill>
-                  <a:srgbClr val="191919"/>
-                </a:solidFill>
-                <a:latin typeface="Gotham"/>
-                <a:ea typeface="Gotham"/>
-                <a:cs typeface="Gotham"/>
-                <a:sym typeface="Gotham"/>
-              </a:rPr>
-              <a:t>A stacked bar plot illustrates total sales across different mailer locations and departments, highlighting the impact of coupon placement.</a:t>
-            </a:r>
-          </a:p>
-          <a:p>
-            <a:pPr algn="l">
-              <a:lnSpc>
-                <a:spcPts val="3058"/>
-              </a:lnSpc>
-            </a:pPr>
-          </a:p>
-          <a:p>
-            <a:pPr algn="l" marL="410209" indent="-205105" lvl="1">
-              <a:lnSpc>
-                <a:spcPts val="3058"/>
-              </a:lnSpc>
-              <a:buFont typeface="Arial"/>
-              <a:buChar char="•"/>
-            </a:pPr>
-            <a:r>
-              <a:rPr lang="en-US" sz="1899" spc="47">
-                <a:solidFill>
-                  <a:srgbClr val="191919"/>
-                </a:solidFill>
-                <a:latin typeface="Gotham"/>
-                <a:ea typeface="Gotham"/>
-                <a:cs typeface="Gotham"/>
-                <a:sym typeface="Gotham"/>
-              </a:rPr>
-              <a:t>The percentage-based analysis shows the contribution of each department to total sales, identifying which departments benefit most from interior page displays.</a:t>
+              <a:t>Comparisons of total sales value between Display and Mailer locations</a:t>
             </a:r>
           </a:p>
         </p:txBody>
@@ -5257,13 +6607,14 @@
 </file>
 
 <file path=ppt/slides/slide3.xml><?xml version="1.0" encoding="utf-8"?>
-<p:sld xmlns:p="http://schemas.openxmlformats.org/presentationml/2006/main" xmlns:a="http://schemas.openxmlformats.org/drawingml/2006/main" xmlns:r="http://schemas.openxmlformats.org/officeDocument/2006/relationships">
+<p:sld xmlns:a="http://schemas.openxmlformats.org/drawingml/2006/main" xmlns:r="http://schemas.openxmlformats.org/officeDocument/2006/relationships" xmlns:p="http://schemas.openxmlformats.org/presentationml/2006/main">
   <p:cSld>
     <p:bg>
       <p:bgPr>
         <a:solidFill>
           <a:srgbClr val="FFFFFE"/>
         </a:solidFill>
+        <a:effectLst/>
       </p:bgPr>
     </p:bg>
     <p:spTree>
@@ -5280,15 +6631,51 @@
           <a:chExt cx="0" cy="0"/>
         </a:xfrm>
       </p:grpSpPr>
-      <p:sp>
-        <p:nvSpPr>
-          <p:cNvPr name="Freeform 2" id="2"/>
+      <p:pic>
+        <p:nvPicPr>
+          <p:cNvPr id="12" name="Picture 11">
+            <a:extLst>
+              <a:ext uri="{FF2B5EF4-FFF2-40B4-BE49-F238E27FC236}">
+                <a16:creationId xmlns:a16="http://schemas.microsoft.com/office/drawing/2014/main" id="{DBD5E262-D543-478E-88EB-9E04632BE04C}"/>
+              </a:ext>
+            </a:extLst>
+          </p:cNvPr>
+          <p:cNvPicPr>
+            <a:picLocks noChangeAspect="1"/>
+          </p:cNvPicPr>
+          <p:nvPr/>
+        </p:nvPicPr>
+        <p:blipFill>
+          <a:blip r:embed="rId3">
+            <a:extLst>
+              <a:ext uri="{28A0092B-C50C-407E-A947-70E740481C1C}">
+                <a14:useLocalDpi xmlns:a14="http://schemas.microsoft.com/office/drawing/2010/main" val="0"/>
+              </a:ext>
+            </a:extLst>
+          </a:blip>
+          <a:stretch>
+            <a:fillRect/>
+          </a:stretch>
+        </p:blipFill>
+        <p:spPr>
+          <a:xfrm>
+            <a:off x="97007" y="1413635"/>
+            <a:ext cx="9640092" cy="7459730"/>
+          </a:xfrm>
+          <a:prstGeom prst="rect">
+            <a:avLst/>
+          </a:prstGeom>
+        </p:spPr>
+      </p:pic>
+      <p:sp>
+        <p:nvSpPr>
+          <p:cNvPr id="2" name="Freeform 2"/>
           <p:cNvSpPr/>
           <p:nvPr/>
         </p:nvSpPr>
         <p:spPr>
-          <a:xfrm flipH="false" flipV="false" rot="0">
-            <a:off x="16313420" y="1028700"/>
+          <a:xfrm>
+            <a:off x="16313420" y="876300"/>
             <a:ext cx="945880" cy="236470"/>
           </a:xfrm>
           <a:custGeom>
@@ -5296,9 +6683,9 @@
             <a:gdLst/>
             <a:ahLst/>
             <a:cxnLst/>
-            <a:rect r="r" b="b" t="t" l="l"/>
+            <a:rect l="l" t="t" r="r" b="b"/>
             <a:pathLst>
-              <a:path h="236470" w="945880">
+              <a:path w="945880" h="236470">
                 <a:moveTo>
                   <a:pt x="0" y="0"/>
                 </a:moveTo>
@@ -5319,27 +6706,27 @@
             </a:pathLst>
           </a:custGeom>
           <a:blipFill>
-            <a:blip r:embed="rId3">
+            <a:blip r:embed="rId4">
               <a:extLst>
                 <a:ext uri="{96DAC541-7B7A-43D3-8B79-37D633B846F1}">
-                  <asvg:svgBlip xmlns:asvg="http://schemas.microsoft.com/office/drawing/2016/SVG/main" r:embed="rId4"/>
+                  <asvg:svgBlip xmlns:asvg="http://schemas.microsoft.com/office/drawing/2016/SVG/main" r:embed="rId5"/>
                 </a:ext>
               </a:extLst>
             </a:blip>
             <a:stretch>
-              <a:fillRect l="0" t="0" r="0" b="0"/>
+              <a:fillRect/>
             </a:stretch>
           </a:blipFill>
         </p:spPr>
       </p:sp>
       <p:grpSp>
         <p:nvGrpSpPr>
-          <p:cNvPr name="Group 3" id="3"/>
+          <p:cNvPr id="3" name="Group 3"/>
           <p:cNvGrpSpPr/>
           <p:nvPr/>
         </p:nvGrpSpPr>
         <p:grpSpPr>
-          <a:xfrm rot="0">
+          <a:xfrm>
             <a:off x="16786360" y="-1190679"/>
             <a:ext cx="11877185" cy="11877185"/>
             <a:chOff x="0" y="0"/>
@@ -5348,12 +6735,12 @@
         </p:grpSpPr>
         <p:sp>
           <p:nvSpPr>
-            <p:cNvPr name="Freeform 4" id="4"/>
+            <p:cNvPr id="4" name="Freeform 4"/>
             <p:cNvSpPr/>
             <p:nvPr/>
           </p:nvSpPr>
           <p:spPr>
-            <a:xfrm flipH="false" flipV="false" rot="0">
+            <a:xfrm>
               <a:off x="0" y="0"/>
               <a:ext cx="812800" cy="812800"/>
             </a:xfrm>
@@ -5362,9 +6749,9 @@
               <a:gdLst/>
               <a:ahLst/>
               <a:cxnLst/>
-              <a:rect r="r" b="b" t="t" l="l"/>
+              <a:rect l="l" t="t" r="r" b="b"/>
               <a:pathLst>
-                <a:path h="812800" w="812800">
+                <a:path w="812800" h="812800">
                   <a:moveTo>
                     <a:pt x="406400" y="0"/>
                   </a:moveTo>
@@ -5410,8 +6797,8 @@
         </p:sp>
         <p:sp>
           <p:nvSpPr>
-            <p:cNvPr name="TextBox 5" id="5"/>
-            <p:cNvSpPr txBox="true"/>
+            <p:cNvPr id="5" name="TextBox 5"/>
+            <p:cNvSpPr txBox="1"/>
             <p:nvPr/>
           </p:nvSpPr>
           <p:spPr>
@@ -5424,7 +6811,7 @@
             </a:prstGeom>
           </p:spPr>
           <p:txBody>
-            <a:bodyPr anchor="ctr" rtlCol="false" tIns="50800" lIns="50800" bIns="50800" rIns="50800"/>
+            <a:bodyPr lIns="50800" tIns="50800" rIns="50800" bIns="50800" rtlCol="0" anchor="ctr"/>
             <a:lstStyle/>
             <a:p>
               <a:pPr algn="ctr">
@@ -5432,84 +6819,39 @@
                   <a:spcPts val="2659"/>
                 </a:lnSpc>
               </a:pPr>
+              <a:endParaRPr/>
             </a:p>
           </p:txBody>
         </p:sp>
       </p:grpSp>
       <p:sp>
         <p:nvSpPr>
-          <p:cNvPr name="Freeform 6" id="6"/>
-          <p:cNvSpPr/>
+          <p:cNvPr id="7" name="TextBox 7"/>
+          <p:cNvSpPr txBox="1"/>
           <p:nvPr/>
         </p:nvSpPr>
         <p:spPr>
-          <a:xfrm flipH="false" flipV="false" rot="0">
-            <a:off x="304800" y="288862"/>
-            <a:ext cx="9188080" cy="9188080"/>
-          </a:xfrm>
-          <a:custGeom>
-            <a:avLst/>
-            <a:gdLst/>
-            <a:ahLst/>
-            <a:cxnLst/>
-            <a:rect r="r" b="b" t="t" l="l"/>
-            <a:pathLst>
-              <a:path h="9188080" w="9188080">
-                <a:moveTo>
-                  <a:pt x="0" y="0"/>
-                </a:moveTo>
-                <a:lnTo>
-                  <a:pt x="9188080" y="0"/>
-                </a:lnTo>
-                <a:lnTo>
-                  <a:pt x="9188080" y="9188080"/>
-                </a:lnTo>
-                <a:lnTo>
-                  <a:pt x="0" y="9188080"/>
-                </a:lnTo>
-                <a:lnTo>
-                  <a:pt x="0" y="0"/>
-                </a:lnTo>
-                <a:close/>
-              </a:path>
-            </a:pathLst>
-          </a:custGeom>
-          <a:blipFill>
-            <a:blip r:embed="rId5"/>
-            <a:stretch>
-              <a:fillRect l="0" t="0" r="0" b="0"/>
-            </a:stretch>
-          </a:blipFill>
-        </p:spPr>
-      </p:sp>
-      <p:sp>
-        <p:nvSpPr>
-          <p:cNvPr name="TextBox 7" id="7"/>
-          <p:cNvSpPr txBox="true"/>
-          <p:nvPr/>
-        </p:nvSpPr>
-        <p:spPr>
-          <a:xfrm rot="0">
-            <a:off x="10159854" y="2254451"/>
-            <a:ext cx="7099446" cy="7222491"/>
+          <a:xfrm>
+            <a:off x="9906000" y="1714500"/>
+            <a:ext cx="6629400" cy="8236870"/>
           </a:xfrm>
           <a:prstGeom prst="rect">
             <a:avLst/>
           </a:prstGeom>
         </p:spPr>
         <p:txBody>
-          <a:bodyPr anchor="t" rtlCol="false" tIns="0" lIns="0" bIns="0" rIns="0">
+          <a:bodyPr wrap="square" lIns="0" tIns="0" rIns="0" bIns="0" rtlCol="0" anchor="t">
             <a:spAutoFit/>
           </a:bodyPr>
           <a:lstStyle/>
           <a:p>
-            <a:pPr algn="l">
+            <a:pPr>
               <a:lnSpc>
                 <a:spcPts val="3399"/>
               </a:lnSpc>
             </a:pPr>
             <a:r>
-              <a:rPr lang="en-US" sz="1999" b="true">
+              <a:rPr lang="en-US" sz="1999" b="1" dirty="0">
                 <a:solidFill>
                   <a:srgbClr val="000000"/>
                 </a:solidFill>
@@ -5522,7 +6864,7 @@
             </a:r>
           </a:p>
           <a:p>
-            <a:pPr algn="l" marL="431799" indent="-215899" lvl="1">
+            <a:pPr marL="431799" lvl="1" indent="-215899">
               <a:lnSpc>
                 <a:spcPts val="3399"/>
               </a:lnSpc>
@@ -5530,7 +6872,7 @@
               <a:buChar char="•"/>
             </a:pPr>
             <a:r>
-              <a:rPr lang="en-US" sz="1999">
+              <a:rPr lang="en-US" sz="1999" dirty="0">
                 <a:solidFill>
                   <a:srgbClr val="000000"/>
                 </a:solidFill>
@@ -5539,17 +6881,17 @@
                 <a:cs typeface="Gotham"/>
                 <a:sym typeface="Gotham"/>
               </a:rPr>
-              <a:t>Investigated coupon campaign types' effects on redemption counts and total sales.</a:t>
-            </a:r>
-          </a:p>
-          <a:p>
-            <a:pPr algn="l">
+              <a:t>Investigated coupon campaign types' effects on redemption counts and total sales value.</a:t>
+            </a:r>
+          </a:p>
+          <a:p>
+            <a:pPr>
               <a:lnSpc>
                 <a:spcPts val="3399"/>
               </a:lnSpc>
             </a:pPr>
             <a:r>
-              <a:rPr lang="en-US" sz="1999" b="true">
+              <a:rPr lang="en-US" sz="1999" b="1" dirty="0">
                 <a:solidFill>
                   <a:srgbClr val="000000"/>
                 </a:solidFill>
@@ -5562,7 +6904,7 @@
             </a:r>
           </a:p>
           <a:p>
-            <a:pPr algn="l" marL="431799" indent="-215899" lvl="1">
+            <a:pPr marL="431799" lvl="1" indent="-215899">
               <a:lnSpc>
                 <a:spcPts val="3399"/>
               </a:lnSpc>
@@ -5570,7 +6912,7 @@
               <a:buChar char="•"/>
             </a:pPr>
             <a:r>
-              <a:rPr lang="en-US" b="true" sz="1999">
+              <a:rPr lang="en-US" sz="1999" b="1" dirty="0">
                 <a:solidFill>
                   <a:srgbClr val="000000"/>
                 </a:solidFill>
@@ -5583,7 +6925,7 @@
             </a:r>
           </a:p>
           <a:p>
-            <a:pPr algn="l" marL="863598" indent="-287866" lvl="2">
+            <a:pPr marL="863598" lvl="2" indent="-287866">
               <a:lnSpc>
                 <a:spcPts val="3399"/>
               </a:lnSpc>
@@ -5591,7 +6933,7 @@
               <a:buChar char="⚬"/>
             </a:pPr>
             <a:r>
-              <a:rPr lang="en-US" sz="1999">
+              <a:rPr lang="en-US" sz="1999" dirty="0">
                 <a:solidFill>
                   <a:srgbClr val="000000"/>
                 </a:solidFill>
@@ -5604,7 +6946,7 @@
             </a:r>
           </a:p>
           <a:p>
-            <a:pPr algn="l" marL="863598" indent="-287866" lvl="2">
+            <a:pPr marL="863598" lvl="2" indent="-287866">
               <a:lnSpc>
                 <a:spcPts val="3399"/>
               </a:lnSpc>
@@ -5612,7 +6954,7 @@
               <a:buChar char="⚬"/>
             </a:pPr>
             <a:r>
-              <a:rPr lang="en-US" sz="1999">
+              <a:rPr lang="en-US" sz="1999" dirty="0">
                 <a:solidFill>
                   <a:srgbClr val="000000"/>
                 </a:solidFill>
@@ -5625,7 +6967,7 @@
             </a:r>
           </a:p>
           <a:p>
-            <a:pPr algn="l" marL="1295397" indent="-323849" lvl="3">
+            <a:pPr marL="1295397" lvl="3" indent="-323849">
               <a:lnSpc>
                 <a:spcPts val="3399"/>
               </a:lnSpc>
@@ -5633,7 +6975,7 @@
               <a:buChar char="￭"/>
             </a:pPr>
             <a:r>
-              <a:rPr lang="en-US" sz="1999">
+              <a:rPr lang="en-US" sz="1999" dirty="0">
                 <a:solidFill>
                   <a:srgbClr val="000000"/>
                 </a:solidFill>
@@ -5642,23 +6984,11 @@
                 <a:cs typeface="Gotham"/>
                 <a:sym typeface="Gotham"/>
               </a:rPr>
-              <a:t>B</a:t>
-            </a:r>
-            <a:r>
-              <a:rPr lang="en-US" sz="1999">
-                <a:solidFill>
-                  <a:srgbClr val="000000"/>
-                </a:solidFill>
-                <a:latin typeface="Gotham"/>
-                <a:ea typeface="Gotham"/>
-                <a:cs typeface="Gotham"/>
-                <a:sym typeface="Gotham"/>
-              </a:rPr>
-              <a:t>est-suited products</a:t>
-            </a:r>
-          </a:p>
-          <a:p>
-            <a:pPr algn="l" marL="1295397" indent="-323849" lvl="3">
+              <a:t>Best-suited products</a:t>
+            </a:r>
+          </a:p>
+          <a:p>
+            <a:pPr marL="1295397" lvl="3" indent="-323849">
               <a:lnSpc>
                 <a:spcPts val="3399"/>
               </a:lnSpc>
@@ -5666,7 +6996,7 @@
               <a:buChar char="￭"/>
             </a:pPr>
             <a:r>
-              <a:rPr lang="en-US" sz="1999">
+              <a:rPr lang="en-US" sz="1999" dirty="0">
                 <a:solidFill>
                   <a:srgbClr val="000000"/>
                 </a:solidFill>
@@ -5675,17 +7005,17 @@
                 <a:cs typeface="Gotham"/>
                 <a:sym typeface="Gotham"/>
               </a:rPr>
-              <a:t>Success factors (discounts, placement)</a:t>
-            </a:r>
-          </a:p>
-          <a:p>
-            <a:pPr algn="l">
+              <a:t>Time frame factors</a:t>
+            </a:r>
+          </a:p>
+          <a:p>
+            <a:pPr>
               <a:lnSpc>
                 <a:spcPts val="3399"/>
               </a:lnSpc>
             </a:pPr>
             <a:r>
-              <a:rPr lang="en-US" sz="1999" b="true">
+              <a:rPr lang="en-US" sz="1999" b="1" dirty="0">
                 <a:solidFill>
                   <a:srgbClr val="000000"/>
                 </a:solidFill>
@@ -5698,7 +7028,7 @@
             </a:r>
           </a:p>
           <a:p>
-            <a:pPr algn="l" marL="431799" indent="-215899" lvl="1">
+            <a:pPr marL="431799" lvl="1" indent="-215899">
               <a:lnSpc>
                 <a:spcPts val="3399"/>
               </a:lnSpc>
@@ -5706,7 +7036,7 @@
               <a:buChar char="•"/>
             </a:pPr>
             <a:r>
-              <a:rPr lang="en-US" sz="1999">
+              <a:rPr lang="en-US" sz="1999" dirty="0">
                 <a:solidFill>
                   <a:srgbClr val="000000"/>
                 </a:solidFill>
@@ -5719,7 +7049,7 @@
             </a:r>
           </a:p>
           <a:p>
-            <a:pPr algn="l" marL="863598" indent="-287866" lvl="2">
+            <a:pPr marL="863598" lvl="2" indent="-287866">
               <a:lnSpc>
                 <a:spcPts val="3399"/>
               </a:lnSpc>
@@ -5727,7 +7057,7 @@
               <a:buChar char="⚬"/>
             </a:pPr>
             <a:r>
-              <a:rPr lang="en-US" sz="1999">
+              <a:rPr lang="en-US" sz="1999" dirty="0">
                 <a:solidFill>
                   <a:srgbClr val="000000"/>
                 </a:solidFill>
@@ -5740,7 +7070,7 @@
             </a:r>
           </a:p>
           <a:p>
-            <a:pPr algn="l" marL="431799" indent="-215899" lvl="1">
+            <a:pPr marL="431799" lvl="1" indent="-215899">
               <a:lnSpc>
                 <a:spcPts val="3399"/>
               </a:lnSpc>
@@ -5748,7 +7078,7 @@
               <a:buChar char="•"/>
             </a:pPr>
             <a:r>
-              <a:rPr lang="en-US" sz="1999">
+              <a:rPr lang="en-US" sz="1999" dirty="0">
                 <a:solidFill>
                   <a:srgbClr val="000000"/>
                 </a:solidFill>
@@ -5761,7 +7091,7 @@
             </a:r>
           </a:p>
           <a:p>
-            <a:pPr algn="l" marL="863598" indent="-287866" lvl="2">
+            <a:pPr marL="863598" lvl="2" indent="-287866">
               <a:lnSpc>
                 <a:spcPts val="3399"/>
               </a:lnSpc>
@@ -5769,7 +7099,7 @@
               <a:buChar char="⚬"/>
             </a:pPr>
             <a:r>
-              <a:rPr lang="en-US" sz="1999">
+              <a:rPr lang="en-US" sz="1999" dirty="0">
                 <a:solidFill>
                   <a:srgbClr val="000000"/>
                 </a:solidFill>
@@ -5778,28 +7108,70 @@
                 <a:cs typeface="Gotham"/>
                 <a:sym typeface="Gotham"/>
               </a:rPr>
-              <a:t>Highly effective; potential strategies to enhance underperforming departments.</a:t>
-            </a:r>
-          </a:p>
-        </p:txBody>
-      </p:sp>
-      <p:sp>
-        <p:nvSpPr>
-          <p:cNvPr name="TextBox 8" id="8"/>
-          <p:cNvSpPr txBox="true"/>
+              <a:t>Highly effective; </a:t>
+            </a:r>
+          </a:p>
+          <a:p>
+            <a:pPr marL="863598" lvl="2" indent="-287866">
+              <a:lnSpc>
+                <a:spcPts val="3399"/>
+              </a:lnSpc>
+              <a:buFont typeface="Arial"/>
+              <a:buChar char="⚬"/>
+            </a:pPr>
+            <a:r>
+              <a:rPr lang="en-US" sz="1999" dirty="0">
+                <a:solidFill>
+                  <a:srgbClr val="000000"/>
+                </a:solidFill>
+                <a:latin typeface="Gotham"/>
+                <a:ea typeface="Gotham"/>
+                <a:cs typeface="Gotham"/>
+                <a:sym typeface="Gotham"/>
+              </a:rPr>
+              <a:t>Potential strategies to enhance underperforming departments</a:t>
+            </a:r>
+          </a:p>
+          <a:p>
+            <a:pPr marL="863598" lvl="2" indent="-287866">
+              <a:lnSpc>
+                <a:spcPts val="3399"/>
+              </a:lnSpc>
+              <a:buFont typeface="Arial"/>
+              <a:buChar char="⚬"/>
+            </a:pPr>
+            <a:r>
+              <a:rPr lang="en-US" sz="1999" dirty="0">
+                <a:solidFill>
+                  <a:srgbClr val="000000"/>
+                </a:solidFill>
+                <a:latin typeface="Gotham"/>
+                <a:ea typeface="Gotham"/>
+                <a:cs typeface="Gotham"/>
+                <a:sym typeface="Gotham"/>
+              </a:rPr>
+              <a:t>Could be model campaign in the future</a:t>
+            </a:r>
+          </a:p>
+        </p:txBody>
+      </p:sp>
+      <p:sp>
+        <p:nvSpPr>
+          <p:cNvPr id="8" name="TextBox 8"/>
+          <p:cNvSpPr txBox="1"/>
           <p:nvPr/>
         </p:nvSpPr>
         <p:spPr>
-          <a:xfrm rot="0">
-            <a:off x="10159854" y="1198495"/>
-            <a:ext cx="7824944" cy="528955"/>
+          <a:xfrm>
+            <a:off x="9906000" y="1198495"/>
+            <a:ext cx="7824944" cy="505908"/>
           </a:xfrm>
           <a:prstGeom prst="rect">
             <a:avLst/>
           </a:prstGeom>
         </p:spPr>
         <p:txBody>
-          <a:bodyPr anchor="t" rtlCol="false" tIns="0" lIns="0" bIns="0" rIns="0">
+          <a:bodyPr lIns="0" tIns="0" rIns="0" bIns="0" rtlCol="0" anchor="t">
             <a:spAutoFit/>
           </a:bodyPr>
           <a:lstStyle/>
@@ -5813,7 +7185,7 @@
               </a:spcBef>
             </a:pPr>
             <a:r>
-              <a:rPr lang="en-US" b="true" sz="3099">
+              <a:rPr lang="en-US" sz="3000" b="1" dirty="0">
                 <a:solidFill>
                   <a:srgbClr val="191919"/>
                 </a:solidFill>
@@ -5822,7 +7194,7 @@
                 <a:cs typeface="Gotham Bold"/>
                 <a:sym typeface="Gotham Bold"/>
               </a:rPr>
-              <a:t>Coupon types effect on sales</a:t>
+              <a:t>Campaign Types Effect on Sales Value</a:t>
             </a:r>
           </a:p>
         </p:txBody>
@@ -5836,13 +7208,14 @@
 </file>
 
 <file path=ppt/slides/slide4.xml><?xml version="1.0" encoding="utf-8"?>
-<p:sld xmlns:p="http://schemas.openxmlformats.org/presentationml/2006/main" xmlns:a="http://schemas.openxmlformats.org/drawingml/2006/main" xmlns:r="http://schemas.openxmlformats.org/officeDocument/2006/relationships">
+<p:sld xmlns:a="http://schemas.openxmlformats.org/drawingml/2006/main" xmlns:r="http://schemas.openxmlformats.org/officeDocument/2006/relationships" xmlns:p="http://schemas.openxmlformats.org/presentationml/2006/main">
   <p:cSld>
     <p:bg>
       <p:bgPr>
         <a:solidFill>
           <a:srgbClr val="FFFFFE"/>
         </a:solidFill>
+        <a:effectLst/>
       </p:bgPr>
     </p:bg>
     <p:spTree>
@@ -5859,14 +7232,50 @@
           <a:chExt cx="0" cy="0"/>
         </a:xfrm>
       </p:grpSpPr>
+      <p:pic>
+        <p:nvPicPr>
+          <p:cNvPr id="21" name="Picture 20">
+            <a:extLst>
+              <a:ext uri="{FF2B5EF4-FFF2-40B4-BE49-F238E27FC236}">
+                <a16:creationId xmlns:a16="http://schemas.microsoft.com/office/drawing/2014/main" id="{3F1C6661-19AB-4E4A-9495-3C2C05304982}"/>
+              </a:ext>
+            </a:extLst>
+          </p:cNvPr>
+          <p:cNvPicPr>
+            <a:picLocks noChangeAspect="1"/>
+          </p:cNvPicPr>
+          <p:nvPr/>
+        </p:nvPicPr>
+        <p:blipFill>
+          <a:blip r:embed="rId3">
+            <a:extLst>
+              <a:ext uri="{28A0092B-C50C-407E-A947-70E740481C1C}">
+                <a14:useLocalDpi xmlns:a14="http://schemas.microsoft.com/office/drawing/2010/main" val="0"/>
+              </a:ext>
+            </a:extLst>
+          </a:blip>
+          <a:stretch>
+            <a:fillRect/>
+          </a:stretch>
+        </p:blipFill>
+        <p:spPr>
+          <a:xfrm>
+            <a:off x="5873201" y="290332"/>
+            <a:ext cx="12132919" cy="9706335"/>
+          </a:xfrm>
+          <a:prstGeom prst="rect">
+            <a:avLst/>
+          </a:prstGeom>
+        </p:spPr>
+      </p:pic>
       <p:grpSp>
         <p:nvGrpSpPr>
-          <p:cNvPr name="Group 2" id="2"/>
+          <p:cNvPr id="2" name="Group 2"/>
           <p:cNvGrpSpPr/>
           <p:nvPr/>
         </p:nvGrpSpPr>
         <p:grpSpPr>
-          <a:xfrm rot="0">
+          <a:xfrm>
             <a:off x="-1812693" y="-10487225"/>
             <a:ext cx="2841393" cy="13405540"/>
             <a:chOff x="0" y="0"/>
@@ -5875,12 +7284,12 @@
         </p:grpSpPr>
         <p:sp>
           <p:nvSpPr>
-            <p:cNvPr name="Freeform 3" id="3"/>
+            <p:cNvPr id="3" name="Freeform 3"/>
             <p:cNvSpPr/>
             <p:nvPr/>
           </p:nvSpPr>
           <p:spPr>
-            <a:xfrm flipH="false" flipV="false" rot="0">
+            <a:xfrm>
               <a:off x="0" y="0"/>
               <a:ext cx="172278" cy="812800"/>
             </a:xfrm>
@@ -5889,9 +7298,9 @@
               <a:gdLst/>
               <a:ahLst/>
               <a:cxnLst/>
-              <a:rect r="r" b="b" t="t" l="l"/>
+              <a:rect l="l" t="t" r="r" b="b"/>
               <a:pathLst>
-                <a:path h="812800" w="172278">
+                <a:path w="172278" h="812800">
                   <a:moveTo>
                     <a:pt x="86139" y="0"/>
                   </a:moveTo>
@@ -5935,8 +7344,8 @@
         </p:sp>
         <p:sp>
           <p:nvSpPr>
-            <p:cNvPr name="TextBox 4" id="4"/>
-            <p:cNvSpPr txBox="true"/>
+            <p:cNvPr id="4" name="TextBox 4"/>
+            <p:cNvSpPr txBox="1"/>
             <p:nvPr/>
           </p:nvSpPr>
           <p:spPr>
@@ -5949,7 +7358,7 @@
             </a:prstGeom>
           </p:spPr>
           <p:txBody>
-            <a:bodyPr anchor="ctr" rtlCol="false" tIns="50800" lIns="50800" bIns="50800" rIns="50800"/>
+            <a:bodyPr lIns="50800" tIns="50800" rIns="50800" bIns="50800" rtlCol="0" anchor="ctr"/>
             <a:lstStyle/>
             <a:p>
               <a:pPr algn="ctr">
@@ -5957,18 +7366,19 @@
                   <a:spcPts val="2659"/>
                 </a:lnSpc>
               </a:pPr>
+              <a:endParaRPr/>
             </a:p>
           </p:txBody>
         </p:sp>
       </p:grpSp>
       <p:grpSp>
         <p:nvGrpSpPr>
-          <p:cNvPr name="Group 5" id="5"/>
+          <p:cNvPr id="5" name="Group 5"/>
           <p:cNvGrpSpPr/>
           <p:nvPr/>
         </p:nvGrpSpPr>
         <p:grpSpPr>
-          <a:xfrm rot="0">
+          <a:xfrm>
             <a:off x="11762088" y="-9632634"/>
             <a:ext cx="10994424" cy="10994424"/>
             <a:chOff x="0" y="0"/>
@@ -5977,12 +7387,12 @@
         </p:grpSpPr>
         <p:sp>
           <p:nvSpPr>
-            <p:cNvPr name="Freeform 6" id="6"/>
+            <p:cNvPr id="6" name="Freeform 6"/>
             <p:cNvSpPr/>
             <p:nvPr/>
           </p:nvSpPr>
           <p:spPr>
-            <a:xfrm flipH="false" flipV="false" rot="0">
+            <a:xfrm>
               <a:off x="0" y="0"/>
               <a:ext cx="812800" cy="812800"/>
             </a:xfrm>
@@ -5991,9 +7401,9 @@
               <a:gdLst/>
               <a:ahLst/>
               <a:cxnLst/>
-              <a:rect r="r" b="b" t="t" l="l"/>
+              <a:rect l="l" t="t" r="r" b="b"/>
               <a:pathLst>
-                <a:path h="812800" w="812800">
+                <a:path w="812800" h="812800">
                   <a:moveTo>
                     <a:pt x="406400" y="0"/>
                   </a:moveTo>
@@ -6039,8 +7449,8 @@
         </p:sp>
         <p:sp>
           <p:nvSpPr>
-            <p:cNvPr name="TextBox 7" id="7"/>
-            <p:cNvSpPr txBox="true"/>
+            <p:cNvPr id="7" name="TextBox 7"/>
+            <p:cNvSpPr txBox="1"/>
             <p:nvPr/>
           </p:nvSpPr>
           <p:spPr>
@@ -6053,7 +7463,7 @@
             </a:prstGeom>
           </p:spPr>
           <p:txBody>
-            <a:bodyPr anchor="ctr" rtlCol="false" tIns="50800" lIns="50800" bIns="50800" rIns="50800"/>
+            <a:bodyPr lIns="50800" tIns="50800" rIns="50800" bIns="50800" rtlCol="0" anchor="ctr"/>
             <a:lstStyle/>
             <a:p>
               <a:pPr algn="ctr">
@@ -6061,73 +7471,28 @@
                   <a:spcPts val="2659"/>
                 </a:lnSpc>
               </a:pPr>
+              <a:endParaRPr/>
             </a:p>
           </p:txBody>
         </p:sp>
       </p:grpSp>
       <p:sp>
         <p:nvSpPr>
-          <p:cNvPr name="Freeform 8" id="8"/>
-          <p:cNvSpPr/>
+          <p:cNvPr id="9" name="TextBox 9"/>
+          <p:cNvSpPr txBox="1"/>
           <p:nvPr/>
         </p:nvSpPr>
         <p:spPr>
-          <a:xfrm flipH="false" flipV="false" rot="0">
-            <a:off x="5500503" y="2001127"/>
-            <a:ext cx="12567999" cy="6771241"/>
-          </a:xfrm>
-          <a:custGeom>
-            <a:avLst/>
-            <a:gdLst/>
-            <a:ahLst/>
-            <a:cxnLst/>
-            <a:rect r="r" b="b" t="t" l="l"/>
-            <a:pathLst>
-              <a:path h="6771241" w="12567999">
-                <a:moveTo>
-                  <a:pt x="0" y="0"/>
-                </a:moveTo>
-                <a:lnTo>
-                  <a:pt x="12567999" y="0"/>
-                </a:lnTo>
-                <a:lnTo>
-                  <a:pt x="12567999" y="6771241"/>
-                </a:lnTo>
-                <a:lnTo>
-                  <a:pt x="0" y="6771241"/>
-                </a:lnTo>
-                <a:lnTo>
-                  <a:pt x="0" y="0"/>
-                </a:lnTo>
-                <a:close/>
-              </a:path>
-            </a:pathLst>
-          </a:custGeom>
-          <a:blipFill>
-            <a:blip r:embed="rId3"/>
-            <a:stretch>
-              <a:fillRect l="0" t="-131" r="-448" b="-236"/>
-            </a:stretch>
-          </a:blipFill>
-        </p:spPr>
-      </p:sp>
-      <p:sp>
-        <p:nvSpPr>
-          <p:cNvPr name="TextBox 9" id="9"/>
-          <p:cNvSpPr txBox="true"/>
-          <p:nvPr/>
-        </p:nvSpPr>
-        <p:spPr>
-          <a:xfrm rot="0">
+          <a:xfrm>
             <a:off x="437301" y="2880215"/>
-            <a:ext cx="5063203" cy="5888036"/>
+            <a:ext cx="5277699" cy="5976380"/>
           </a:xfrm>
           <a:prstGeom prst="rect">
             <a:avLst/>
           </a:prstGeom>
         </p:spPr>
         <p:txBody>
-          <a:bodyPr anchor="t" rtlCol="false" tIns="0" lIns="0" bIns="0" rIns="0">
+          <a:bodyPr wrap="square" lIns="0" tIns="0" rIns="0" bIns="0" rtlCol="0" anchor="t">
             <a:spAutoFit/>
           </a:bodyPr>
           <a:lstStyle/>
@@ -6138,7 +7503,7 @@
               </a:lnSpc>
             </a:pPr>
             <a:r>
-              <a:rPr lang="en-US" sz="1887" b="true">
+              <a:rPr lang="en-US" sz="1887" b="1" dirty="0">
                 <a:solidFill>
                   <a:srgbClr val="191919"/>
                 </a:solidFill>
@@ -6151,7 +7516,7 @@
             </a:r>
           </a:p>
           <a:p>
-            <a:pPr algn="l" marL="407528" indent="-203764" lvl="1">
+            <a:pPr marL="407528" lvl="1" indent="-203764" algn="l">
               <a:lnSpc>
                 <a:spcPts val="2642"/>
               </a:lnSpc>
@@ -6159,7 +7524,7 @@
               <a:buChar char="•"/>
             </a:pPr>
             <a:r>
-              <a:rPr lang="en-US" b="true" sz="1887">
+              <a:rPr lang="en-US" sz="1887" b="1" dirty="0">
                 <a:solidFill>
                   <a:srgbClr val="191919"/>
                 </a:solidFill>
@@ -6171,7 +7536,7 @@
               <a:t>Sales Plot: </a:t>
             </a:r>
             <a:r>
-              <a:rPr lang="en-US" sz="1887">
+              <a:rPr lang="en-US" sz="1887" dirty="0">
                 <a:solidFill>
                   <a:srgbClr val="191919"/>
                 </a:solidFill>
@@ -6180,11 +7545,11 @@
                 <a:cs typeface="Gotham"/>
                 <a:sym typeface="Gotham"/>
               </a:rPr>
-              <a:t>Shows raw values by department (excluding Grocery).</a:t>
-            </a:r>
-          </a:p>
-          <a:p>
-            <a:pPr algn="l" marL="407528" indent="-203764" lvl="1">
+              <a:t>Shows actual total sales values by department (excluding Grocery).</a:t>
+            </a:r>
+          </a:p>
+          <a:p>
+            <a:pPr marL="407528" lvl="1" indent="-203764" algn="l">
               <a:lnSpc>
                 <a:spcPts val="2642"/>
               </a:lnSpc>
@@ -6192,7 +7557,7 @@
               <a:buChar char="•"/>
             </a:pPr>
             <a:r>
-              <a:rPr lang="en-US" b="true" sz="1887">
+              <a:rPr lang="en-US" sz="1887" b="1" dirty="0">
                 <a:solidFill>
                   <a:srgbClr val="191919"/>
                 </a:solidFill>
@@ -6205,7 +7570,7 @@
             </a:r>
           </a:p>
           <a:p>
-            <a:pPr algn="l" marL="815056" indent="-271685" lvl="2">
+            <a:pPr marL="815056" lvl="2" indent="-271685" algn="l">
               <a:lnSpc>
                 <a:spcPts val="2642"/>
               </a:lnSpc>
@@ -6213,7 +7578,7 @@
               <a:buChar char="⚬"/>
             </a:pPr>
             <a:r>
-              <a:rPr lang="en-US" sz="1887">
+              <a:rPr lang="en-US" sz="1887" dirty="0">
                 <a:solidFill>
                   <a:srgbClr val="191919"/>
                 </a:solidFill>
@@ -6226,26 +7591,7 @@
             </a:r>
           </a:p>
           <a:p>
-            <a:pPr algn="l">
-              <a:lnSpc>
-                <a:spcPts val="2642"/>
-              </a:lnSpc>
-            </a:pPr>
-            <a:r>
-              <a:rPr lang="en-US" sz="1887" b="true">
-                <a:solidFill>
-                  <a:srgbClr val="191919"/>
-                </a:solidFill>
-                <a:latin typeface="Gotham Bold"/>
-                <a:ea typeface="Gotham Bold"/>
-                <a:cs typeface="Gotham Bold"/>
-                <a:sym typeface="Gotham Bold"/>
-              </a:rPr>
-              <a:t>Normalized Sales Analysis</a:t>
-            </a:r>
-          </a:p>
-          <a:p>
-            <a:pPr algn="l" marL="407528" indent="-203764" lvl="1">
+            <a:pPr marL="407528" lvl="1" indent="-203764" algn="l">
               <a:lnSpc>
                 <a:spcPts val="2642"/>
               </a:lnSpc>
@@ -6253,7 +7599,7 @@
               <a:buChar char="•"/>
             </a:pPr>
             <a:r>
-              <a:rPr lang="en-US" b="true" sz="1887">
+              <a:rPr lang="en-US" sz="1887" b="1" dirty="0">
                 <a:solidFill>
                   <a:srgbClr val="191919"/>
                 </a:solidFill>
@@ -6262,11 +7608,11 @@
                 <a:cs typeface="Gotham Bold"/>
                 <a:sym typeface="Gotham Bold"/>
               </a:rPr>
-              <a:t>Sales Percentages:</a:t>
-            </a:r>
-          </a:p>
-          <a:p>
-            <a:pPr algn="l" marL="815056" indent="-271685" lvl="2">
+              <a:t>Top Location:</a:t>
+            </a:r>
+          </a:p>
+          <a:p>
+            <a:pPr marL="815056" lvl="2" indent="-271685" algn="l">
               <a:lnSpc>
                 <a:spcPts val="2642"/>
               </a:lnSpc>
@@ -6274,7 +7620,7 @@
               <a:buChar char="⚬"/>
             </a:pPr>
             <a:r>
-              <a:rPr lang="en-US" sz="1887">
+              <a:rPr lang="en-US" sz="1887" dirty="0">
                 <a:solidFill>
                   <a:srgbClr val="191919"/>
                 </a:solidFill>
@@ -6283,7 +7629,7 @@
                 <a:cs typeface="Gotham"/>
                 <a:sym typeface="Gotham"/>
               </a:rPr>
-              <a:t>Drug GM led even without coupons; Meat Packaged dropped significantly when not displayed.</a:t>
+              <a:t>Store rear exhibited the most significant total sales value across all departments</a:t>
             </a:r>
           </a:p>
           <a:p>
@@ -6293,7 +7639,7 @@
               </a:lnSpc>
             </a:pPr>
             <a:r>
-              <a:rPr lang="en-US" sz="1887" b="true">
+              <a:rPr lang="en-US" sz="1887" b="1" dirty="0">
                 <a:solidFill>
                   <a:srgbClr val="191919"/>
                 </a:solidFill>
@@ -6306,7 +7652,7 @@
             </a:r>
           </a:p>
           <a:p>
-            <a:pPr algn="l" marL="407528" indent="-203764" lvl="1">
+            <a:pPr marL="407528" lvl="1" indent="-203764" algn="l">
               <a:lnSpc>
                 <a:spcPts val="2642"/>
               </a:lnSpc>
@@ -6314,7 +7660,7 @@
               <a:buChar char="•"/>
             </a:pPr>
             <a:r>
-              <a:rPr lang="en-US" b="true" sz="1887">
+              <a:rPr lang="en-US" sz="1887" b="1" dirty="0">
                 <a:solidFill>
                   <a:srgbClr val="191919"/>
                 </a:solidFill>
@@ -6327,7 +7673,7 @@
             </a:r>
           </a:p>
           <a:p>
-            <a:pPr algn="l" marL="815056" indent="-271685" lvl="2">
+            <a:pPr marL="815056" lvl="2" indent="-271685" algn="l">
               <a:lnSpc>
                 <a:spcPts val="2642"/>
               </a:lnSpc>
@@ -6335,7 +7681,7 @@
               <a:buChar char="⚬"/>
             </a:pPr>
             <a:r>
-              <a:rPr lang="en-US" sz="1887">
+              <a:rPr lang="en-US" sz="1887" dirty="0">
                 <a:solidFill>
                   <a:srgbClr val="191919"/>
                 </a:solidFill>
@@ -6353,17 +7699,26 @@
                 <a:spcPts val="2642"/>
               </a:lnSpc>
             </a:pPr>
-          </a:p>
-        </p:txBody>
-      </p:sp>
-      <p:sp>
-        <p:nvSpPr>
-          <p:cNvPr name="TextBox 10" id="10"/>
-          <p:cNvSpPr txBox="true"/>
+            <a:endParaRPr lang="en-US" sz="1887" dirty="0">
+              <a:solidFill>
+                <a:srgbClr val="191919"/>
+              </a:solidFill>
+              <a:latin typeface="Gotham"/>
+              <a:ea typeface="Gotham"/>
+              <a:cs typeface="Gotham"/>
+              <a:sym typeface="Gotham"/>
+            </a:endParaRPr>
+          </a:p>
+        </p:txBody>
+      </p:sp>
+      <p:sp>
+        <p:nvSpPr>
+          <p:cNvPr id="10" name="TextBox 10"/>
+          <p:cNvSpPr txBox="1"/>
           <p:nvPr/>
         </p:nvSpPr>
         <p:spPr>
-          <a:xfrm rot="0">
+          <a:xfrm>
             <a:off x="437301" y="1943977"/>
             <a:ext cx="4405173" cy="427990"/>
           </a:xfrm>
@@ -6372,7 +7727,7 @@
           </a:prstGeom>
         </p:spPr>
         <p:txBody>
-          <a:bodyPr anchor="t" rtlCol="false" tIns="0" lIns="0" bIns="0" rIns="0">
+          <a:bodyPr lIns="0" tIns="0" rIns="0" bIns="0" rtlCol="0" anchor="t">
             <a:spAutoFit/>
           </a:bodyPr>
           <a:lstStyle/>
@@ -6386,7 +7741,7 @@
               </a:spcBef>
             </a:pPr>
             <a:r>
-              <a:rPr lang="en-US" b="true" sz="2499">
+              <a:rPr lang="en-US" sz="2499" b="1" dirty="0">
                 <a:solidFill>
                   <a:srgbClr val="191919"/>
                 </a:solidFill>
@@ -6395,19 +7750,19 @@
                 <a:cs typeface="Gotham Bold"/>
                 <a:sym typeface="Gotham Bold"/>
               </a:rPr>
-              <a:t>Display location analysis</a:t>
+              <a:t>Display Location Analysis</a:t>
             </a:r>
           </a:p>
         </p:txBody>
       </p:sp>
       <p:grpSp>
         <p:nvGrpSpPr>
-          <p:cNvPr name="Group 11" id="11"/>
+          <p:cNvPr id="11" name="Group 11"/>
           <p:cNvGrpSpPr/>
           <p:nvPr/>
         </p:nvGrpSpPr>
         <p:grpSpPr>
-          <a:xfrm rot="0">
+          <a:xfrm>
             <a:off x="-1812693" y="7416893"/>
             <a:ext cx="2841393" cy="13405540"/>
             <a:chOff x="0" y="0"/>
@@ -6416,12 +7771,12 @@
         </p:grpSpPr>
         <p:sp>
           <p:nvSpPr>
-            <p:cNvPr name="Freeform 12" id="12"/>
+            <p:cNvPr id="12" name="Freeform 12"/>
             <p:cNvSpPr/>
             <p:nvPr/>
           </p:nvSpPr>
           <p:spPr>
-            <a:xfrm flipH="false" flipV="false" rot="0">
+            <a:xfrm>
               <a:off x="0" y="0"/>
               <a:ext cx="172278" cy="812800"/>
             </a:xfrm>
@@ -6430,9 +7785,9 @@
               <a:gdLst/>
               <a:ahLst/>
               <a:cxnLst/>
-              <a:rect r="r" b="b" t="t" l="l"/>
+              <a:rect l="l" t="t" r="r" b="b"/>
               <a:pathLst>
-                <a:path h="812800" w="172278">
+                <a:path w="172278" h="812800">
                   <a:moveTo>
                     <a:pt x="86139" y="0"/>
                   </a:moveTo>
@@ -6476,8 +7831,8 @@
         </p:sp>
         <p:sp>
           <p:nvSpPr>
-            <p:cNvPr name="TextBox 13" id="13"/>
-            <p:cNvSpPr txBox="true"/>
+            <p:cNvPr id="13" name="TextBox 13"/>
+            <p:cNvSpPr txBox="1"/>
             <p:nvPr/>
           </p:nvSpPr>
           <p:spPr>
@@ -6490,7 +7845,7 @@
             </a:prstGeom>
           </p:spPr>
           <p:txBody>
-            <a:bodyPr anchor="ctr" rtlCol="false" tIns="50800" lIns="50800" bIns="50800" rIns="50800"/>
+            <a:bodyPr lIns="50800" tIns="50800" rIns="50800" bIns="50800" rtlCol="0" anchor="ctr"/>
             <a:lstStyle/>
             <a:p>
               <a:pPr algn="ctr">
@@ -6498,6 +7853,7 @@
                   <a:spcPts val="2659"/>
                 </a:lnSpc>
               </a:pPr>
+              <a:endParaRPr/>
             </a:p>
           </p:txBody>
         </p:sp>
@@ -6511,13 +7867,14 @@
 </file>
 
 <file path=ppt/slides/slide5.xml><?xml version="1.0" encoding="utf-8"?>
-<p:sld xmlns:p="http://schemas.openxmlformats.org/presentationml/2006/main" xmlns:a="http://schemas.openxmlformats.org/drawingml/2006/main" xmlns:r="http://schemas.openxmlformats.org/officeDocument/2006/relationships">
+<p:sld xmlns:a="http://schemas.openxmlformats.org/drawingml/2006/main" xmlns:r="http://schemas.openxmlformats.org/officeDocument/2006/relationships" xmlns:p="http://schemas.openxmlformats.org/presentationml/2006/main">
   <p:cSld>
     <p:bg>
       <p:bgPr>
         <a:solidFill>
           <a:srgbClr val="FFFFFE"/>
         </a:solidFill>
+        <a:effectLst/>
       </p:bgPr>
     </p:bg>
     <p:spTree>
@@ -6534,28 +7891,167 @@
           <a:chExt cx="0" cy="0"/>
         </a:xfrm>
       </p:grpSpPr>
+      <p:pic>
+        <p:nvPicPr>
+          <p:cNvPr id="21" name="Picture 20">
+            <a:extLst>
+              <a:ext uri="{FF2B5EF4-FFF2-40B4-BE49-F238E27FC236}">
+                <a16:creationId xmlns:a16="http://schemas.microsoft.com/office/drawing/2014/main" id="{92E19025-6C09-46A1-AE70-0B5DA2226A7E}"/>
+              </a:ext>
+            </a:extLst>
+          </p:cNvPr>
+          <p:cNvPicPr>
+            <a:picLocks noChangeAspect="1"/>
+          </p:cNvPicPr>
+          <p:nvPr/>
+        </p:nvPicPr>
+        <p:blipFill>
+          <a:blip r:embed="rId3">
+            <a:extLst>
+              <a:ext uri="{28A0092B-C50C-407E-A947-70E740481C1C}">
+                <a14:useLocalDpi xmlns:a14="http://schemas.microsoft.com/office/drawing/2010/main" val="0"/>
+              </a:ext>
+            </a:extLst>
+          </a:blip>
+          <a:stretch>
+            <a:fillRect/>
+          </a:stretch>
+        </p:blipFill>
+        <p:spPr>
+          <a:xfrm>
+            <a:off x="457200" y="865202"/>
+            <a:ext cx="11038509" cy="8925210"/>
+          </a:xfrm>
+          <a:prstGeom prst="rect">
+            <a:avLst/>
+          </a:prstGeom>
+        </p:spPr>
+      </p:pic>
       <p:grpSp>
         <p:nvGrpSpPr>
-          <p:cNvPr name="Group 2" id="2"/>
+          <p:cNvPr id="2" name="Group 2"/>
           <p:cNvGrpSpPr/>
           <p:nvPr/>
         </p:nvGrpSpPr>
         <p:grpSpPr>
-          <a:xfrm rot="0">
-            <a:off x="-7077476" y="-1933976"/>
-            <a:ext cx="14154952" cy="14154952"/>
+          <a:xfrm>
+            <a:off x="-1812693" y="-10487225"/>
+            <a:ext cx="2841393" cy="13405540"/>
+            <a:chOff x="0" y="0"/>
+            <a:chExt cx="172278" cy="812800"/>
+          </a:xfrm>
+        </p:grpSpPr>
+        <p:sp>
+          <p:nvSpPr>
+            <p:cNvPr id="3" name="Freeform 3"/>
+            <p:cNvSpPr/>
+            <p:nvPr/>
+          </p:nvSpPr>
+          <p:spPr>
+            <a:xfrm>
+              <a:off x="0" y="0"/>
+              <a:ext cx="172278" cy="812800"/>
+            </a:xfrm>
+            <a:custGeom>
+              <a:avLst/>
+              <a:gdLst/>
+              <a:ahLst/>
+              <a:cxnLst/>
+              <a:rect l="l" t="t" r="r" b="b"/>
+              <a:pathLst>
+                <a:path w="172278" h="812800">
+                  <a:moveTo>
+                    <a:pt x="86139" y="0"/>
+                  </a:moveTo>
+                  <a:cubicBezTo>
+                    <a:pt x="38566" y="0"/>
+                    <a:pt x="0" y="181951"/>
+                    <a:pt x="0" y="406400"/>
+                  </a:cubicBezTo>
+                  <a:cubicBezTo>
+                    <a:pt x="0" y="630849"/>
+                    <a:pt x="38566" y="812800"/>
+                    <a:pt x="86139" y="812800"/>
+                  </a:cubicBezTo>
+                  <a:cubicBezTo>
+                    <a:pt x="133713" y="812800"/>
+                    <a:pt x="172278" y="630849"/>
+                    <a:pt x="172278" y="406400"/>
+                  </a:cubicBezTo>
+                  <a:cubicBezTo>
+                    <a:pt x="172278" y="181951"/>
+                    <a:pt x="133713" y="0"/>
+                    <a:pt x="86139" y="0"/>
+                  </a:cubicBezTo>
+                  <a:close/>
+                </a:path>
+              </a:pathLst>
+            </a:custGeom>
+            <a:solidFill>
+              <a:srgbClr val="000000">
+                <a:alpha val="0"/>
+              </a:srgbClr>
+            </a:solidFill>
+            <a:ln w="19050" cap="sq">
+              <a:solidFill>
+                <a:srgbClr val="FD6220"/>
+              </a:solidFill>
+              <a:prstDash val="solid"/>
+              <a:miter/>
+            </a:ln>
+          </p:spPr>
+        </p:sp>
+        <p:sp>
+          <p:nvSpPr>
+            <p:cNvPr id="4" name="TextBox 4"/>
+            <p:cNvSpPr txBox="1"/>
+            <p:nvPr/>
+          </p:nvSpPr>
+          <p:spPr>
+            <a:xfrm>
+              <a:off x="16151" y="47625"/>
+              <a:ext cx="139976" cy="688975"/>
+            </a:xfrm>
+            <a:prstGeom prst="rect">
+              <a:avLst/>
+            </a:prstGeom>
+          </p:spPr>
+          <p:txBody>
+            <a:bodyPr lIns="50800" tIns="50800" rIns="50800" bIns="50800" rtlCol="0" anchor="ctr"/>
+            <a:lstStyle/>
+            <a:p>
+              <a:pPr algn="ctr">
+                <a:lnSpc>
+                  <a:spcPts val="2659"/>
+                </a:lnSpc>
+              </a:pPr>
+              <a:endParaRPr/>
+            </a:p>
+          </p:txBody>
+        </p:sp>
+      </p:grpSp>
+      <p:grpSp>
+        <p:nvGrpSpPr>
+          <p:cNvPr id="5" name="Group 5"/>
+          <p:cNvGrpSpPr/>
+          <p:nvPr/>
+        </p:nvGrpSpPr>
+        <p:grpSpPr>
+          <a:xfrm>
+            <a:off x="11762088" y="-9632634"/>
+            <a:ext cx="10994424" cy="10994424"/>
             <a:chOff x="0" y="0"/>
             <a:chExt cx="812800" cy="812800"/>
           </a:xfrm>
         </p:grpSpPr>
         <p:sp>
           <p:nvSpPr>
-            <p:cNvPr name="Freeform 3" id="3"/>
+            <p:cNvPr id="6" name="Freeform 6"/>
             <p:cNvSpPr/>
             <p:nvPr/>
           </p:nvSpPr>
           <p:spPr>
-            <a:xfrm flipH="false" flipV="false" rot="0">
+            <a:xfrm>
               <a:off x="0" y="0"/>
               <a:ext cx="812800" cy="812800"/>
             </a:xfrm>
@@ -6564,9 +8060,500 @@
               <a:gdLst/>
               <a:ahLst/>
               <a:cxnLst/>
-              <a:rect r="r" b="b" t="t" l="l"/>
+              <a:rect l="l" t="t" r="r" b="b"/>
               <a:pathLst>
-                <a:path h="812800" w="812800">
+                <a:path w="812800" h="812800">
+                  <a:moveTo>
+                    <a:pt x="406400" y="0"/>
+                  </a:moveTo>
+                  <a:cubicBezTo>
+                    <a:pt x="181951" y="0"/>
+                    <a:pt x="0" y="181951"/>
+                    <a:pt x="0" y="406400"/>
+                  </a:cubicBezTo>
+                  <a:cubicBezTo>
+                    <a:pt x="0" y="630849"/>
+                    <a:pt x="181951" y="812800"/>
+                    <a:pt x="406400" y="812800"/>
+                  </a:cubicBezTo>
+                  <a:cubicBezTo>
+                    <a:pt x="630849" y="812800"/>
+                    <a:pt x="812800" y="630849"/>
+                    <a:pt x="812800" y="406400"/>
+                  </a:cubicBezTo>
+                  <a:cubicBezTo>
+                    <a:pt x="812800" y="181951"/>
+                    <a:pt x="630849" y="0"/>
+                    <a:pt x="406400" y="0"/>
+                  </a:cubicBezTo>
+                  <a:close/>
+                </a:path>
+              </a:pathLst>
+            </a:custGeom>
+            <a:solidFill>
+              <a:srgbClr val="000000">
+                <a:alpha val="0"/>
+              </a:srgbClr>
+            </a:solidFill>
+            <a:ln w="514350" cap="sq">
+              <a:solidFill>
+                <a:srgbClr val="FD6220">
+                  <a:alpha val="11765"/>
+                </a:srgbClr>
+              </a:solidFill>
+              <a:prstDash val="solid"/>
+              <a:miter/>
+            </a:ln>
+          </p:spPr>
+        </p:sp>
+        <p:sp>
+          <p:nvSpPr>
+            <p:cNvPr id="7" name="TextBox 7"/>
+            <p:cNvSpPr txBox="1"/>
+            <p:nvPr/>
+          </p:nvSpPr>
+          <p:spPr>
+            <a:xfrm>
+              <a:off x="76200" y="47625"/>
+              <a:ext cx="660400" cy="688975"/>
+            </a:xfrm>
+            <a:prstGeom prst="rect">
+              <a:avLst/>
+            </a:prstGeom>
+          </p:spPr>
+          <p:txBody>
+            <a:bodyPr lIns="50800" tIns="50800" rIns="50800" bIns="50800" rtlCol="0" anchor="ctr"/>
+            <a:lstStyle/>
+            <a:p>
+              <a:pPr algn="ctr">
+                <a:lnSpc>
+                  <a:spcPts val="2659"/>
+                </a:lnSpc>
+              </a:pPr>
+              <a:endParaRPr/>
+            </a:p>
+          </p:txBody>
+        </p:sp>
+      </p:grpSp>
+      <p:sp>
+        <p:nvSpPr>
+          <p:cNvPr id="9" name="TextBox 9"/>
+          <p:cNvSpPr txBox="1"/>
+          <p:nvPr/>
+        </p:nvSpPr>
+        <p:spPr>
+          <a:xfrm>
+            <a:off x="11731608" y="2005995"/>
+            <a:ext cx="5946792" cy="6871112"/>
+          </a:xfrm>
+          <a:prstGeom prst="rect">
+            <a:avLst/>
+          </a:prstGeom>
+        </p:spPr>
+        <p:txBody>
+          <a:bodyPr wrap="square" lIns="0" tIns="0" rIns="0" bIns="0" rtlCol="0" anchor="t">
+            <a:spAutoFit/>
+          </a:bodyPr>
+          <a:lstStyle/>
+          <a:p>
+            <a:pPr algn="l">
+              <a:lnSpc>
+                <a:spcPct val="150000"/>
+              </a:lnSpc>
+            </a:pPr>
+            <a:r>
+              <a:rPr lang="en-US" sz="2000" b="1" dirty="0">
+                <a:solidFill>
+                  <a:srgbClr val="191919"/>
+                </a:solidFill>
+                <a:latin typeface="Gotham Bold"/>
+                <a:ea typeface="Gotham Bold"/>
+                <a:cs typeface="Gotham Bold"/>
+                <a:sym typeface="Gotham Bold"/>
+              </a:rPr>
+              <a:t>Key Findings</a:t>
+            </a:r>
+          </a:p>
+          <a:p>
+            <a:pPr marL="407528" lvl="1" indent="-203764" algn="l">
+              <a:lnSpc>
+                <a:spcPct val="150000"/>
+              </a:lnSpc>
+              <a:buFont typeface="Arial"/>
+              <a:buChar char="•"/>
+            </a:pPr>
+            <a:r>
+              <a:rPr lang="en-US" sz="2000" b="1" dirty="0">
+                <a:solidFill>
+                  <a:srgbClr val="191919"/>
+                </a:solidFill>
+                <a:latin typeface="Gotham Bold"/>
+                <a:ea typeface="Gotham Bold"/>
+                <a:cs typeface="Gotham Bold"/>
+                <a:sym typeface="Gotham Bold"/>
+              </a:rPr>
+              <a:t>Top Performers:</a:t>
+            </a:r>
+          </a:p>
+          <a:p>
+            <a:pPr marL="815056" lvl="2" indent="-271685" algn="l">
+              <a:lnSpc>
+                <a:spcPct val="150000"/>
+              </a:lnSpc>
+              <a:buFont typeface="Arial"/>
+              <a:buChar char="⚬"/>
+            </a:pPr>
+            <a:r>
+              <a:rPr lang="en-US" sz="2000" dirty="0">
+                <a:solidFill>
+                  <a:srgbClr val="191919"/>
+                </a:solidFill>
+                <a:latin typeface="Gotham"/>
+                <a:ea typeface="Gotham"/>
+                <a:cs typeface="Gotham"/>
+                <a:sym typeface="Gotham"/>
+              </a:rPr>
+              <a:t>Despite not being actively displayed, the Grocery department continued to lead in total sales value</a:t>
+            </a:r>
+          </a:p>
+          <a:p>
+            <a:pPr marL="815056" lvl="2" indent="-271685" algn="l">
+              <a:lnSpc>
+                <a:spcPct val="150000"/>
+              </a:lnSpc>
+              <a:buFont typeface="Arial"/>
+              <a:buChar char="⚬"/>
+            </a:pPr>
+            <a:r>
+              <a:rPr lang="en-US" sz="2000" dirty="0">
+                <a:solidFill>
+                  <a:srgbClr val="191919"/>
+                </a:solidFill>
+                <a:latin typeface="Gotham"/>
+                <a:ea typeface="Gotham"/>
+                <a:cs typeface="Gotham"/>
+                <a:sym typeface="Gotham"/>
+              </a:rPr>
+              <a:t>Notably, the MEAT department, which likely includes fresh meat, appeared to be purchased primarily when not displayed</a:t>
+            </a:r>
+          </a:p>
+          <a:p>
+            <a:pPr marL="407528" lvl="1" indent="-203764" algn="l">
+              <a:lnSpc>
+                <a:spcPct val="150000"/>
+              </a:lnSpc>
+              <a:buFont typeface="Arial"/>
+              <a:buChar char="•"/>
+            </a:pPr>
+            <a:r>
+              <a:rPr lang="en-US" sz="2000" b="1" dirty="0">
+                <a:solidFill>
+                  <a:srgbClr val="191919"/>
+                </a:solidFill>
+                <a:latin typeface="Gotham Bold"/>
+                <a:ea typeface="Gotham Bold"/>
+                <a:cs typeface="Gotham Bold"/>
+                <a:sym typeface="Gotham Bold"/>
+              </a:rPr>
+              <a:t>Display Impact:</a:t>
+            </a:r>
+          </a:p>
+          <a:p>
+            <a:pPr marL="815056" lvl="2" indent="-271685" algn="l">
+              <a:lnSpc>
+                <a:spcPct val="150000"/>
+              </a:lnSpc>
+              <a:buFont typeface="Arial"/>
+              <a:buChar char="⚬"/>
+            </a:pPr>
+            <a:r>
+              <a:rPr lang="en-US" sz="2000" dirty="0">
+                <a:solidFill>
+                  <a:srgbClr val="191919"/>
+                </a:solidFill>
+                <a:latin typeface="Gotham"/>
+                <a:ea typeface="Gotham"/>
+                <a:cs typeface="Gotham"/>
+                <a:sym typeface="Gotham"/>
+              </a:rPr>
+              <a:t>TRAVEL &amp; LEISURE department only saw purchases when its products were not displayed </a:t>
+            </a:r>
+          </a:p>
+          <a:p>
+            <a:pPr marL="543371" lvl="2" algn="l">
+              <a:lnSpc>
+                <a:spcPct val="150000"/>
+              </a:lnSpc>
+            </a:pPr>
+            <a:r>
+              <a:rPr lang="en-US" sz="2000" dirty="0">
+                <a:solidFill>
+                  <a:srgbClr val="191919"/>
+                </a:solidFill>
+                <a:latin typeface="Gotham"/>
+                <a:ea typeface="Gotham"/>
+                <a:cs typeface="Gotham"/>
+                <a:sym typeface="Gotham"/>
+              </a:rPr>
+              <a:t>=&gt; A unique purchasing behavior in this category</a:t>
+            </a:r>
+          </a:p>
+        </p:txBody>
+      </p:sp>
+      <p:sp>
+        <p:nvSpPr>
+          <p:cNvPr id="10" name="TextBox 10"/>
+          <p:cNvSpPr txBox="1"/>
+          <p:nvPr/>
+        </p:nvSpPr>
+        <p:spPr>
+          <a:xfrm>
+            <a:off x="11740317" y="1447551"/>
+            <a:ext cx="4405173" cy="427990"/>
+          </a:xfrm>
+          <a:prstGeom prst="rect">
+            <a:avLst/>
+          </a:prstGeom>
+        </p:spPr>
+        <p:txBody>
+          <a:bodyPr lIns="0" tIns="0" rIns="0" bIns="0" rtlCol="0" anchor="t">
+            <a:spAutoFit/>
+          </a:bodyPr>
+          <a:lstStyle/>
+          <a:p>
+            <a:pPr algn="just">
+              <a:lnSpc>
+                <a:spcPts val="3499"/>
+              </a:lnSpc>
+              <a:spcBef>
+                <a:spcPct val="0"/>
+              </a:spcBef>
+            </a:pPr>
+            <a:r>
+              <a:rPr lang="en-US" sz="2499" b="1" dirty="0">
+                <a:solidFill>
+                  <a:srgbClr val="191919"/>
+                </a:solidFill>
+                <a:latin typeface="Gotham Bold"/>
+                <a:ea typeface="Gotham Bold"/>
+                <a:cs typeface="Gotham Bold"/>
+                <a:sym typeface="Gotham Bold"/>
+              </a:rPr>
+              <a:t>Display location analysis</a:t>
+            </a:r>
+          </a:p>
+        </p:txBody>
+      </p:sp>
+      <p:grpSp>
+        <p:nvGrpSpPr>
+          <p:cNvPr id="11" name="Group 11"/>
+          <p:cNvGrpSpPr/>
+          <p:nvPr/>
+        </p:nvGrpSpPr>
+        <p:grpSpPr>
+          <a:xfrm>
+            <a:off x="-1812693" y="7416893"/>
+            <a:ext cx="2841393" cy="13405540"/>
+            <a:chOff x="0" y="0"/>
+            <a:chExt cx="172278" cy="812800"/>
+          </a:xfrm>
+        </p:grpSpPr>
+        <p:sp>
+          <p:nvSpPr>
+            <p:cNvPr id="12" name="Freeform 12"/>
+            <p:cNvSpPr/>
+            <p:nvPr/>
+          </p:nvSpPr>
+          <p:spPr>
+            <a:xfrm>
+              <a:off x="0" y="0"/>
+              <a:ext cx="172278" cy="812800"/>
+            </a:xfrm>
+            <a:custGeom>
+              <a:avLst/>
+              <a:gdLst/>
+              <a:ahLst/>
+              <a:cxnLst/>
+              <a:rect l="l" t="t" r="r" b="b"/>
+              <a:pathLst>
+                <a:path w="172278" h="812800">
+                  <a:moveTo>
+                    <a:pt x="86139" y="0"/>
+                  </a:moveTo>
+                  <a:cubicBezTo>
+                    <a:pt x="38566" y="0"/>
+                    <a:pt x="0" y="181951"/>
+                    <a:pt x="0" y="406400"/>
+                  </a:cubicBezTo>
+                  <a:cubicBezTo>
+                    <a:pt x="0" y="630849"/>
+                    <a:pt x="38566" y="812800"/>
+                    <a:pt x="86139" y="812800"/>
+                  </a:cubicBezTo>
+                  <a:cubicBezTo>
+                    <a:pt x="133713" y="812800"/>
+                    <a:pt x="172278" y="630849"/>
+                    <a:pt x="172278" y="406400"/>
+                  </a:cubicBezTo>
+                  <a:cubicBezTo>
+                    <a:pt x="172278" y="181951"/>
+                    <a:pt x="133713" y="0"/>
+                    <a:pt x="86139" y="0"/>
+                  </a:cubicBezTo>
+                  <a:close/>
+                </a:path>
+              </a:pathLst>
+            </a:custGeom>
+            <a:solidFill>
+              <a:srgbClr val="000000">
+                <a:alpha val="0"/>
+              </a:srgbClr>
+            </a:solidFill>
+            <a:ln w="19050" cap="sq">
+              <a:solidFill>
+                <a:srgbClr val="FD6220"/>
+              </a:solidFill>
+              <a:prstDash val="solid"/>
+              <a:miter/>
+            </a:ln>
+          </p:spPr>
+        </p:sp>
+        <p:sp>
+          <p:nvSpPr>
+            <p:cNvPr id="13" name="TextBox 13"/>
+            <p:cNvSpPr txBox="1"/>
+            <p:nvPr/>
+          </p:nvSpPr>
+          <p:spPr>
+            <a:xfrm>
+              <a:off x="16151" y="47625"/>
+              <a:ext cx="139976" cy="688975"/>
+            </a:xfrm>
+            <a:prstGeom prst="rect">
+              <a:avLst/>
+            </a:prstGeom>
+          </p:spPr>
+          <p:txBody>
+            <a:bodyPr lIns="50800" tIns="50800" rIns="50800" bIns="50800" rtlCol="0" anchor="ctr"/>
+            <a:lstStyle/>
+            <a:p>
+              <a:pPr algn="ctr">
+                <a:lnSpc>
+                  <a:spcPts val="2659"/>
+                </a:lnSpc>
+              </a:pPr>
+              <a:endParaRPr/>
+            </a:p>
+          </p:txBody>
+        </p:sp>
+      </p:grpSp>
+    </p:spTree>
+    <p:extLst>
+      <p:ext uri="{BB962C8B-B14F-4D97-AF65-F5344CB8AC3E}">
+        <p14:creationId xmlns:p14="http://schemas.microsoft.com/office/powerpoint/2010/main" val="2930272479"/>
+      </p:ext>
+    </p:extLst>
+  </p:cSld>
+  <p:clrMapOvr>
+    <a:masterClrMapping/>
+  </p:clrMapOvr>
+</p:sld>
+</file>
+
+<file path=ppt/slides/slide6.xml><?xml version="1.0" encoding="utf-8"?>
+<p:sld xmlns:a="http://schemas.openxmlformats.org/drawingml/2006/main" xmlns:r="http://schemas.openxmlformats.org/officeDocument/2006/relationships" xmlns:p="http://schemas.openxmlformats.org/presentationml/2006/main">
+  <p:cSld>
+    <p:bg>
+      <p:bgPr>
+        <a:solidFill>
+          <a:srgbClr val="FFFFFE"/>
+        </a:solidFill>
+        <a:effectLst/>
+      </p:bgPr>
+    </p:bg>
+    <p:spTree>
+      <p:nvGrpSpPr>
+        <p:cNvPr id="1" name=""/>
+        <p:cNvGrpSpPr/>
+        <p:nvPr/>
+      </p:nvGrpSpPr>
+      <p:grpSpPr>
+        <a:xfrm>
+          <a:off x="0" y="0"/>
+          <a:ext cx="0" cy="0"/>
+          <a:chOff x="0" y="0"/>
+          <a:chExt cx="0" cy="0"/>
+        </a:xfrm>
+      </p:grpSpPr>
+      <p:pic>
+        <p:nvPicPr>
+          <p:cNvPr id="13" name="Picture 12">
+            <a:extLst>
+              <a:ext uri="{FF2B5EF4-FFF2-40B4-BE49-F238E27FC236}">
+                <a16:creationId xmlns:a16="http://schemas.microsoft.com/office/drawing/2014/main" id="{12018B43-EA51-48C5-A0D0-A96AA4C4F69B}"/>
+              </a:ext>
+            </a:extLst>
+          </p:cNvPr>
+          <p:cNvPicPr>
+            <a:picLocks noChangeAspect="1"/>
+          </p:cNvPicPr>
+          <p:nvPr/>
+        </p:nvPicPr>
+        <p:blipFill>
+          <a:blip r:embed="rId3">
+            <a:extLst>
+              <a:ext uri="{28A0092B-C50C-407E-A947-70E740481C1C}">
+                <a14:useLocalDpi xmlns:a14="http://schemas.microsoft.com/office/drawing/2010/main" val="0"/>
+              </a:ext>
+            </a:extLst>
+          </a:blip>
+          <a:stretch>
+            <a:fillRect/>
+          </a:stretch>
+        </p:blipFill>
+        <p:spPr>
+          <a:xfrm>
+            <a:off x="7355199" y="552450"/>
+            <a:ext cx="10438598" cy="9182100"/>
+          </a:xfrm>
+          <a:prstGeom prst="rect">
+            <a:avLst/>
+          </a:prstGeom>
+        </p:spPr>
+      </p:pic>
+      <p:grpSp>
+        <p:nvGrpSpPr>
+          <p:cNvPr id="2" name="Group 2"/>
+          <p:cNvGrpSpPr/>
+          <p:nvPr/>
+        </p:nvGrpSpPr>
+        <p:grpSpPr>
+          <a:xfrm>
+            <a:off x="-7543800" y="-1933976"/>
+            <a:ext cx="14154952" cy="14154952"/>
+            <a:chOff x="0" y="0"/>
+            <a:chExt cx="812800" cy="812800"/>
+          </a:xfrm>
+        </p:grpSpPr>
+        <p:sp>
+          <p:nvSpPr>
+            <p:cNvPr id="3" name="Freeform 3"/>
+            <p:cNvSpPr/>
+            <p:nvPr/>
+          </p:nvSpPr>
+          <p:spPr>
+            <a:xfrm>
+              <a:off x="0" y="0"/>
+              <a:ext cx="812800" cy="812800"/>
+            </a:xfrm>
+            <a:custGeom>
+              <a:avLst/>
+              <a:gdLst/>
+              <a:ahLst/>
+              <a:cxnLst/>
+              <a:rect l="l" t="t" r="r" b="b"/>
+              <a:pathLst>
+                <a:path w="812800" h="812800">
                   <a:moveTo>
                     <a:pt x="406400" y="0"/>
                   </a:moveTo>
@@ -6612,8 +8599,8 @@
         </p:sp>
         <p:sp>
           <p:nvSpPr>
-            <p:cNvPr name="TextBox 4" id="4"/>
-            <p:cNvSpPr txBox="true"/>
+            <p:cNvPr id="4" name="TextBox 4"/>
+            <p:cNvSpPr txBox="1"/>
             <p:nvPr/>
           </p:nvSpPr>
           <p:spPr>
@@ -6626,7 +8613,7 @@
             </a:prstGeom>
           </p:spPr>
           <p:txBody>
-            <a:bodyPr anchor="ctr" rtlCol="false" tIns="50800" lIns="50800" bIns="50800" rIns="50800"/>
+            <a:bodyPr lIns="50800" tIns="50800" rIns="50800" bIns="50800" rtlCol="0" anchor="ctr"/>
             <a:lstStyle/>
             <a:p>
               <a:pPr algn="ctr">
@@ -6634,73 +8621,28 @@
                   <a:spcPts val="2659"/>
                 </a:lnSpc>
               </a:pPr>
+              <a:endParaRPr/>
             </a:p>
           </p:txBody>
         </p:sp>
       </p:grpSp>
       <p:sp>
         <p:nvSpPr>
-          <p:cNvPr name="Freeform 5" id="5"/>
-          <p:cNvSpPr/>
+          <p:cNvPr id="6" name="TextBox 6"/>
+          <p:cNvSpPr txBox="1"/>
           <p:nvPr/>
         </p:nvSpPr>
         <p:spPr>
-          <a:xfrm flipH="false" flipV="false" rot="0">
-            <a:off x="5268225" y="1634854"/>
-            <a:ext cx="13019775" cy="8652146"/>
-          </a:xfrm>
-          <a:custGeom>
-            <a:avLst/>
-            <a:gdLst/>
-            <a:ahLst/>
-            <a:cxnLst/>
-            <a:rect r="r" b="b" t="t" l="l"/>
-            <a:pathLst>
-              <a:path h="8652146" w="13019775">
-                <a:moveTo>
-                  <a:pt x="0" y="0"/>
-                </a:moveTo>
-                <a:lnTo>
-                  <a:pt x="13019775" y="0"/>
-                </a:lnTo>
-                <a:lnTo>
-                  <a:pt x="13019775" y="8652146"/>
-                </a:lnTo>
-                <a:lnTo>
-                  <a:pt x="0" y="8652146"/>
-                </a:lnTo>
-                <a:lnTo>
-                  <a:pt x="0" y="0"/>
-                </a:lnTo>
-                <a:close/>
-              </a:path>
-            </a:pathLst>
-          </a:custGeom>
-          <a:blipFill>
-            <a:blip r:embed="rId2"/>
-            <a:stretch>
-              <a:fillRect l="-136" t="0" r="-136" b="-594"/>
-            </a:stretch>
-          </a:blipFill>
-        </p:spPr>
-      </p:sp>
-      <p:sp>
-        <p:nvSpPr>
-          <p:cNvPr name="TextBox 6" id="6"/>
-          <p:cNvSpPr txBox="true"/>
-          <p:nvPr/>
-        </p:nvSpPr>
-        <p:spPr>
-          <a:xfrm rot="0">
+          <a:xfrm>
             <a:off x="494203" y="649939"/>
-            <a:ext cx="4220460" cy="1998407"/>
+            <a:ext cx="4220460" cy="1538883"/>
           </a:xfrm>
           <a:prstGeom prst="rect">
             <a:avLst/>
           </a:prstGeom>
         </p:spPr>
         <p:txBody>
-          <a:bodyPr anchor="t" rtlCol="false" tIns="0" lIns="0" bIns="0" rIns="0">
+          <a:bodyPr lIns="0" tIns="0" rIns="0" bIns="0" rtlCol="0" anchor="t">
             <a:spAutoFit/>
           </a:bodyPr>
           <a:lstStyle/>
@@ -6711,7 +8653,7 @@
               </a:lnSpc>
             </a:pPr>
             <a:r>
-              <a:rPr lang="en-US" sz="3604" b="true">
+              <a:rPr lang="en-US" sz="3604" b="1" dirty="0">
                 <a:solidFill>
                   <a:srgbClr val="191919"/>
                 </a:solidFill>
@@ -6720,79 +8662,39 @@
                 <a:cs typeface="Gotham Bold"/>
                 <a:sym typeface="Gotham Bold"/>
               </a:rPr>
-              <a:t>Impact of Mailer Locations on Coupon Redemption.</a:t>
-            </a:r>
-          </a:p>
-        </p:txBody>
-      </p:sp>
-      <p:sp>
-        <p:nvSpPr>
-          <p:cNvPr name="TextBox 7" id="7"/>
-          <p:cNvSpPr txBox="true"/>
+              <a:t>Impact of Mailer Locations on Sales Value</a:t>
+            </a:r>
+          </a:p>
+        </p:txBody>
+      </p:sp>
+      <p:sp>
+        <p:nvSpPr>
+          <p:cNvPr id="7" name="TextBox 7"/>
+          <p:cNvSpPr txBox="1"/>
           <p:nvPr/>
         </p:nvSpPr>
         <p:spPr>
-          <a:xfrm rot="0">
-            <a:off x="494203" y="2930376"/>
-            <a:ext cx="5008327" cy="5965315"/>
+          <a:xfrm>
+            <a:off x="494203" y="2492559"/>
+            <a:ext cx="5008327" cy="7332777"/>
           </a:xfrm>
           <a:prstGeom prst="rect">
             <a:avLst/>
           </a:prstGeom>
         </p:spPr>
         <p:txBody>
-          <a:bodyPr anchor="t" rtlCol="false" tIns="0" lIns="0" bIns="0" rIns="0">
+          <a:bodyPr lIns="0" tIns="0" rIns="0" bIns="0" rtlCol="0" anchor="t">
             <a:spAutoFit/>
           </a:bodyPr>
           <a:lstStyle/>
           <a:p>
             <a:pPr algn="l">
               <a:lnSpc>
-                <a:spcPts val="2478"/>
+                <a:spcPct val="150000"/>
               </a:lnSpc>
             </a:pPr>
             <a:r>
-              <a:rPr lang="en-US" sz="1770" b="true">
-                <a:solidFill>
-                  <a:srgbClr val="191919"/>
-                </a:solidFill>
-                <a:latin typeface="Gotham Bold"/>
-                <a:ea typeface="Gotham Bold"/>
-                <a:cs typeface="Gotham Bold"/>
-                <a:sym typeface="Gotham Bold"/>
-              </a:rPr>
-              <a:t>Hypothesis</a:t>
-            </a:r>
-          </a:p>
-          <a:p>
-            <a:pPr algn="l" marL="382156" indent="-191078" lvl="1">
-              <a:lnSpc>
-                <a:spcPts val="2478"/>
-              </a:lnSpc>
-              <a:buFont typeface="Arial"/>
-              <a:buChar char="•"/>
-            </a:pPr>
-            <a:r>
-              <a:rPr lang="en-US" sz="1770">
-                <a:solidFill>
-                  <a:srgbClr val="191919"/>
-                </a:solidFill>
-                <a:latin typeface="Gotham"/>
-                <a:ea typeface="Gotham"/>
-                <a:cs typeface="Gotham"/>
-                <a:sym typeface="Gotham"/>
-              </a:rPr>
-              <a:t>Customers are more likely to redeem coupons for products on the interior pages of mailers.</a:t>
-            </a:r>
-          </a:p>
-          <a:p>
-            <a:pPr algn="l">
-              <a:lnSpc>
-                <a:spcPts val="2478"/>
-              </a:lnSpc>
-            </a:pPr>
-            <a:r>
-              <a:rPr lang="en-US" sz="1770" b="true">
+              <a:rPr lang="en-US" sz="2000" b="1" dirty="0">
                 <a:solidFill>
                   <a:srgbClr val="191919"/>
                 </a:solidFill>
@@ -6805,15 +8707,36 @@
             </a:r>
           </a:p>
           <a:p>
-            <a:pPr algn="l" marL="382156" indent="-191078" lvl="1">
+            <a:pPr marL="342900" indent="-342900" algn="l">
               <a:lnSpc>
-                <a:spcPts val="2478"/>
+                <a:spcPct val="150000"/>
               </a:lnSpc>
-              <a:buFont typeface="Arial"/>
+              <a:buFont typeface="Arial" panose="020B0604020202020204" pitchFamily="34" charset="0"/>
               <a:buChar char="•"/>
             </a:pPr>
             <a:r>
-              <a:rPr lang="en-US" b="true" sz="1770">
+              <a:rPr lang="en-US" sz="2000" dirty="0">
+                <a:solidFill>
+                  <a:srgbClr val="191919"/>
+                </a:solidFill>
+                <a:latin typeface="Gotham" panose="020B0604020202020204" charset="0"/>
+                <a:ea typeface="Gotham Bold"/>
+                <a:cs typeface="Gotham" panose="020B0604020202020204" charset="0"/>
+                <a:sym typeface="Gotham Bold"/>
+              </a:rPr>
+              <a:t>More departments were represented</a:t>
+            </a:r>
+          </a:p>
+          <a:p>
+            <a:pPr marL="342900" indent="-342900" algn="l">
+              <a:lnSpc>
+                <a:spcPct val="150000"/>
+              </a:lnSpc>
+              <a:buFont typeface="Arial" panose="020B0604020202020204" pitchFamily="34" charset="0"/>
+              <a:buChar char="•"/>
+            </a:pPr>
+            <a:r>
+              <a:rPr lang="en-US" sz="2000" b="1" dirty="0">
                 <a:solidFill>
                   <a:srgbClr val="191919"/>
                 </a:solidFill>
@@ -6826,15 +8749,15 @@
             </a:r>
           </a:p>
           <a:p>
-            <a:pPr algn="l" marL="764312" indent="-254771" lvl="2">
+            <a:pPr marL="764312" lvl="2" indent="-254771" algn="l">
               <a:lnSpc>
-                <a:spcPts val="2478"/>
+                <a:spcPct val="150000"/>
               </a:lnSpc>
               <a:buFont typeface="Arial"/>
               <a:buChar char="⚬"/>
             </a:pPr>
             <a:r>
-              <a:rPr lang="en-US" sz="1770">
+              <a:rPr lang="en-US" sz="2000" dirty="0">
                 <a:solidFill>
                   <a:srgbClr val="191919"/>
                 </a:solidFill>
@@ -6843,40 +8766,19 @@
                 <a:cs typeface="Gotham"/>
                 <a:sym typeface="Gotham"/>
               </a:rPr>
-              <a:t>Location A excels in Grocery sales; Drug GM and Meat departments perform strongly.</a:t>
-            </a:r>
-          </a:p>
-          <a:p>
-            <a:pPr algn="l" marL="382156" indent="-191078" lvl="1">
+              <a:t>DRUG GM now concentrated its sales value primarily on the Interior page feature</a:t>
+            </a:r>
+          </a:p>
+          <a:p>
+            <a:pPr marL="764312" lvl="2" indent="-254771" algn="l">
               <a:lnSpc>
-                <a:spcPts val="2478"/>
-              </a:lnSpc>
-              <a:buFont typeface="Arial"/>
-              <a:buChar char="•"/>
-            </a:pPr>
-            <a:r>
-              <a:rPr lang="en-US" b="true" sz="1770">
-                <a:solidFill>
-                  <a:srgbClr val="191919"/>
-                </a:solidFill>
-                <a:latin typeface="Gotham Bold"/>
-                <a:ea typeface="Gotham Bold"/>
-                <a:cs typeface="Gotham Bold"/>
-                <a:sym typeface="Gotham Bold"/>
-              </a:rPr>
-              <a:t>Visual Insights:</a:t>
-            </a:r>
-          </a:p>
-          <a:p>
-            <a:pPr algn="l" marL="764312" indent="-254771" lvl="2">
-              <a:lnSpc>
-                <a:spcPts val="2478"/>
+                <a:spcPct val="150000"/>
               </a:lnSpc>
               <a:buFont typeface="Arial"/>
               <a:buChar char="⚬"/>
             </a:pPr>
             <a:r>
-              <a:rPr lang="en-US" sz="1770">
+              <a:rPr lang="en-US" sz="2000" dirty="0">
                 <a:solidFill>
                   <a:srgbClr val="191919"/>
                 </a:solidFill>
@@ -6885,17 +8787,33 @@
                 <a:cs typeface="Gotham"/>
                 <a:sym typeface="Gotham"/>
               </a:rPr>
-              <a:t>Stacked bar plot shows total sales by department, with Drug GM and Meat-PCKGD excelling in coupon placements.</a:t>
-            </a:r>
+              <a:t>TRAVEL &amp; LEISURE department, which wasn’t seen in the display locations analysis, showed a small sales value across three different mailer locations</a:t>
+            </a:r>
+          </a:p>
+          <a:p>
+            <a:pPr marL="509541" lvl="2" algn="l">
+              <a:lnSpc>
+                <a:spcPct val="150000"/>
+              </a:lnSpc>
+            </a:pPr>
+            <a:endParaRPr lang="en-US" sz="2000" dirty="0">
+              <a:solidFill>
+                <a:srgbClr val="191919"/>
+              </a:solidFill>
+              <a:latin typeface="Gotham"/>
+              <a:ea typeface="Gotham"/>
+              <a:cs typeface="Gotham"/>
+              <a:sym typeface="Gotham"/>
+            </a:endParaRPr>
           </a:p>
           <a:p>
             <a:pPr algn="l">
               <a:lnSpc>
-                <a:spcPts val="2478"/>
+                <a:spcPct val="150000"/>
               </a:lnSpc>
             </a:pPr>
             <a:r>
-              <a:rPr lang="en-US" sz="1770" b="true">
+              <a:rPr lang="en-US" sz="2000" b="1" dirty="0">
                 <a:solidFill>
                   <a:srgbClr val="191919"/>
                 </a:solidFill>
@@ -6908,15 +8826,15 @@
             </a:r>
           </a:p>
           <a:p>
-            <a:pPr algn="l" marL="382156" indent="-191078" lvl="1">
+            <a:pPr marL="382156" lvl="1" indent="-191078" algn="l">
               <a:lnSpc>
-                <a:spcPts val="2478"/>
+                <a:spcPct val="150000"/>
               </a:lnSpc>
               <a:buFont typeface="Arial"/>
               <a:buChar char="•"/>
             </a:pPr>
             <a:r>
-              <a:rPr lang="en-US" sz="1770">
+              <a:rPr lang="en-US" sz="2000" dirty="0">
                 <a:solidFill>
                   <a:srgbClr val="191919"/>
                 </a:solidFill>
@@ -6925,22 +8843,24 @@
                 <a:cs typeface="Gotham"/>
                 <a:sym typeface="Gotham"/>
               </a:rPr>
-              <a:t>Strategic placement in mailers boosts coupon redemption rates.</a:t>
+              <a:t>Strategic placement in mailers boosts sales value rates</a:t>
             </a:r>
           </a:p>
           <a:p>
             <a:pPr algn="l">
               <a:lnSpc>
-                <a:spcPts val="2478"/>
+                <a:spcPct val="150000"/>
               </a:lnSpc>
             </a:pPr>
-          </a:p>
-          <a:p>
-            <a:pPr algn="l">
-              <a:lnSpc>
-                <a:spcPts val="2478"/>
-              </a:lnSpc>
-            </a:pPr>
+            <a:endParaRPr lang="en-US" sz="2000" dirty="0">
+              <a:solidFill>
+                <a:srgbClr val="191919"/>
+              </a:solidFill>
+              <a:latin typeface="Gotham"/>
+              <a:ea typeface="Gotham"/>
+              <a:cs typeface="Gotham"/>
+              <a:sym typeface="Gotham"/>
+            </a:endParaRPr>
           </a:p>
         </p:txBody>
       </p:sp>
@@ -6952,14 +8872,15 @@
 </p:sld>
 </file>
 
-<file path=ppt/slides/slide6.xml><?xml version="1.0" encoding="utf-8"?>
-<p:sld xmlns:p="http://schemas.openxmlformats.org/presentationml/2006/main" xmlns:a="http://schemas.openxmlformats.org/drawingml/2006/main" xmlns:r="http://schemas.openxmlformats.org/officeDocument/2006/relationships">
+<file path=ppt/slides/slide7.xml><?xml version="1.0" encoding="utf-8"?>
+<p:sld xmlns:a="http://schemas.openxmlformats.org/drawingml/2006/main" xmlns:r="http://schemas.openxmlformats.org/officeDocument/2006/relationships" xmlns:p="http://schemas.openxmlformats.org/presentationml/2006/main">
   <p:cSld>
     <p:bg>
       <p:bgPr>
         <a:solidFill>
           <a:srgbClr val="FFFFFE"/>
         </a:solidFill>
+        <a:effectLst/>
       </p:bgPr>
     </p:bg>
     <p:spTree>
@@ -6976,61 +8897,97 @@
           <a:chExt cx="0" cy="0"/>
         </a:xfrm>
       </p:grpSpPr>
+      <p:pic>
+        <p:nvPicPr>
+          <p:cNvPr id="19" name="Picture 18">
+            <a:extLst>
+              <a:ext uri="{FF2B5EF4-FFF2-40B4-BE49-F238E27FC236}">
+                <a16:creationId xmlns:a16="http://schemas.microsoft.com/office/drawing/2014/main" id="{495269BE-F904-4A21-87BB-6226A886A5D2}"/>
+              </a:ext>
+            </a:extLst>
+          </p:cNvPr>
+          <p:cNvPicPr>
+            <a:picLocks noChangeAspect="1"/>
+          </p:cNvPicPr>
+          <p:nvPr/>
+        </p:nvPicPr>
+        <p:blipFill>
+          <a:blip r:embed="rId3">
+            <a:extLst>
+              <a:ext uri="{28A0092B-C50C-407E-A947-70E740481C1C}">
+                <a14:useLocalDpi xmlns:a14="http://schemas.microsoft.com/office/drawing/2010/main" val="0"/>
+              </a:ext>
+            </a:extLst>
+          </a:blip>
+          <a:stretch>
+            <a:fillRect/>
+          </a:stretch>
+        </p:blipFill>
+        <p:spPr>
+          <a:xfrm>
+            <a:off x="374132" y="942932"/>
+            <a:ext cx="11387956" cy="8734903"/>
+          </a:xfrm>
+          <a:prstGeom prst="rect">
+            <a:avLst/>
+          </a:prstGeom>
+        </p:spPr>
+      </p:pic>
       <p:grpSp>
         <p:nvGrpSpPr>
-          <p:cNvPr name="Group 2" id="2"/>
+          <p:cNvPr id="2" name="Group 2"/>
           <p:cNvGrpSpPr/>
           <p:nvPr/>
         </p:nvGrpSpPr>
         <p:grpSpPr>
-          <a:xfrm rot="0">
-            <a:off x="-1749834" y="-1219629"/>
-            <a:ext cx="3499668" cy="13405540"/>
+          <a:xfrm>
+            <a:off x="-1812693" y="-10487225"/>
+            <a:ext cx="2841393" cy="13405540"/>
             <a:chOff x="0" y="0"/>
-            <a:chExt cx="212191" cy="812800"/>
+            <a:chExt cx="172278" cy="812800"/>
           </a:xfrm>
         </p:grpSpPr>
         <p:sp>
           <p:nvSpPr>
-            <p:cNvPr name="Freeform 3" id="3"/>
+            <p:cNvPr id="3" name="Freeform 3"/>
             <p:cNvSpPr/>
             <p:nvPr/>
           </p:nvSpPr>
           <p:spPr>
-            <a:xfrm flipH="false" flipV="false" rot="0">
+            <a:xfrm>
               <a:off x="0" y="0"/>
-              <a:ext cx="212191" cy="812800"/>
+              <a:ext cx="172278" cy="812800"/>
             </a:xfrm>
             <a:custGeom>
               <a:avLst/>
               <a:gdLst/>
               <a:ahLst/>
               <a:cxnLst/>
-              <a:rect r="r" b="b" t="t" l="l"/>
+              <a:rect l="l" t="t" r="r" b="b"/>
               <a:pathLst>
-                <a:path h="812800" w="212191">
+                <a:path w="172278" h="812800">
                   <a:moveTo>
-                    <a:pt x="106095" y="0"/>
+                    <a:pt x="86139" y="0"/>
                   </a:moveTo>
                   <a:cubicBezTo>
-                    <a:pt x="47500" y="0"/>
+                    <a:pt x="38566" y="0"/>
                     <a:pt x="0" y="181951"/>
                     <a:pt x="0" y="406400"/>
                   </a:cubicBezTo>
                   <a:cubicBezTo>
                     <a:pt x="0" y="630849"/>
-                    <a:pt x="47500" y="812800"/>
-                    <a:pt x="106095" y="812800"/>
+                    <a:pt x="38566" y="812800"/>
+                    <a:pt x="86139" y="812800"/>
                   </a:cubicBezTo>
                   <a:cubicBezTo>
-                    <a:pt x="164690" y="812800"/>
-                    <a:pt x="212191" y="630849"/>
-                    <a:pt x="212191" y="406400"/>
+                    <a:pt x="133713" y="812800"/>
+                    <a:pt x="172278" y="630849"/>
+                    <a:pt x="172278" y="406400"/>
                   </a:cubicBezTo>
                   <a:cubicBezTo>
-                    <a:pt x="212191" y="181951"/>
-                    <a:pt x="164690" y="0"/>
-                    <a:pt x="106095" y="0"/>
+                    <a:pt x="172278" y="181951"/>
+                    <a:pt x="133713" y="0"/>
+                    <a:pt x="86139" y="0"/>
                   </a:cubicBezTo>
                   <a:close/>
                 </a:path>
@@ -7043,7 +9000,7 @@
             </a:solidFill>
             <a:ln w="19050" cap="sq">
               <a:solidFill>
-                <a:srgbClr val="F9232C"/>
+                <a:srgbClr val="FD6220"/>
               </a:solidFill>
               <a:prstDash val="solid"/>
               <a:miter/>
@@ -7052,21 +9009,21 @@
         </p:sp>
         <p:sp>
           <p:nvSpPr>
-            <p:cNvPr name="TextBox 4" id="4"/>
-            <p:cNvSpPr txBox="true"/>
+            <p:cNvPr id="4" name="TextBox 4"/>
+            <p:cNvSpPr txBox="1"/>
             <p:nvPr/>
           </p:nvSpPr>
           <p:spPr>
             <a:xfrm>
-              <a:off x="19893" y="47625"/>
-              <a:ext cx="172405" cy="688975"/>
+              <a:off x="16151" y="47625"/>
+              <a:ext cx="139976" cy="688975"/>
             </a:xfrm>
             <a:prstGeom prst="rect">
               <a:avLst/>
             </a:prstGeom>
           </p:spPr>
           <p:txBody>
-            <a:bodyPr anchor="ctr" rtlCol="false" tIns="50800" lIns="50800" bIns="50800" rIns="50800"/>
+            <a:bodyPr lIns="50800" tIns="50800" rIns="50800" bIns="50800" rtlCol="0" anchor="ctr"/>
             <a:lstStyle/>
             <a:p>
               <a:pPr algn="ctr">
@@ -7074,64 +9031,19 @@
                   <a:spcPts val="2659"/>
                 </a:lnSpc>
               </a:pPr>
+              <a:endParaRPr/>
             </a:p>
           </p:txBody>
         </p:sp>
       </p:grpSp>
-      <p:sp>
-        <p:nvSpPr>
-          <p:cNvPr name="Freeform 5" id="5"/>
-          <p:cNvSpPr/>
-          <p:nvPr/>
-        </p:nvSpPr>
-        <p:spPr>
-          <a:xfrm flipH="false" flipV="false" rot="0">
-            <a:off x="0" y="1896429"/>
-            <a:ext cx="12297297" cy="7173423"/>
-          </a:xfrm>
-          <a:custGeom>
-            <a:avLst/>
-            <a:gdLst/>
-            <a:ahLst/>
-            <a:cxnLst/>
-            <a:rect r="r" b="b" t="t" l="l"/>
-            <a:pathLst>
-              <a:path h="7173423" w="12297297">
-                <a:moveTo>
-                  <a:pt x="0" y="0"/>
-                </a:moveTo>
-                <a:lnTo>
-                  <a:pt x="12297297" y="0"/>
-                </a:lnTo>
-                <a:lnTo>
-                  <a:pt x="12297297" y="7173424"/>
-                </a:lnTo>
-                <a:lnTo>
-                  <a:pt x="0" y="7173424"/>
-                </a:lnTo>
-                <a:lnTo>
-                  <a:pt x="0" y="0"/>
-                </a:lnTo>
-                <a:close/>
-              </a:path>
-            </a:pathLst>
-          </a:custGeom>
-          <a:blipFill>
-            <a:blip r:embed="rId2"/>
-            <a:stretch>
-              <a:fillRect l="0" t="0" r="0" b="0"/>
-            </a:stretch>
-          </a:blipFill>
-        </p:spPr>
-      </p:sp>
       <p:grpSp>
         <p:nvGrpSpPr>
-          <p:cNvPr name="Group 6" id="6"/>
+          <p:cNvPr id="5" name="Group 5"/>
           <p:cNvGrpSpPr/>
           <p:nvPr/>
         </p:nvGrpSpPr>
         <p:grpSpPr>
-          <a:xfrm rot="0">
+          <a:xfrm>
             <a:off x="11762088" y="-9632634"/>
             <a:ext cx="10994424" cy="10994424"/>
             <a:chOff x="0" y="0"/>
@@ -7140,12 +9052,12 @@
         </p:grpSpPr>
         <p:sp>
           <p:nvSpPr>
-            <p:cNvPr name="Freeform 7" id="7"/>
+            <p:cNvPr id="6" name="Freeform 6"/>
             <p:cNvSpPr/>
             <p:nvPr/>
           </p:nvSpPr>
           <p:spPr>
-            <a:xfrm flipH="false" flipV="false" rot="0">
+            <a:xfrm>
               <a:off x="0" y="0"/>
               <a:ext cx="812800" cy="812800"/>
             </a:xfrm>
@@ -7154,9 +9066,9 @@
               <a:gdLst/>
               <a:ahLst/>
               <a:cxnLst/>
-              <a:rect r="r" b="b" t="t" l="l"/>
+              <a:rect l="l" t="t" r="r" b="b"/>
               <a:pathLst>
-                <a:path h="812800" w="812800">
+                <a:path w="812800" h="812800">
                   <a:moveTo>
                     <a:pt x="406400" y="0"/>
                   </a:moveTo>
@@ -7202,8 +9114,8 @@
         </p:sp>
         <p:sp>
           <p:nvSpPr>
-            <p:cNvPr name="TextBox 8" id="8"/>
-            <p:cNvSpPr txBox="true"/>
+            <p:cNvPr id="7" name="TextBox 7"/>
+            <p:cNvSpPr txBox="1"/>
             <p:nvPr/>
           </p:nvSpPr>
           <p:spPr>
@@ -7216,7 +9128,7 @@
             </a:prstGeom>
           </p:spPr>
           <p:txBody>
-            <a:bodyPr anchor="ctr" rtlCol="false" tIns="50800" lIns="50800" bIns="50800" rIns="50800"/>
+            <a:bodyPr lIns="50800" tIns="50800" rIns="50800" bIns="50800" rtlCol="0" anchor="ctr"/>
             <a:lstStyle/>
             <a:p>
               <a:pPr algn="ctr">
@@ -7224,38 +9136,39 @@
                   <a:spcPts val="2659"/>
                 </a:lnSpc>
               </a:pPr>
+              <a:endParaRPr/>
             </a:p>
           </p:txBody>
         </p:sp>
       </p:grpSp>
       <p:sp>
         <p:nvSpPr>
-          <p:cNvPr name="TextBox 9" id="9"/>
-          <p:cNvSpPr txBox="true"/>
+          <p:cNvPr id="9" name="TextBox 9"/>
+          <p:cNvSpPr txBox="1"/>
           <p:nvPr/>
         </p:nvSpPr>
         <p:spPr>
-          <a:xfrm rot="0">
-            <a:off x="12662335" y="2394270"/>
-            <a:ext cx="5260627" cy="7754687"/>
+          <a:xfrm>
+            <a:off x="11892717" y="2366366"/>
+            <a:ext cx="6090483" cy="6409447"/>
           </a:xfrm>
           <a:prstGeom prst="rect">
             <a:avLst/>
           </a:prstGeom>
         </p:spPr>
         <p:txBody>
-          <a:bodyPr anchor="t" rtlCol="false" tIns="0" lIns="0" bIns="0" rIns="0">
+          <a:bodyPr wrap="square" lIns="0" tIns="0" rIns="0" bIns="0" rtlCol="0" anchor="t">
             <a:spAutoFit/>
           </a:bodyPr>
           <a:lstStyle/>
           <a:p>
             <a:pPr algn="l">
               <a:lnSpc>
-                <a:spcPts val="3076"/>
+                <a:spcPct val="150000"/>
               </a:lnSpc>
             </a:pPr>
             <a:r>
-              <a:rPr lang="en-US" sz="2197" b="true">
+              <a:rPr lang="en-US" sz="2000" b="1" dirty="0">
                 <a:solidFill>
                   <a:srgbClr val="191919"/>
                 </a:solidFill>
@@ -7264,17 +9177,19 @@
                 <a:cs typeface="Gotham Bold"/>
                 <a:sym typeface="Gotham Bold"/>
               </a:rPr>
-              <a:t>Hypothesis: </a:t>
-            </a:r>
-          </a:p>
-          <a:p>
-            <a:pPr algn="l">
+              <a:t>Key Findings</a:t>
+            </a:r>
+          </a:p>
+          <a:p>
+            <a:pPr marL="815056" lvl="2" indent="-271685" algn="l">
               <a:lnSpc>
-                <a:spcPts val="3076"/>
+                <a:spcPct val="150000"/>
               </a:lnSpc>
+              <a:buFont typeface="Arial"/>
+              <a:buChar char="⚬"/>
             </a:pPr>
             <a:r>
-              <a:rPr lang="en-US" sz="2197">
+              <a:rPr lang="en-US" sz="2000" dirty="0">
                 <a:solidFill>
                   <a:srgbClr val="191919"/>
                 </a:solidFill>
@@ -7283,17 +9198,68 @@
                 <a:cs typeface="Gotham"/>
                 <a:sym typeface="Gotham"/>
               </a:rPr>
-              <a:t>Analyzing sales impact of mailer vs. display promotions.</a:t>
-            </a:r>
+              <a:t>No department generated higher sales value without being featured in the mail</a:t>
+            </a:r>
+          </a:p>
+          <a:p>
+            <a:pPr marL="815056" lvl="2" indent="-271685" algn="l">
+              <a:lnSpc>
+                <a:spcPct val="150000"/>
+              </a:lnSpc>
+              <a:buFont typeface="Arial"/>
+              <a:buChar char="⚬"/>
+            </a:pPr>
+            <a:r>
+              <a:rPr lang="en-US" sz="2000" dirty="0">
+                <a:solidFill>
+                  <a:srgbClr val="191919"/>
+                </a:solidFill>
+                <a:latin typeface="Gotham"/>
+                <a:ea typeface="Gotham"/>
+                <a:cs typeface="Gotham"/>
+                <a:sym typeface="Gotham"/>
+              </a:rPr>
+              <a:t>COUPON and TRAVEL &amp; LEISURE were the only two departments that saw no sales when not included in mail promotion</a:t>
+            </a:r>
+          </a:p>
+          <a:p>
+            <a:pPr marL="815056" lvl="2" indent="-271685" algn="l">
+              <a:lnSpc>
+                <a:spcPct val="150000"/>
+              </a:lnSpc>
+              <a:buFont typeface="Arial"/>
+              <a:buChar char="⚬"/>
+            </a:pPr>
+            <a:r>
+              <a:rPr lang="en-US" sz="2000" dirty="0">
+                <a:solidFill>
+                  <a:srgbClr val="191919"/>
+                </a:solidFill>
+                <a:latin typeface="Gotham" panose="020B0604020202020204" charset="0"/>
+                <a:ea typeface="Gotham Bold"/>
+                <a:cs typeface="Gotham" panose="020B0604020202020204" charset="0"/>
+                <a:sym typeface="Gotham Bold"/>
+              </a:rPr>
+              <a:t>MEAT department showed a sales approximately 200 times higher than not being presented in mail</a:t>
+            </a:r>
+            <a:endParaRPr lang="en-US" sz="2000" b="1" dirty="0">
+              <a:solidFill>
+                <a:srgbClr val="191919"/>
+              </a:solidFill>
+              <a:latin typeface="Gotham Bold"/>
+              <a:ea typeface="Gotham Bold"/>
+              <a:cs typeface="Gotham Bold"/>
+              <a:sym typeface="Gotham Bold"/>
+            </a:endParaRPr>
           </a:p>
           <a:p>
             <a:pPr algn="l">
               <a:lnSpc>
-                <a:spcPts val="3076"/>
+                <a:spcPct val="150000"/>
               </a:lnSpc>
             </a:pPr>
             <a:r>
-              <a:rPr lang="en-US" sz="2197" b="true">
+              <a:rPr lang="en-US" sz="2000" b="1" dirty="0">
                 <a:solidFill>
                   <a:srgbClr val="191919"/>
                 </a:solidFill>
@@ -7302,17 +9268,40 @@
                 <a:cs typeface="Gotham Bold"/>
                 <a:sym typeface="Gotham Bold"/>
               </a:rPr>
-              <a:t>Data Overview: </a:t>
-            </a:r>
-          </a:p>
-          <a:p>
-            <a:pPr algn="l">
+              <a:t>Conclusion</a:t>
+            </a:r>
+          </a:p>
+          <a:p>
+            <a:pPr marL="407528" lvl="1" indent="-203764" algn="l">
               <a:lnSpc>
-                <a:spcPts val="3076"/>
+                <a:spcPct val="150000"/>
               </a:lnSpc>
+              <a:buFont typeface="Arial"/>
+              <a:buChar char="•"/>
             </a:pPr>
             <a:r>
-              <a:rPr lang="en-US" sz="2197">
+              <a:rPr lang="en-US" sz="2000" b="1" dirty="0">
+                <a:solidFill>
+                  <a:srgbClr val="191919"/>
+                </a:solidFill>
+                <a:latin typeface="Gotham Bold"/>
+                <a:ea typeface="Gotham Bold"/>
+                <a:cs typeface="Gotham Bold"/>
+                <a:sym typeface="Gotham Bold"/>
+              </a:rPr>
+              <a:t>Display Impact:</a:t>
+            </a:r>
+          </a:p>
+          <a:p>
+            <a:pPr marL="815056" lvl="2" indent="-271685" algn="l">
+              <a:lnSpc>
+                <a:spcPct val="150000"/>
+              </a:lnSpc>
+              <a:buFont typeface="Arial"/>
+              <a:buChar char="⚬"/>
+            </a:pPr>
+            <a:r>
+              <a:rPr lang="en-US" sz="2000" dirty="0">
                 <a:solidFill>
                   <a:srgbClr val="191919"/>
                 </a:solidFill>
@@ -7321,17 +9310,39 @@
                 <a:cs typeface="Gotham"/>
                 <a:sym typeface="Gotham"/>
               </a:rPr>
-              <a:t>Total sales summarized by department for both promotions.</a:t>
-            </a:r>
-          </a:p>
+              <a:t>Being included in mail promotion greatly influenced sales</a:t>
+            </a:r>
+          </a:p>
+        </p:txBody>
+      </p:sp>
+      <p:sp>
+        <p:nvSpPr>
+          <p:cNvPr id="10" name="TextBox 10"/>
+          <p:cNvSpPr txBox="1"/>
+          <p:nvPr/>
+        </p:nvSpPr>
+        <p:spPr>
+          <a:xfrm>
+            <a:off x="11662913" y="1108846"/>
+            <a:ext cx="4572000" cy="983859"/>
+          </a:xfrm>
+          <a:prstGeom prst="rect">
+            <a:avLst/>
+          </a:prstGeom>
+        </p:spPr>
+        <p:txBody>
+          <a:bodyPr wrap="square" lIns="0" tIns="0" rIns="0" bIns="0" rtlCol="0" anchor="t">
+            <a:spAutoFit/>
+          </a:bodyPr>
+          <a:lstStyle/>
           <a:p>
             <a:pPr algn="l">
               <a:lnSpc>
-                <a:spcPts val="3076"/>
+                <a:spcPts val="3965"/>
               </a:lnSpc>
             </a:pPr>
             <a:r>
-              <a:rPr lang="en-US" sz="2197" b="true">
+              <a:rPr lang="en-US" sz="2800" b="1" dirty="0">
                 <a:solidFill>
                   <a:srgbClr val="191919"/>
                 </a:solidFill>
@@ -7340,183 +9351,120 @@
                 <a:cs typeface="Gotham Bold"/>
                 <a:sym typeface="Gotham Bold"/>
               </a:rPr>
-              <a:t>Key Findings:</a:t>
-            </a:r>
-          </a:p>
-          <a:p>
-            <a:pPr algn="l" marL="474409" indent="-237205" lvl="1">
-              <a:lnSpc>
-                <a:spcPts val="3076"/>
-              </a:lnSpc>
-              <a:buFont typeface="Arial"/>
-              <a:buChar char="•"/>
-            </a:pPr>
-            <a:r>
-              <a:rPr lang="en-US" sz="2197">
-                <a:solidFill>
-                  <a:srgbClr val="191919"/>
-                </a:solidFill>
-                <a:latin typeface="Gotham"/>
-                <a:ea typeface="Gotham"/>
-                <a:cs typeface="Gotham"/>
-                <a:sym typeface="Gotham"/>
-              </a:rPr>
-              <a:t>Display promotions drive higher sales overall.</a:t>
-            </a:r>
-          </a:p>
-          <a:p>
-            <a:pPr algn="l" marL="474409" indent="-237205" lvl="1">
-              <a:lnSpc>
-                <a:spcPts val="3076"/>
-              </a:lnSpc>
-              <a:buFont typeface="Arial"/>
-              <a:buChar char="•"/>
-            </a:pPr>
-            <a:r>
-              <a:rPr lang="en-US" sz="2197">
-                <a:solidFill>
-                  <a:srgbClr val="191919"/>
-                </a:solidFill>
-                <a:latin typeface="Gotham"/>
-                <a:ea typeface="Gotham"/>
-                <a:cs typeface="Gotham"/>
-                <a:sym typeface="Gotham"/>
-              </a:rPr>
-              <a:t>Mailer promotions perform well in specific categories.</a:t>
-            </a:r>
-          </a:p>
-          <a:p>
-            <a:pPr algn="l">
-              <a:lnSpc>
-                <a:spcPts val="3076"/>
-              </a:lnSpc>
-            </a:pPr>
-            <a:r>
-              <a:rPr lang="en-US" sz="2197" b="true">
-                <a:solidFill>
-                  <a:srgbClr val="191919"/>
-                </a:solidFill>
-                <a:latin typeface="Gotham Bold"/>
-                <a:ea typeface="Gotham Bold"/>
-                <a:cs typeface="Gotham Bold"/>
-                <a:sym typeface="Gotham Bold"/>
-              </a:rPr>
-              <a:t>Visual Insights:</a:t>
-            </a:r>
-          </a:p>
-          <a:p>
-            <a:pPr algn="l" marL="474409" indent="-237205" lvl="1">
-              <a:lnSpc>
-                <a:spcPts val="3076"/>
-              </a:lnSpc>
-              <a:buFont typeface="Arial"/>
-              <a:buChar char="•"/>
-            </a:pPr>
-            <a:r>
-              <a:rPr lang="en-US" sz="2197">
-                <a:solidFill>
-                  <a:srgbClr val="191919"/>
-                </a:solidFill>
-                <a:latin typeface="Gotham"/>
-                <a:ea typeface="Gotham"/>
-                <a:cs typeface="Gotham"/>
-                <a:sym typeface="Gotham"/>
-              </a:rPr>
-              <a:t>Scatter plot shows sales comparison using a logarithmic scale.</a:t>
-            </a:r>
-          </a:p>
-          <a:p>
-            <a:pPr algn="l">
-              <a:lnSpc>
-                <a:spcPts val="3076"/>
-              </a:lnSpc>
-            </a:pPr>
-            <a:r>
-              <a:rPr lang="en-US" sz="2197" b="true">
-                <a:solidFill>
-                  <a:srgbClr val="191919"/>
-                </a:solidFill>
-                <a:latin typeface="Gotham Bold"/>
-                <a:ea typeface="Gotham Bold"/>
-                <a:cs typeface="Gotham Bold"/>
-                <a:sym typeface="Gotham Bold"/>
-              </a:rPr>
-              <a:t>Conclusion: </a:t>
-            </a:r>
-            <a:r>
-              <a:rPr lang="en-US" sz="2197">
-                <a:solidFill>
-                  <a:srgbClr val="191919"/>
-                </a:solidFill>
-                <a:latin typeface="Gotham"/>
-                <a:ea typeface="Gotham"/>
-                <a:cs typeface="Gotham"/>
-                <a:sym typeface="Gotham"/>
-              </a:rPr>
-              <a:t>Effective promotional strategies boost sales across departments.</a:t>
-            </a:r>
-          </a:p>
-          <a:p>
-            <a:pPr algn="l">
-              <a:lnSpc>
-                <a:spcPts val="3076"/>
-              </a:lnSpc>
-            </a:pPr>
-          </a:p>
-          <a:p>
-            <a:pPr algn="l">
-              <a:lnSpc>
-                <a:spcPts val="3076"/>
-              </a:lnSpc>
-            </a:pPr>
-          </a:p>
-        </p:txBody>
-      </p:sp>
-      <p:sp>
-        <p:nvSpPr>
-          <p:cNvPr name="TextBox 10" id="10"/>
-          <p:cNvSpPr txBox="true"/>
+              <a:t>Impact of Mailer Locations on Sales Value</a:t>
+            </a:r>
+          </a:p>
+        </p:txBody>
+      </p:sp>
+      <p:grpSp>
+        <p:nvGrpSpPr>
+          <p:cNvPr id="11" name="Group 11"/>
+          <p:cNvGrpSpPr/>
           <p:nvPr/>
-        </p:nvSpPr>
-        <p:spPr>
-          <a:xfrm rot="0">
-            <a:off x="12297297" y="1598614"/>
-            <a:ext cx="5990703" cy="528955"/>
+        </p:nvGrpSpPr>
+        <p:grpSpPr>
+          <a:xfrm>
+            <a:off x="-1812693" y="7416893"/>
+            <a:ext cx="2841393" cy="13405540"/>
+            <a:chOff x="0" y="0"/>
+            <a:chExt cx="172278" cy="812800"/>
           </a:xfrm>
-          <a:prstGeom prst="rect">
-            <a:avLst/>
-          </a:prstGeom>
-        </p:spPr>
-        <p:txBody>
-          <a:bodyPr anchor="t" rtlCol="false" tIns="0" lIns="0" bIns="0" rIns="0">
-            <a:spAutoFit/>
-          </a:bodyPr>
-          <a:lstStyle/>
-          <a:p>
-            <a:pPr algn="just">
-              <a:lnSpc>
-                <a:spcPts val="4339"/>
-              </a:lnSpc>
-              <a:spcBef>
-                <a:spcPct val="0"/>
-              </a:spcBef>
-            </a:pPr>
-            <a:r>
-              <a:rPr lang="en-US" b="true" sz="3099">
-                <a:solidFill>
-                  <a:srgbClr val="191919"/>
-                </a:solidFill>
-                <a:latin typeface="Gotham Bold"/>
-                <a:ea typeface="Gotham Bold"/>
-                <a:cs typeface="Gotham Bold"/>
-                <a:sym typeface="Gotham Bold"/>
-              </a:rPr>
-              <a:t>Display vs. Mailer promotion</a:t>
-            </a:r>
-          </a:p>
-        </p:txBody>
-      </p:sp>
+        </p:grpSpPr>
+        <p:sp>
+          <p:nvSpPr>
+            <p:cNvPr id="12" name="Freeform 12"/>
+            <p:cNvSpPr/>
+            <p:nvPr/>
+          </p:nvSpPr>
+          <p:spPr>
+            <a:xfrm>
+              <a:off x="0" y="0"/>
+              <a:ext cx="172278" cy="812800"/>
+            </a:xfrm>
+            <a:custGeom>
+              <a:avLst/>
+              <a:gdLst/>
+              <a:ahLst/>
+              <a:cxnLst/>
+              <a:rect l="l" t="t" r="r" b="b"/>
+              <a:pathLst>
+                <a:path w="172278" h="812800">
+                  <a:moveTo>
+                    <a:pt x="86139" y="0"/>
+                  </a:moveTo>
+                  <a:cubicBezTo>
+                    <a:pt x="38566" y="0"/>
+                    <a:pt x="0" y="181951"/>
+                    <a:pt x="0" y="406400"/>
+                  </a:cubicBezTo>
+                  <a:cubicBezTo>
+                    <a:pt x="0" y="630849"/>
+                    <a:pt x="38566" y="812800"/>
+                    <a:pt x="86139" y="812800"/>
+                  </a:cubicBezTo>
+                  <a:cubicBezTo>
+                    <a:pt x="133713" y="812800"/>
+                    <a:pt x="172278" y="630849"/>
+                    <a:pt x="172278" y="406400"/>
+                  </a:cubicBezTo>
+                  <a:cubicBezTo>
+                    <a:pt x="172278" y="181951"/>
+                    <a:pt x="133713" y="0"/>
+                    <a:pt x="86139" y="0"/>
+                  </a:cubicBezTo>
+                  <a:close/>
+                </a:path>
+              </a:pathLst>
+            </a:custGeom>
+            <a:solidFill>
+              <a:srgbClr val="000000">
+                <a:alpha val="0"/>
+              </a:srgbClr>
+            </a:solidFill>
+            <a:ln w="19050" cap="sq">
+              <a:solidFill>
+                <a:srgbClr val="FD6220"/>
+              </a:solidFill>
+              <a:prstDash val="solid"/>
+              <a:miter/>
+            </a:ln>
+          </p:spPr>
+        </p:sp>
+        <p:sp>
+          <p:nvSpPr>
+            <p:cNvPr id="13" name="TextBox 13"/>
+            <p:cNvSpPr txBox="1"/>
+            <p:nvPr/>
+          </p:nvSpPr>
+          <p:spPr>
+            <a:xfrm>
+              <a:off x="16151" y="47625"/>
+              <a:ext cx="139976" cy="688975"/>
+            </a:xfrm>
+            <a:prstGeom prst="rect">
+              <a:avLst/>
+            </a:prstGeom>
+          </p:spPr>
+          <p:txBody>
+            <a:bodyPr lIns="50800" tIns="50800" rIns="50800" bIns="50800" rtlCol="0" anchor="ctr"/>
+            <a:lstStyle/>
+            <a:p>
+              <a:pPr algn="ctr">
+                <a:lnSpc>
+                  <a:spcPts val="2659"/>
+                </a:lnSpc>
+              </a:pPr>
+              <a:endParaRPr/>
+            </a:p>
+          </p:txBody>
+        </p:sp>
+      </p:grpSp>
     </p:spTree>
+    <p:extLst>
+      <p:ext uri="{BB962C8B-B14F-4D97-AF65-F5344CB8AC3E}">
+        <p14:creationId xmlns:p14="http://schemas.microsoft.com/office/powerpoint/2010/main" val="332869704"/>
+      </p:ext>
+    </p:extLst>
   </p:cSld>
   <p:clrMapOvr>
     <a:masterClrMapping/>
@@ -7524,14 +9472,15 @@
 </p:sld>
 </file>
 
-<file path=ppt/slides/slide7.xml><?xml version="1.0" encoding="utf-8"?>
-<p:sld xmlns:p="http://schemas.openxmlformats.org/presentationml/2006/main" xmlns:a="http://schemas.openxmlformats.org/drawingml/2006/main">
+<file path=ppt/slides/slide8.xml><?xml version="1.0" encoding="utf-8"?>
+<p:sld xmlns:a="http://schemas.openxmlformats.org/drawingml/2006/main" xmlns:r="http://schemas.openxmlformats.org/officeDocument/2006/relationships" xmlns:p="http://schemas.openxmlformats.org/presentationml/2006/main">
   <p:cSld>
     <p:bg>
       <p:bgPr>
         <a:solidFill>
           <a:srgbClr val="FFFFFE"/>
         </a:solidFill>
+        <a:effectLst/>
       </p:bgPr>
     </p:bg>
     <p:spTree>
@@ -7548,15 +9497,51 @@
           <a:chExt cx="0" cy="0"/>
         </a:xfrm>
       </p:grpSpPr>
+      <p:pic>
+        <p:nvPicPr>
+          <p:cNvPr id="14" name="Picture 13">
+            <a:extLst>
+              <a:ext uri="{FF2B5EF4-FFF2-40B4-BE49-F238E27FC236}">
+                <a16:creationId xmlns:a16="http://schemas.microsoft.com/office/drawing/2014/main" id="{116EA062-6BDD-4F5D-940A-094677BF96CE}"/>
+              </a:ext>
+            </a:extLst>
+          </p:cNvPr>
+          <p:cNvPicPr>
+            <a:picLocks noChangeAspect="1"/>
+          </p:cNvPicPr>
+          <p:nvPr/>
+        </p:nvPicPr>
+        <p:blipFill>
+          <a:blip r:embed="rId2">
+            <a:extLst>
+              <a:ext uri="{28A0092B-C50C-407E-A947-70E740481C1C}">
+                <a14:useLocalDpi xmlns:a14="http://schemas.microsoft.com/office/drawing/2010/main" val="0"/>
+              </a:ext>
+            </a:extLst>
+          </a:blip>
+          <a:stretch>
+            <a:fillRect/>
+          </a:stretch>
+        </p:blipFill>
+        <p:spPr>
+          <a:xfrm>
+            <a:off x="1419547" y="1006820"/>
+            <a:ext cx="10868547" cy="9029700"/>
+          </a:xfrm>
+          <a:prstGeom prst="rect">
+            <a:avLst/>
+          </a:prstGeom>
+        </p:spPr>
+      </p:pic>
       <p:grpSp>
         <p:nvGrpSpPr>
-          <p:cNvPr name="Group 2" id="2"/>
+          <p:cNvPr id="2" name="Group 2"/>
           <p:cNvGrpSpPr/>
           <p:nvPr/>
         </p:nvGrpSpPr>
         <p:grpSpPr>
-          <a:xfrm rot="0">
-            <a:off x="-1516528" y="-1303606"/>
+          <a:xfrm>
+            <a:off x="-2284134" y="-1181100"/>
             <a:ext cx="3499668" cy="13405540"/>
             <a:chOff x="0" y="0"/>
             <a:chExt cx="212191" cy="812800"/>
@@ -7564,12 +9549,12 @@
         </p:grpSpPr>
         <p:sp>
           <p:nvSpPr>
-            <p:cNvPr name="Freeform 3" id="3"/>
+            <p:cNvPr id="3" name="Freeform 3"/>
             <p:cNvSpPr/>
             <p:nvPr/>
           </p:nvSpPr>
           <p:spPr>
-            <a:xfrm flipH="false" flipV="false" rot="0">
+            <a:xfrm>
               <a:off x="0" y="0"/>
               <a:ext cx="212191" cy="812800"/>
             </a:xfrm>
@@ -7578,9 +9563,9 @@
               <a:gdLst/>
               <a:ahLst/>
               <a:cxnLst/>
-              <a:rect r="r" b="b" t="t" l="l"/>
+              <a:rect l="l" t="t" r="r" b="b"/>
               <a:pathLst>
-                <a:path h="812800" w="212191">
+                <a:path w="212191" h="812800">
                   <a:moveTo>
                     <a:pt x="106095" y="0"/>
                   </a:moveTo>
@@ -7615,7 +9600,7 @@
             </a:solidFill>
             <a:ln w="19050" cap="sq">
               <a:solidFill>
-                <a:srgbClr val="FD6220"/>
+                <a:srgbClr val="F9232C"/>
               </a:solidFill>
               <a:prstDash val="solid"/>
               <a:miter/>
@@ -7624,8 +9609,8 @@
         </p:sp>
         <p:sp>
           <p:nvSpPr>
-            <p:cNvPr name="TextBox 4" id="4"/>
-            <p:cNvSpPr txBox="true"/>
+            <p:cNvPr id="4" name="TextBox 4"/>
+            <p:cNvSpPr txBox="1"/>
             <p:nvPr/>
           </p:nvSpPr>
           <p:spPr>
@@ -7638,7 +9623,7 @@
             </a:prstGeom>
           </p:spPr>
           <p:txBody>
-            <a:bodyPr anchor="ctr" rtlCol="false" tIns="50800" lIns="50800" bIns="50800" rIns="50800"/>
+            <a:bodyPr lIns="50800" tIns="50800" rIns="50800" bIns="50800" rtlCol="0" anchor="ctr"/>
             <a:lstStyle/>
             <a:p>
               <a:pPr algn="ctr">
@@ -7646,192 +9631,19 @@
                   <a:spcPts val="2659"/>
                 </a:lnSpc>
               </a:pPr>
+              <a:endParaRPr/>
             </a:p>
           </p:txBody>
         </p:sp>
       </p:grpSp>
-      <p:sp>
-        <p:nvSpPr>
-          <p:cNvPr name="TextBox 5" id="5"/>
-          <p:cNvSpPr txBox="true"/>
-          <p:nvPr/>
-        </p:nvSpPr>
-        <p:spPr>
-          <a:xfrm rot="0">
-            <a:off x="2280074" y="1707611"/>
-            <a:ext cx="5515657" cy="871220"/>
-          </a:xfrm>
-          <a:prstGeom prst="rect">
-            <a:avLst/>
-          </a:prstGeom>
-        </p:spPr>
-        <p:txBody>
-          <a:bodyPr anchor="t" rtlCol="false" tIns="0" lIns="0" bIns="0" rIns="0">
-            <a:spAutoFit/>
-          </a:bodyPr>
-          <a:lstStyle/>
-          <a:p>
-            <a:pPr algn="l">
-              <a:lnSpc>
-                <a:spcPts val="7000"/>
-              </a:lnSpc>
-              <a:spcBef>
-                <a:spcPct val="0"/>
-              </a:spcBef>
-            </a:pPr>
-            <a:r>
-              <a:rPr lang="en-US" sz="5000" b="true">
-                <a:solidFill>
-                  <a:srgbClr val="191919"/>
-                </a:solidFill>
-                <a:latin typeface="Gotham Bold"/>
-                <a:ea typeface="Gotham Bold"/>
-                <a:cs typeface="Gotham Bold"/>
-                <a:sym typeface="Gotham Bold"/>
-              </a:rPr>
-              <a:t>Summary </a:t>
-            </a:r>
-          </a:p>
-        </p:txBody>
-      </p:sp>
-      <p:sp>
-        <p:nvSpPr>
-          <p:cNvPr name="TextBox 6" id="6"/>
-          <p:cNvSpPr txBox="true"/>
-          <p:nvPr/>
-        </p:nvSpPr>
-        <p:spPr>
-          <a:xfrm rot="0">
-            <a:off x="2280074" y="2760842"/>
-            <a:ext cx="14203000" cy="2557772"/>
-          </a:xfrm>
-          <a:prstGeom prst="rect">
-            <a:avLst/>
-          </a:prstGeom>
-        </p:spPr>
-        <p:txBody>
-          <a:bodyPr anchor="t" rtlCol="false" tIns="0" lIns="0" bIns="0" rIns="0">
-            <a:spAutoFit/>
-          </a:bodyPr>
-          <a:lstStyle/>
-          <a:p>
-            <a:pPr algn="l">
-              <a:lnSpc>
-                <a:spcPts val="3395"/>
-              </a:lnSpc>
-            </a:pPr>
-            <a:r>
-              <a:rPr lang="en-US" sz="2425">
-                <a:solidFill>
-                  <a:srgbClr val="191919"/>
-                </a:solidFill>
-                <a:latin typeface="Gotham"/>
-                <a:ea typeface="Gotham"/>
-                <a:cs typeface="Gotham"/>
-                <a:sym typeface="Gotham"/>
-              </a:rPr>
-              <a:t>Analyzed coupon campaigns, display locations, and mailer promotions.</a:t>
-            </a:r>
-          </a:p>
-          <a:p>
-            <a:pPr algn="l">
-              <a:lnSpc>
-                <a:spcPts val="3395"/>
-              </a:lnSpc>
-            </a:pPr>
-            <a:r>
-              <a:rPr lang="en-US" sz="2425">
-                <a:solidFill>
-                  <a:srgbClr val="191919"/>
-                </a:solidFill>
-                <a:latin typeface="Gotham"/>
-                <a:ea typeface="Gotham"/>
-                <a:cs typeface="Gotham"/>
-                <a:sym typeface="Gotham"/>
-              </a:rPr>
-              <a:t>Key findings:</a:t>
-            </a:r>
-          </a:p>
-          <a:p>
-            <a:pPr algn="l" marL="523627" indent="-261813" lvl="1">
-              <a:lnSpc>
-                <a:spcPts val="3395"/>
-              </a:lnSpc>
-              <a:buFont typeface="Arial"/>
-              <a:buChar char="•"/>
-            </a:pPr>
-            <a:r>
-              <a:rPr lang="en-US" sz="2425">
-                <a:solidFill>
-                  <a:srgbClr val="191919"/>
-                </a:solidFill>
-                <a:latin typeface="Gotham"/>
-                <a:ea typeface="Gotham"/>
-                <a:cs typeface="Gotham"/>
-                <a:sym typeface="Gotham"/>
-              </a:rPr>
-              <a:t>Campaign Type A boosted sales and engagement.</a:t>
-            </a:r>
-          </a:p>
-          <a:p>
-            <a:pPr algn="l" marL="523627" indent="-261813" lvl="1">
-              <a:lnSpc>
-                <a:spcPts val="3395"/>
-              </a:lnSpc>
-              <a:buFont typeface="Arial"/>
-              <a:buChar char="•"/>
-            </a:pPr>
-            <a:r>
-              <a:rPr lang="en-US" sz="2425">
-                <a:solidFill>
-                  <a:srgbClr val="191919"/>
-                </a:solidFill>
-                <a:latin typeface="Gotham"/>
-                <a:ea typeface="Gotham"/>
-                <a:cs typeface="Gotham"/>
-                <a:sym typeface="Gotham"/>
-              </a:rPr>
-              <a:t>Grocery Department performed well; others need improvement.</a:t>
-            </a:r>
-          </a:p>
-          <a:p>
-            <a:pPr algn="l" marL="523627" indent="-261813" lvl="1">
-              <a:lnSpc>
-                <a:spcPts val="3395"/>
-              </a:lnSpc>
-              <a:buFont typeface="Arial"/>
-              <a:buChar char="•"/>
-            </a:pPr>
-            <a:r>
-              <a:rPr lang="en-US" sz="2425">
-                <a:solidFill>
-                  <a:srgbClr val="191919"/>
-                </a:solidFill>
-                <a:latin typeface="Gotham"/>
-                <a:ea typeface="Gotham"/>
-                <a:cs typeface="Gotham"/>
-                <a:sym typeface="Gotham"/>
-              </a:rPr>
-              <a:t>Display locations significantly impact sales.</a:t>
-            </a:r>
-          </a:p>
-          <a:p>
-            <a:pPr algn="l">
-              <a:lnSpc>
-                <a:spcPts val="3395"/>
-              </a:lnSpc>
-            </a:pPr>
-          </a:p>
-        </p:txBody>
-      </p:sp>
       <p:grpSp>
         <p:nvGrpSpPr>
-          <p:cNvPr name="Group 7" id="7"/>
+          <p:cNvPr id="6" name="Group 6"/>
           <p:cNvGrpSpPr/>
           <p:nvPr/>
         </p:nvGrpSpPr>
         <p:grpSpPr>
-          <a:xfrm rot="0">
+          <a:xfrm>
             <a:off x="11762088" y="-9632634"/>
             <a:ext cx="10994424" cy="10994424"/>
             <a:chOff x="0" y="0"/>
@@ -7840,12 +9652,12 @@
         </p:grpSpPr>
         <p:sp>
           <p:nvSpPr>
-            <p:cNvPr name="Freeform 8" id="8"/>
+            <p:cNvPr id="7" name="Freeform 7"/>
             <p:cNvSpPr/>
             <p:nvPr/>
           </p:nvSpPr>
           <p:spPr>
-            <a:xfrm flipH="false" flipV="false" rot="0">
+            <a:xfrm>
               <a:off x="0" y="0"/>
               <a:ext cx="812800" cy="812800"/>
             </a:xfrm>
@@ -7854,9 +9666,9 @@
               <a:gdLst/>
               <a:ahLst/>
               <a:cxnLst/>
-              <a:rect r="r" b="b" t="t" l="l"/>
+              <a:rect l="l" t="t" r="r" b="b"/>
               <a:pathLst>
-                <a:path h="812800" w="812800">
+                <a:path w="812800" h="812800">
                   <a:moveTo>
                     <a:pt x="406400" y="0"/>
                   </a:moveTo>
@@ -7902,8 +9714,8 @@
         </p:sp>
         <p:sp>
           <p:nvSpPr>
-            <p:cNvPr name="TextBox 9" id="9"/>
-            <p:cNvSpPr txBox="true"/>
+            <p:cNvPr id="8" name="TextBox 8"/>
+            <p:cNvSpPr txBox="1"/>
             <p:nvPr/>
           </p:nvSpPr>
           <p:spPr>
@@ -7916,7 +9728,7 @@
             </a:prstGeom>
           </p:spPr>
           <p:txBody>
-            <a:bodyPr anchor="ctr" rtlCol="false" tIns="50800" lIns="50800" bIns="50800" rIns="50800"/>
+            <a:bodyPr lIns="50800" tIns="50800" rIns="50800" bIns="50800" rtlCol="0" anchor="ctr"/>
             <a:lstStyle/>
             <a:p>
               <a:pPr algn="ctr">
@@ -7924,41 +9736,206 @@
                   <a:spcPts val="2659"/>
                 </a:lnSpc>
               </a:pPr>
+              <a:endParaRPr/>
             </a:p>
           </p:txBody>
         </p:sp>
       </p:grpSp>
       <p:sp>
         <p:nvSpPr>
-          <p:cNvPr name="TextBox 10" id="10"/>
-          <p:cNvSpPr txBox="true"/>
+          <p:cNvPr id="9" name="TextBox 9"/>
+          <p:cNvSpPr txBox="1"/>
           <p:nvPr/>
         </p:nvSpPr>
         <p:spPr>
-          <a:xfrm rot="0">
-            <a:off x="2280074" y="5029200"/>
-            <a:ext cx="10435401" cy="871220"/>
+          <a:xfrm>
+            <a:off x="12662335" y="2394270"/>
+            <a:ext cx="5260627" cy="6409447"/>
           </a:xfrm>
           <a:prstGeom prst="rect">
             <a:avLst/>
           </a:prstGeom>
         </p:spPr>
         <p:txBody>
-          <a:bodyPr anchor="t" rtlCol="false" tIns="0" lIns="0" bIns="0" rIns="0">
+          <a:bodyPr lIns="0" tIns="0" rIns="0" bIns="0" rtlCol="0" anchor="t">
             <a:spAutoFit/>
           </a:bodyPr>
           <a:lstStyle/>
           <a:p>
             <a:pPr algn="l">
               <a:lnSpc>
-                <a:spcPts val="7000"/>
+                <a:spcPct val="150000"/>
+              </a:lnSpc>
+            </a:pPr>
+            <a:r>
+              <a:rPr lang="en-US" sz="2000" b="1" dirty="0">
+                <a:solidFill>
+                  <a:srgbClr val="191919"/>
+                </a:solidFill>
+                <a:latin typeface="Gotham Bold"/>
+                <a:ea typeface="Gotham Bold"/>
+                <a:cs typeface="Gotham Bold"/>
+                <a:sym typeface="Gotham Bold"/>
+              </a:rPr>
+              <a:t>Data Overview: </a:t>
+            </a:r>
+          </a:p>
+          <a:p>
+            <a:pPr algn="l">
+              <a:lnSpc>
+                <a:spcPct val="150000"/>
+              </a:lnSpc>
+            </a:pPr>
+            <a:r>
+              <a:rPr lang="en-US" sz="2000" dirty="0">
+                <a:solidFill>
+                  <a:srgbClr val="191919"/>
+                </a:solidFill>
+                <a:latin typeface="Gotham"/>
+                <a:ea typeface="Gotham"/>
+                <a:cs typeface="Gotham"/>
+                <a:sym typeface="Gotham"/>
+              </a:rPr>
+              <a:t>Total sales summarized by departments for both promotions.</a:t>
+            </a:r>
+          </a:p>
+          <a:p>
+            <a:pPr algn="l">
+              <a:lnSpc>
+                <a:spcPct val="150000"/>
+              </a:lnSpc>
+            </a:pPr>
+            <a:r>
+              <a:rPr lang="en-US" sz="2000" b="1" dirty="0">
+                <a:solidFill>
+                  <a:srgbClr val="191919"/>
+                </a:solidFill>
+                <a:latin typeface="Gotham Bold"/>
+                <a:ea typeface="Gotham Bold"/>
+                <a:cs typeface="Gotham Bold"/>
+                <a:sym typeface="Gotham Bold"/>
+              </a:rPr>
+              <a:t>Key Findings:</a:t>
+            </a:r>
+          </a:p>
+          <a:p>
+            <a:pPr marL="474409" lvl="1" indent="-237205" algn="l">
+              <a:lnSpc>
+                <a:spcPct val="150000"/>
+              </a:lnSpc>
+              <a:buFont typeface="Arial"/>
+              <a:buChar char="•"/>
+            </a:pPr>
+            <a:r>
+              <a:rPr lang="en-US" sz="2000" dirty="0">
+                <a:solidFill>
+                  <a:srgbClr val="191919"/>
+                </a:solidFill>
+                <a:latin typeface="Gotham"/>
+                <a:ea typeface="Gotham"/>
+                <a:cs typeface="Gotham"/>
+                <a:sym typeface="Gotham"/>
+              </a:rPr>
+              <a:t>GROCERY department remained the top performer across all promotion types</a:t>
+            </a:r>
+          </a:p>
+          <a:p>
+            <a:pPr marL="474409" lvl="1" indent="-237205" algn="l">
+              <a:lnSpc>
+                <a:spcPct val="150000"/>
+              </a:lnSpc>
+              <a:buFont typeface="Arial"/>
+              <a:buChar char="•"/>
+            </a:pPr>
+            <a:r>
+              <a:rPr lang="en-US" sz="2000" dirty="0">
+                <a:solidFill>
+                  <a:srgbClr val="191919"/>
+                </a:solidFill>
+                <a:latin typeface="Gotham"/>
+                <a:ea typeface="Gotham"/>
+                <a:cs typeface="Gotham"/>
+                <a:sym typeface="Gotham"/>
+              </a:rPr>
+              <a:t>Mail promotions drive higher sales overall.</a:t>
+            </a:r>
+          </a:p>
+          <a:p>
+            <a:pPr algn="l">
+              <a:lnSpc>
+                <a:spcPct val="150000"/>
+              </a:lnSpc>
+            </a:pPr>
+            <a:r>
+              <a:rPr lang="en-US" sz="2000" b="1" dirty="0">
+                <a:solidFill>
+                  <a:srgbClr val="191919"/>
+                </a:solidFill>
+                <a:latin typeface="Gotham Bold"/>
+                <a:ea typeface="Gotham Bold"/>
+                <a:cs typeface="Gotham Bold"/>
+                <a:sym typeface="Gotham Bold"/>
+              </a:rPr>
+              <a:t>Conclusion: </a:t>
+            </a:r>
+            <a:r>
+              <a:rPr lang="en-US" sz="2000" b="1" dirty="0">
+                <a:solidFill>
+                  <a:srgbClr val="191919"/>
+                </a:solidFill>
+                <a:latin typeface="Gotham" panose="020B0604020202020204" charset="0"/>
+                <a:ea typeface="Gotham Bold"/>
+                <a:cs typeface="Gotham" panose="020B0604020202020204" charset="0"/>
+                <a:sym typeface="Gotham Bold"/>
+              </a:rPr>
+              <a:t>Customers tend to purchase and redeem coupons more frequently when they see promotions in the mail, indicating a shift in consumer behavior toward online shopping</a:t>
+            </a:r>
+            <a:r>
+              <a:rPr lang="en-US" sz="2000" dirty="0">
+                <a:solidFill>
+                  <a:srgbClr val="191919"/>
+                </a:solidFill>
+                <a:latin typeface="Gotham" panose="020B0604020202020204" charset="0"/>
+                <a:ea typeface="Gotham"/>
+                <a:cs typeface="Gotham" panose="020B0604020202020204" charset="0"/>
+                <a:sym typeface="Gotham"/>
+              </a:rPr>
+              <a:t>.</a:t>
+            </a:r>
+          </a:p>
+        </p:txBody>
+      </p:sp>
+      <p:sp>
+        <p:nvSpPr>
+          <p:cNvPr id="10" name="TextBox 10"/>
+          <p:cNvSpPr txBox="1"/>
+          <p:nvPr/>
+        </p:nvSpPr>
+        <p:spPr>
+          <a:xfrm>
+            <a:off x="12297297" y="1598614"/>
+            <a:ext cx="5990703" cy="528955"/>
+          </a:xfrm>
+          <a:prstGeom prst="rect">
+            <a:avLst/>
+          </a:prstGeom>
+        </p:spPr>
+        <p:txBody>
+          <a:bodyPr lIns="0" tIns="0" rIns="0" bIns="0" rtlCol="0" anchor="t">
+            <a:spAutoFit/>
+          </a:bodyPr>
+          <a:lstStyle/>
+          <a:p>
+            <a:pPr algn="just">
+              <a:lnSpc>
+                <a:spcPts val="4339"/>
               </a:lnSpc>
               <a:spcBef>
                 <a:spcPct val="0"/>
               </a:spcBef>
             </a:pPr>
             <a:r>
-              <a:rPr lang="en-US" sz="5000" b="true">
+              <a:rPr lang="en-US" sz="3099" b="1" dirty="0">
                 <a:solidFill>
                   <a:srgbClr val="191919"/>
                 </a:solidFill>
@@ -7967,41 +9944,362 @@
                 <a:cs typeface="Gotham Bold"/>
                 <a:sym typeface="Gotham Bold"/>
               </a:rPr>
-              <a:t>Recommendations</a:t>
-            </a:r>
-          </a:p>
-        </p:txBody>
-      </p:sp>
-      <p:sp>
-        <p:nvSpPr>
-          <p:cNvPr name="TextBox 11" id="11"/>
-          <p:cNvSpPr txBox="true"/>
+              <a:t>Display vs. Mailer promotion</a:t>
+            </a:r>
+          </a:p>
+        </p:txBody>
+      </p:sp>
+    </p:spTree>
+  </p:cSld>
+  <p:clrMapOvr>
+    <a:masterClrMapping/>
+  </p:clrMapOvr>
+</p:sld>
+</file>
+
+<file path=ppt/slides/slide9.xml><?xml version="1.0" encoding="utf-8"?>
+<p:sld xmlns:a="http://schemas.openxmlformats.org/drawingml/2006/main" xmlns:r="http://schemas.openxmlformats.org/officeDocument/2006/relationships" xmlns:p="http://schemas.openxmlformats.org/presentationml/2006/main">
+  <p:cSld>
+    <p:bg>
+      <p:bgPr>
+        <a:solidFill>
+          <a:srgbClr val="FFFFFE"/>
+        </a:solidFill>
+        <a:effectLst/>
+      </p:bgPr>
+    </p:bg>
+    <p:spTree>
+      <p:nvGrpSpPr>
+        <p:cNvPr id="1" name=""/>
+        <p:cNvGrpSpPr/>
+        <p:nvPr/>
+      </p:nvGrpSpPr>
+      <p:grpSpPr>
+        <a:xfrm>
+          <a:off x="0" y="0"/>
+          <a:ext cx="0" cy="0"/>
+          <a:chOff x="0" y="0"/>
+          <a:chExt cx="0" cy="0"/>
+        </a:xfrm>
+      </p:grpSpPr>
+      <p:grpSp>
+        <p:nvGrpSpPr>
+          <p:cNvPr id="2" name="Group 2"/>
+          <p:cNvGrpSpPr/>
           <p:nvPr/>
-        </p:nvSpPr>
-        <p:spPr>
-          <a:xfrm rot="0">
-            <a:off x="2280074" y="6309995"/>
-            <a:ext cx="14203000" cy="2129147"/>
+        </p:nvGrpSpPr>
+        <p:grpSpPr>
+          <a:xfrm>
+            <a:off x="-1516528" y="-1303606"/>
+            <a:ext cx="3499668" cy="13405540"/>
+            <a:chOff x="0" y="0"/>
+            <a:chExt cx="212191" cy="812800"/>
           </a:xfrm>
-          <a:prstGeom prst="rect">
-            <a:avLst/>
-          </a:prstGeom>
-        </p:spPr>
-        <p:txBody>
-          <a:bodyPr anchor="t" rtlCol="false" tIns="0" lIns="0" bIns="0" rIns="0">
-            <a:spAutoFit/>
-          </a:bodyPr>
-          <a:lstStyle/>
-          <a:p>
-            <a:pPr algn="l" marL="523627" indent="-261813" lvl="1">
-              <a:lnSpc>
-                <a:spcPts val="3395"/>
-              </a:lnSpc>
-              <a:buFont typeface="Arial"/>
-              <a:buChar char="•"/>
-            </a:pPr>
-            <a:r>
-              <a:rPr lang="en-US" sz="2425">
+        </p:grpSpPr>
+        <p:sp>
+          <p:nvSpPr>
+            <p:cNvPr id="3" name="Freeform 3"/>
+            <p:cNvSpPr/>
+            <p:nvPr/>
+          </p:nvSpPr>
+          <p:spPr>
+            <a:xfrm>
+              <a:off x="0" y="0"/>
+              <a:ext cx="212191" cy="812800"/>
+            </a:xfrm>
+            <a:custGeom>
+              <a:avLst/>
+              <a:gdLst/>
+              <a:ahLst/>
+              <a:cxnLst/>
+              <a:rect l="l" t="t" r="r" b="b"/>
+              <a:pathLst>
+                <a:path w="212191" h="812800">
+                  <a:moveTo>
+                    <a:pt x="106095" y="0"/>
+                  </a:moveTo>
+                  <a:cubicBezTo>
+                    <a:pt x="47500" y="0"/>
+                    <a:pt x="0" y="181951"/>
+                    <a:pt x="0" y="406400"/>
+                  </a:cubicBezTo>
+                  <a:cubicBezTo>
+                    <a:pt x="0" y="630849"/>
+                    <a:pt x="47500" y="812800"/>
+                    <a:pt x="106095" y="812800"/>
+                  </a:cubicBezTo>
+                  <a:cubicBezTo>
+                    <a:pt x="164690" y="812800"/>
+                    <a:pt x="212191" y="630849"/>
+                    <a:pt x="212191" y="406400"/>
+                  </a:cubicBezTo>
+                  <a:cubicBezTo>
+                    <a:pt x="212191" y="181951"/>
+                    <a:pt x="164690" y="0"/>
+                    <a:pt x="106095" y="0"/>
+                  </a:cubicBezTo>
+                  <a:close/>
+                </a:path>
+              </a:pathLst>
+            </a:custGeom>
+            <a:solidFill>
+              <a:srgbClr val="000000">
+                <a:alpha val="0"/>
+              </a:srgbClr>
+            </a:solidFill>
+            <a:ln w="19050" cap="sq">
+              <a:solidFill>
+                <a:srgbClr val="FD6220"/>
+              </a:solidFill>
+              <a:prstDash val="solid"/>
+              <a:miter/>
+            </a:ln>
+          </p:spPr>
+        </p:sp>
+        <p:sp>
+          <p:nvSpPr>
+            <p:cNvPr id="4" name="TextBox 4"/>
+            <p:cNvSpPr txBox="1"/>
+            <p:nvPr/>
+          </p:nvSpPr>
+          <p:spPr>
+            <a:xfrm>
+              <a:off x="19893" y="47625"/>
+              <a:ext cx="172405" cy="688975"/>
+            </a:xfrm>
+            <a:prstGeom prst="rect">
+              <a:avLst/>
+            </a:prstGeom>
+          </p:spPr>
+          <p:txBody>
+            <a:bodyPr lIns="50800" tIns="50800" rIns="50800" bIns="50800" rtlCol="0" anchor="ctr"/>
+            <a:lstStyle/>
+            <a:p>
+              <a:pPr algn="ctr">
+                <a:lnSpc>
+                  <a:spcPts val="2659"/>
+                </a:lnSpc>
+              </a:pPr>
+              <a:endParaRPr/>
+            </a:p>
+          </p:txBody>
+        </p:sp>
+      </p:grpSp>
+      <p:grpSp>
+        <p:nvGrpSpPr>
+          <p:cNvPr id="7" name="Group 7"/>
+          <p:cNvGrpSpPr/>
+          <p:nvPr/>
+        </p:nvGrpSpPr>
+        <p:grpSpPr>
+          <a:xfrm>
+            <a:off x="11762088" y="-9632634"/>
+            <a:ext cx="10994424" cy="10994424"/>
+            <a:chOff x="0" y="0"/>
+            <a:chExt cx="812800" cy="812800"/>
+          </a:xfrm>
+        </p:grpSpPr>
+        <p:sp>
+          <p:nvSpPr>
+            <p:cNvPr id="8" name="Freeform 8"/>
+            <p:cNvSpPr/>
+            <p:nvPr/>
+          </p:nvSpPr>
+          <p:spPr>
+            <a:xfrm>
+              <a:off x="0" y="0"/>
+              <a:ext cx="812800" cy="812800"/>
+            </a:xfrm>
+            <a:custGeom>
+              <a:avLst/>
+              <a:gdLst/>
+              <a:ahLst/>
+              <a:cxnLst/>
+              <a:rect l="l" t="t" r="r" b="b"/>
+              <a:pathLst>
+                <a:path w="812800" h="812800">
+                  <a:moveTo>
+                    <a:pt x="406400" y="0"/>
+                  </a:moveTo>
+                  <a:cubicBezTo>
+                    <a:pt x="181951" y="0"/>
+                    <a:pt x="0" y="181951"/>
+                    <a:pt x="0" y="406400"/>
+                  </a:cubicBezTo>
+                  <a:cubicBezTo>
+                    <a:pt x="0" y="630849"/>
+                    <a:pt x="181951" y="812800"/>
+                    <a:pt x="406400" y="812800"/>
+                  </a:cubicBezTo>
+                  <a:cubicBezTo>
+                    <a:pt x="630849" y="812800"/>
+                    <a:pt x="812800" y="630849"/>
+                    <a:pt x="812800" y="406400"/>
+                  </a:cubicBezTo>
+                  <a:cubicBezTo>
+                    <a:pt x="812800" y="181951"/>
+                    <a:pt x="630849" y="0"/>
+                    <a:pt x="406400" y="0"/>
+                  </a:cubicBezTo>
+                  <a:close/>
+                </a:path>
+              </a:pathLst>
+            </a:custGeom>
+            <a:solidFill>
+              <a:srgbClr val="000000">
+                <a:alpha val="0"/>
+              </a:srgbClr>
+            </a:solidFill>
+            <a:ln w="514350" cap="sq">
+              <a:solidFill>
+                <a:srgbClr val="FD6220">
+                  <a:alpha val="11765"/>
+                </a:srgbClr>
+              </a:solidFill>
+              <a:prstDash val="solid"/>
+              <a:miter/>
+            </a:ln>
+          </p:spPr>
+        </p:sp>
+        <p:sp>
+          <p:nvSpPr>
+            <p:cNvPr id="9" name="TextBox 9"/>
+            <p:cNvSpPr txBox="1"/>
+            <p:nvPr/>
+          </p:nvSpPr>
+          <p:spPr>
+            <a:xfrm>
+              <a:off x="76200" y="47625"/>
+              <a:ext cx="660400" cy="688975"/>
+            </a:xfrm>
+            <a:prstGeom prst="rect">
+              <a:avLst/>
+            </a:prstGeom>
+          </p:spPr>
+          <p:txBody>
+            <a:bodyPr lIns="50800" tIns="50800" rIns="50800" bIns="50800" rtlCol="0" anchor="ctr"/>
+            <a:lstStyle/>
+            <a:p>
+              <a:pPr algn="ctr">
+                <a:lnSpc>
+                  <a:spcPts val="2659"/>
+                </a:lnSpc>
+              </a:pPr>
+              <a:endParaRPr/>
+            </a:p>
+          </p:txBody>
+        </p:sp>
+      </p:grpSp>
+      <p:grpSp>
+        <p:nvGrpSpPr>
+          <p:cNvPr id="14" name="Group 13">
+            <a:extLst>
+              <a:ext uri="{FF2B5EF4-FFF2-40B4-BE49-F238E27FC236}">
+                <a16:creationId xmlns:a16="http://schemas.microsoft.com/office/drawing/2014/main" id="{C5F67C8D-CE6A-4079-B4CF-CF07B1057082}"/>
+              </a:ext>
+            </a:extLst>
+          </p:cNvPr>
+          <p:cNvGrpSpPr/>
+          <p:nvPr/>
+        </p:nvGrpSpPr>
+        <p:grpSpPr>
+          <a:xfrm>
+            <a:off x="2313412" y="1103763"/>
+            <a:ext cx="14203000" cy="8079474"/>
+            <a:chOff x="2133600" y="800100"/>
+            <a:chExt cx="14203000" cy="8079474"/>
+          </a:xfrm>
+        </p:grpSpPr>
+        <p:sp>
+          <p:nvSpPr>
+            <p:cNvPr id="5" name="TextBox 5"/>
+            <p:cNvSpPr txBox="1"/>
+            <p:nvPr/>
+          </p:nvSpPr>
+          <p:spPr>
+            <a:xfrm>
+              <a:off x="2133600" y="800100"/>
+              <a:ext cx="5515657" cy="871220"/>
+            </a:xfrm>
+            <a:prstGeom prst="rect">
+              <a:avLst/>
+            </a:prstGeom>
+          </p:spPr>
+          <p:txBody>
+            <a:bodyPr lIns="0" tIns="0" rIns="0" bIns="0" rtlCol="0" anchor="t">
+              <a:spAutoFit/>
+            </a:bodyPr>
+            <a:lstStyle/>
+            <a:p>
+              <a:pPr algn="l">
+                <a:lnSpc>
+                  <a:spcPts val="7000"/>
+                </a:lnSpc>
+                <a:spcBef>
+                  <a:spcPct val="0"/>
+                </a:spcBef>
+              </a:pPr>
+              <a:r>
+                <a:rPr lang="en-US" sz="5000" b="1">
+                  <a:solidFill>
+                    <a:srgbClr val="191919"/>
+                  </a:solidFill>
+                  <a:latin typeface="Gotham Bold"/>
+                  <a:ea typeface="Gotham Bold"/>
+                  <a:cs typeface="Gotham Bold"/>
+                  <a:sym typeface="Gotham Bold"/>
+                </a:rPr>
+                <a:t>Summary </a:t>
+              </a:r>
+            </a:p>
+          </p:txBody>
+        </p:sp>
+        <p:sp>
+          <p:nvSpPr>
+            <p:cNvPr id="6" name="TextBox 6"/>
+            <p:cNvSpPr txBox="1"/>
+            <p:nvPr/>
+          </p:nvSpPr>
+          <p:spPr>
+            <a:xfrm>
+              <a:off x="2133600" y="1786522"/>
+              <a:ext cx="14203000" cy="3453766"/>
+            </a:xfrm>
+            <a:prstGeom prst="rect">
+              <a:avLst/>
+            </a:prstGeom>
+          </p:spPr>
+          <p:txBody>
+            <a:bodyPr lIns="0" tIns="0" rIns="0" bIns="0" rtlCol="0" anchor="t">
+              <a:spAutoFit/>
+            </a:bodyPr>
+            <a:lstStyle/>
+            <a:p>
+              <a:pPr algn="l">
+                <a:lnSpc>
+                  <a:spcPts val="3395"/>
+                </a:lnSpc>
+              </a:pPr>
+              <a:r>
+                <a:rPr lang="en-US" sz="2425" dirty="0">
+                  <a:solidFill>
+                    <a:srgbClr val="191919"/>
+                  </a:solidFill>
+                  <a:latin typeface="Gotham"/>
+                  <a:ea typeface="Gotham"/>
+                  <a:cs typeface="Gotham"/>
+                  <a:sym typeface="Gotham"/>
+                </a:rPr>
+                <a:t>Analyzed coupon campaigns, display locations, and mailer promotions.</a:t>
+              </a:r>
+            </a:p>
+            <a:p>
+              <a:pPr algn="l">
+                <a:lnSpc>
+                  <a:spcPts val="3395"/>
+                </a:lnSpc>
+              </a:pPr>
+              <a:endParaRPr lang="en-US" sz="2425" dirty="0">
                 <a:solidFill>
                   <a:srgbClr val="191919"/>
                 </a:solidFill>
@@ -8009,82 +10307,234 @@
                 <a:ea typeface="Gotham"/>
                 <a:cs typeface="Gotham"/>
                 <a:sym typeface="Gotham"/>
-              </a:rPr>
-              <a:t>Enhance Campaign Type A for underperforming departments.</a:t>
-            </a:r>
-          </a:p>
-          <a:p>
-            <a:pPr algn="l" marL="523627" indent="-261813" lvl="1">
-              <a:lnSpc>
-                <a:spcPts val="3395"/>
-              </a:lnSpc>
-              <a:buFont typeface="Arial"/>
-              <a:buChar char="•"/>
-            </a:pPr>
-            <a:r>
-              <a:rPr lang="en-US" sz="2425">
-                <a:solidFill>
-                  <a:srgbClr val="191919"/>
-                </a:solidFill>
-                <a:latin typeface="Gotham"/>
-                <a:ea typeface="Gotham"/>
-                <a:cs typeface="Gotham"/>
-                <a:sym typeface="Gotham"/>
-              </a:rPr>
-              <a:t>Optimize display placements for visibility and sales.</a:t>
-            </a:r>
-          </a:p>
-          <a:p>
-            <a:pPr algn="l" marL="523627" indent="-261813" lvl="1">
-              <a:lnSpc>
-                <a:spcPts val="3395"/>
-              </a:lnSpc>
-              <a:buFont typeface="Arial"/>
-              <a:buChar char="•"/>
-            </a:pPr>
-            <a:r>
-              <a:rPr lang="en-US" sz="2425">
-                <a:solidFill>
-                  <a:srgbClr val="191919"/>
-                </a:solidFill>
-                <a:latin typeface="Gotham"/>
-                <a:ea typeface="Gotham"/>
-                <a:cs typeface="Gotham"/>
-                <a:sym typeface="Gotham"/>
-              </a:rPr>
-              <a:t>Leverage targeted mailers for high-potential departments.</a:t>
-            </a:r>
-          </a:p>
-          <a:p>
-            <a:pPr algn="l" marL="523627" indent="-261813" lvl="1">
-              <a:lnSpc>
-                <a:spcPts val="3395"/>
-              </a:lnSpc>
-              <a:buFont typeface="Arial"/>
-              <a:buChar char="•"/>
-            </a:pPr>
-            <a:r>
-              <a:rPr lang="en-US" sz="2425">
-                <a:solidFill>
-                  <a:srgbClr val="191919"/>
-                </a:solidFill>
-                <a:latin typeface="Gotham"/>
-                <a:ea typeface="Gotham"/>
-                <a:cs typeface="Gotham"/>
-                <a:sym typeface="Gotham"/>
-              </a:rPr>
-              <a:t>Continue analysis to refine marketing strategies.</a:t>
-            </a:r>
-          </a:p>
-          <a:p>
-            <a:pPr algn="l">
-              <a:lnSpc>
-                <a:spcPts val="3395"/>
-              </a:lnSpc>
-            </a:pPr>
-          </a:p>
-        </p:txBody>
-      </p:sp>
+              </a:endParaRPr>
+            </a:p>
+            <a:p>
+              <a:pPr algn="l">
+                <a:lnSpc>
+                  <a:spcPts val="3395"/>
+                </a:lnSpc>
+              </a:pPr>
+              <a:r>
+                <a:rPr lang="en-US" sz="2425" b="1" i="1" dirty="0">
+                  <a:solidFill>
+                    <a:srgbClr val="191919"/>
+                  </a:solidFill>
+                  <a:latin typeface="Gotham"/>
+                  <a:ea typeface="Gotham"/>
+                  <a:cs typeface="Gotham"/>
+                  <a:sym typeface="Gotham"/>
+                </a:rPr>
+                <a:t>Key findings</a:t>
+              </a:r>
+              <a:r>
+                <a:rPr lang="en-US" sz="2425" dirty="0">
+                  <a:solidFill>
+                    <a:srgbClr val="191919"/>
+                  </a:solidFill>
+                  <a:latin typeface="Gotham"/>
+                  <a:ea typeface="Gotham"/>
+                  <a:cs typeface="Gotham"/>
+                  <a:sym typeface="Gotham"/>
+                </a:rPr>
+                <a:t>:</a:t>
+              </a:r>
+            </a:p>
+            <a:p>
+              <a:pPr marL="523627" lvl="1" indent="-261813" algn="l">
+                <a:lnSpc>
+                  <a:spcPts val="3395"/>
+                </a:lnSpc>
+                <a:buFont typeface="Arial"/>
+                <a:buChar char="•"/>
+              </a:pPr>
+              <a:r>
+                <a:rPr lang="en-US" sz="2425" dirty="0">
+                  <a:solidFill>
+                    <a:srgbClr val="191919"/>
+                  </a:solidFill>
+                  <a:latin typeface="Gotham"/>
+                  <a:ea typeface="Gotham"/>
+                  <a:cs typeface="Gotham"/>
+                  <a:sym typeface="Gotham"/>
+                </a:rPr>
+                <a:t>Campaign Type A boosted sales and engagement =&gt; Future campaign model</a:t>
+              </a:r>
+            </a:p>
+            <a:p>
+              <a:pPr marL="523627" lvl="1" indent="-261813" algn="l">
+                <a:lnSpc>
+                  <a:spcPts val="3395"/>
+                </a:lnSpc>
+                <a:buFont typeface="Arial"/>
+                <a:buChar char="•"/>
+              </a:pPr>
+              <a:r>
+                <a:rPr lang="en-US" sz="2425" dirty="0">
+                  <a:solidFill>
+                    <a:srgbClr val="191919"/>
+                  </a:solidFill>
+                  <a:latin typeface="Gotham"/>
+                  <a:ea typeface="Gotham"/>
+                  <a:cs typeface="Gotham"/>
+                  <a:sym typeface="Gotham"/>
+                </a:rPr>
+                <a:t>MEAT had significantly higher sales value when not displayed compared to when it was displayed</a:t>
+              </a:r>
+            </a:p>
+            <a:p>
+              <a:pPr marL="523627" lvl="1" indent="-261813" algn="l">
+                <a:lnSpc>
+                  <a:spcPts val="3395"/>
+                </a:lnSpc>
+                <a:buFont typeface="Arial"/>
+                <a:buChar char="•"/>
+              </a:pPr>
+              <a:r>
+                <a:rPr lang="en-US" sz="2425" dirty="0">
+                  <a:solidFill>
+                    <a:srgbClr val="191919"/>
+                  </a:solidFill>
+                  <a:latin typeface="Gotham"/>
+                  <a:ea typeface="Gotham"/>
+                  <a:cs typeface="Gotham"/>
+                  <a:sym typeface="Gotham"/>
+                </a:rPr>
+                <a:t>TRAVEL &amp; LEISURE and DELI, which were not seen in the display location analysis, became more prominent when looking at the mailer view</a:t>
+              </a:r>
+            </a:p>
+          </p:txBody>
+        </p:sp>
+        <p:sp>
+          <p:nvSpPr>
+            <p:cNvPr id="10" name="TextBox 10"/>
+            <p:cNvSpPr txBox="1"/>
+            <p:nvPr/>
+          </p:nvSpPr>
+          <p:spPr>
+            <a:xfrm>
+              <a:off x="2133600" y="5355490"/>
+              <a:ext cx="10435401" cy="827150"/>
+            </a:xfrm>
+            <a:prstGeom prst="rect">
+              <a:avLst/>
+            </a:prstGeom>
+          </p:spPr>
+          <p:txBody>
+            <a:bodyPr lIns="0" tIns="0" rIns="0" bIns="0" rtlCol="0" anchor="t">
+              <a:spAutoFit/>
+            </a:bodyPr>
+            <a:lstStyle/>
+            <a:p>
+              <a:pPr algn="l">
+                <a:lnSpc>
+                  <a:spcPts val="7000"/>
+                </a:lnSpc>
+                <a:spcBef>
+                  <a:spcPct val="0"/>
+                </a:spcBef>
+              </a:pPr>
+              <a:r>
+                <a:rPr lang="en-US" sz="5000" b="1" dirty="0">
+                  <a:solidFill>
+                    <a:srgbClr val="191919"/>
+                  </a:solidFill>
+                  <a:latin typeface="Gotham Bold"/>
+                  <a:ea typeface="Gotham Bold"/>
+                  <a:cs typeface="Gotham Bold"/>
+                  <a:sym typeface="Gotham Bold"/>
+                </a:rPr>
+                <a:t>Limitations</a:t>
+              </a:r>
+            </a:p>
+          </p:txBody>
+        </p:sp>
+        <p:sp>
+          <p:nvSpPr>
+            <p:cNvPr id="11" name="TextBox 11"/>
+            <p:cNvSpPr txBox="1"/>
+            <p:nvPr/>
+          </p:nvSpPr>
+          <p:spPr>
+            <a:xfrm>
+              <a:off x="2133600" y="6297842"/>
+              <a:ext cx="14203000" cy="2581732"/>
+            </a:xfrm>
+            <a:prstGeom prst="rect">
+              <a:avLst/>
+            </a:prstGeom>
+          </p:spPr>
+          <p:txBody>
+            <a:bodyPr lIns="0" tIns="0" rIns="0" bIns="0" rtlCol="0" anchor="t">
+              <a:spAutoFit/>
+            </a:bodyPr>
+            <a:lstStyle/>
+            <a:p>
+              <a:pPr marL="523627" lvl="1" indent="-261813" algn="l">
+                <a:lnSpc>
+                  <a:spcPts val="3395"/>
+                </a:lnSpc>
+                <a:buFont typeface="Arial"/>
+                <a:buChar char="•"/>
+              </a:pPr>
+              <a:r>
+                <a:rPr lang="en-US" sz="2425" dirty="0">
+                  <a:solidFill>
+                    <a:srgbClr val="191919"/>
+                  </a:solidFill>
+                  <a:latin typeface="Gotham"/>
+                  <a:ea typeface="Gotham"/>
+                  <a:cs typeface="Gotham"/>
+                  <a:sym typeface="Gotham"/>
+                </a:rPr>
+                <a:t>Future analysis should explore the impact of time frames on promotional campaigns and their sales performance.</a:t>
+              </a:r>
+            </a:p>
+            <a:p>
+              <a:pPr marL="523627" lvl="1" indent="-261813" algn="l">
+                <a:lnSpc>
+                  <a:spcPts val="3395"/>
+                </a:lnSpc>
+                <a:buFont typeface="Arial"/>
+                <a:buChar char="•"/>
+              </a:pPr>
+              <a:r>
+                <a:rPr lang="en-US" sz="2425" dirty="0">
+                  <a:solidFill>
+                    <a:srgbClr val="191919"/>
+                  </a:solidFill>
+                  <a:latin typeface="Gotham"/>
+                  <a:ea typeface="Gotham"/>
+                  <a:cs typeface="Gotham"/>
+                  <a:sym typeface="Gotham"/>
+                </a:rPr>
+                <a:t>Validation is needed to confirm that all transactions with discounts are redeemed coupons.</a:t>
+              </a:r>
+            </a:p>
+            <a:p>
+              <a:pPr marL="523627" lvl="1" indent="-261813" algn="l">
+                <a:lnSpc>
+                  <a:spcPts val="3395"/>
+                </a:lnSpc>
+                <a:buFont typeface="Arial"/>
+                <a:buChar char="•"/>
+              </a:pPr>
+              <a:r>
+                <a:rPr lang="en-US" sz="2425" dirty="0">
+                  <a:solidFill>
+                    <a:srgbClr val="191919"/>
+                  </a:solidFill>
+                  <a:latin typeface="Gotham"/>
+                  <a:ea typeface="Gotham"/>
+                  <a:cs typeface="Gotham"/>
+                  <a:sym typeface="Gotham"/>
+                </a:rPr>
+                <a:t>Approximately 2 million coupon redemptions lack transaction records; gathering more data could affect campaign sales insights.</a:t>
+              </a:r>
+            </a:p>
+          </p:txBody>
+        </p:sp>
+      </p:grpSp>
     </p:spTree>
   </p:cSld>
   <p:clrMapOvr>
